--- a/MNIST Digit Recognition.pptx
+++ b/MNIST Digit Recognition.pptx
@@ -12,7 +12,8 @@
     <p:sldId id="260" r:id="rId6"/>
     <p:sldId id="261" r:id="rId7"/>
     <p:sldId id="262" r:id="rId8"/>
-    <p:sldId id="263" r:id="rId9"/>
+    <p:sldId id="264" r:id="rId9"/>
+    <p:sldId id="263" r:id="rId10"/>
   </p:sldIdLst>
   <p:sldSz cx="12192000" cy="6858000"/>
   <p:notesSz cx="6858000" cy="9144000"/>
@@ -111,6 +112,11 @@
       </a:defRPr>
     </a:lvl9pPr>
   </p:defaultTextStyle>
+  <p:extLst>
+    <p:ext uri="{EFAFB233-063F-42B5-8137-9DF3F51BA10A}">
+      <p15:sldGuideLst xmlns:p15="http://schemas.microsoft.com/office/powerpoint/2012/main"/>
+    </p:ext>
+  </p:extLst>
 </p:presentation>
 </file>
 
@@ -6979,7 +6985,7 @@
           <a:p>
             <a:fld id="{8F72BA41-EC5B-4197-BCC8-0FD2E523CD7A}" type="datetimeFigureOut">
               <a:rPr lang="en-US" smtClean="0"/>
-              <a:t>9/1/2024</a:t>
+              <a:t>9/3/2024</a:t>
             </a:fld>
             <a:endParaRPr lang="en-US"/>
           </a:p>
@@ -7182,7 +7188,7 @@
           <a:p>
             <a:fld id="{8F72BA41-EC5B-4197-BCC8-0FD2E523CD7A}" type="datetimeFigureOut">
               <a:rPr lang="en-US" smtClean="0"/>
-              <a:t>9/1/2024</a:t>
+              <a:t>9/3/2024</a:t>
             </a:fld>
             <a:endParaRPr lang="en-US"/>
           </a:p>
@@ -8903,7 +8909,7 @@
           <a:p>
             <a:fld id="{8F72BA41-EC5B-4197-BCC8-0FD2E523CD7A}" type="datetimeFigureOut">
               <a:rPr lang="en-US" smtClean="0"/>
-              <a:t>9/1/2024</a:t>
+              <a:t>9/3/2024</a:t>
             </a:fld>
             <a:endParaRPr lang="en-US"/>
           </a:p>
@@ -9102,7 +9108,7 @@
           <a:p>
             <a:fld id="{8F72BA41-EC5B-4197-BCC8-0FD2E523CD7A}" type="datetimeFigureOut">
               <a:rPr lang="en-US" smtClean="0"/>
-              <a:t>9/1/2024</a:t>
+              <a:t>9/3/2024</a:t>
             </a:fld>
             <a:endParaRPr lang="en-US"/>
           </a:p>
@@ -10892,7 +10898,7 @@
           <a:p>
             <a:fld id="{8F72BA41-EC5B-4197-BCC8-0FD2E523CD7A}" type="datetimeFigureOut">
               <a:rPr lang="en-US" smtClean="0"/>
-              <a:t>9/1/2024</a:t>
+              <a:t>9/3/2024</a:t>
             </a:fld>
             <a:endParaRPr lang="en-US"/>
           </a:p>
@@ -11165,7 +11171,7 @@
           <a:p>
             <a:fld id="{8F72BA41-EC5B-4197-BCC8-0FD2E523CD7A}" type="datetimeFigureOut">
               <a:rPr lang="en-US" smtClean="0"/>
-              <a:t>9/1/2024</a:t>
+              <a:t>9/3/2024</a:t>
             </a:fld>
             <a:endParaRPr lang="en-US"/>
           </a:p>
@@ -11585,7 +11591,7 @@
           <a:p>
             <a:fld id="{8F72BA41-EC5B-4197-BCC8-0FD2E523CD7A}" type="datetimeFigureOut">
               <a:rPr lang="en-US" smtClean="0"/>
-              <a:t>9/1/2024</a:t>
+              <a:t>9/3/2024</a:t>
             </a:fld>
             <a:endParaRPr lang="en-US"/>
           </a:p>
@@ -11741,7 +11747,7 @@
           <a:p>
             <a:fld id="{8F72BA41-EC5B-4197-BCC8-0FD2E523CD7A}" type="datetimeFigureOut">
               <a:rPr lang="en-US" smtClean="0"/>
-              <a:t>9/1/2024</a:t>
+              <a:t>9/3/2024</a:t>
             </a:fld>
             <a:endParaRPr lang="en-US"/>
           </a:p>
@@ -13309,7 +13315,7 @@
           <a:p>
             <a:fld id="{8F72BA41-EC5B-4197-BCC8-0FD2E523CD7A}" type="datetimeFigureOut">
               <a:rPr lang="en-US" smtClean="0"/>
-              <a:t>9/1/2024</a:t>
+              <a:t>9/3/2024</a:t>
             </a:fld>
             <a:endParaRPr lang="en-US"/>
           </a:p>
@@ -15160,7 +15166,7 @@
           <a:p>
             <a:fld id="{8F72BA41-EC5B-4197-BCC8-0FD2E523CD7A}" type="datetimeFigureOut">
               <a:rPr lang="en-US" smtClean="0"/>
-              <a:t>9/1/2024</a:t>
+              <a:t>9/3/2024</a:t>
             </a:fld>
             <a:endParaRPr lang="en-US"/>
           </a:p>
@@ -16973,7 +16979,7 @@
           <a:p>
             <a:fld id="{8F72BA41-EC5B-4197-BCC8-0FD2E523CD7A}" type="datetimeFigureOut">
               <a:rPr lang="en-US" smtClean="0"/>
-              <a:t>9/1/2024</a:t>
+              <a:t>9/3/2024</a:t>
             </a:fld>
             <a:endParaRPr lang="en-US"/>
           </a:p>
@@ -18667,7 +18673,7 @@
             <a:fld id="{8F72BA41-EC5B-4197-BCC8-0FD2E523CD7A}" type="datetimeFigureOut">
               <a:rPr lang="en-US" smtClean="0"/>
               <a:pPr/>
-              <a:t>9/1/2024</a:t>
+              <a:t>9/3/2024</a:t>
             </a:fld>
             <a:endParaRPr lang="en-US" dirty="0"/>
           </a:p>
@@ -34073,6 +34079,2108 @@
       </p:grpSpPr>
       <p:sp useBgFill="1">
         <p:nvSpPr>
+          <p:cNvPr id="47" name="Rectangle 46">
+            <a:extLst>
+              <a:ext uri="{FF2B5EF4-FFF2-40B4-BE49-F238E27FC236}">
+                <a16:creationId xmlns:a16="http://schemas.microsoft.com/office/drawing/2014/main" id="{1C582B07-D0F0-4B6B-A5D9-D2F192CB3A4E}"/>
+              </a:ext>
+              <a:ext uri="{C183D7F6-B498-43B3-948B-1728B52AA6E4}">
+                <adec:decorative xmlns:adec="http://schemas.microsoft.com/office/drawing/2017/decorative" val="1"/>
+              </a:ext>
+            </a:extLst>
+          </p:cNvPr>
+          <p:cNvSpPr>
+            <a:spLocks noGrp="1" noRot="1" noChangeAspect="1" noMove="1" noResize="1" noEditPoints="1" noAdjustHandles="1" noChangeArrowheads="1" noChangeShapeType="1" noTextEdit="1"/>
+          </p:cNvSpPr>
+          <p:nvPr>
+            <p:extLst>
+              <p:ext uri="{386F3935-93C4-4BCD-93E2-E3B085C9AB24}">
+                <p16:designElem xmlns:p16="http://schemas.microsoft.com/office/powerpoint/2015/main" val="1"/>
+              </p:ext>
+            </p:extLst>
+          </p:nvPr>
+        </p:nvSpPr>
+        <p:spPr>
+          <a:xfrm>
+            <a:off x="0" y="0"/>
+            <a:ext cx="12188952" cy="6858000"/>
+          </a:xfrm>
+          <a:prstGeom prst="rect">
+            <a:avLst/>
+          </a:prstGeom>
+          <a:ln>
+            <a:noFill/>
+          </a:ln>
+        </p:spPr>
+        <p:style>
+          <a:lnRef idx="2">
+            <a:schemeClr val="accent1">
+              <a:shade val="50000"/>
+            </a:schemeClr>
+          </a:lnRef>
+          <a:fillRef idx="1">
+            <a:schemeClr val="accent1"/>
+          </a:fillRef>
+          <a:effectRef idx="0">
+            <a:schemeClr val="accent1"/>
+          </a:effectRef>
+          <a:fontRef idx="minor">
+            <a:schemeClr val="lt1"/>
+          </a:fontRef>
+        </p:style>
+        <p:txBody>
+          <a:bodyPr rtlCol="0" anchor="ctr"/>
+          <a:lstStyle/>
+          <a:p>
+            <a:pPr algn="ctr"/>
+            <a:endParaRPr lang="en-US">
+              <a:solidFill>
+                <a:schemeClr val="bg1"/>
+              </a:solidFill>
+            </a:endParaRPr>
+          </a:p>
+        </p:txBody>
+      </p:sp>
+      <p:grpSp>
+        <p:nvGrpSpPr>
+          <p:cNvPr id="48" name="Group 47">
+            <a:extLst>
+              <a:ext uri="{FF2B5EF4-FFF2-40B4-BE49-F238E27FC236}">
+                <a16:creationId xmlns:a16="http://schemas.microsoft.com/office/drawing/2014/main" id="{4D431671-5191-4947-8899-E90505A70426}"/>
+              </a:ext>
+              <a:ext uri="{C183D7F6-B498-43B3-948B-1728B52AA6E4}">
+                <adec:decorative xmlns:adec="http://schemas.microsoft.com/office/drawing/2017/decorative" val="1"/>
+              </a:ext>
+            </a:extLst>
+          </p:cNvPr>
+          <p:cNvGrpSpPr>
+            <a:grpSpLocks noGrp="1" noUngrp="1" noRot="1" noChangeAspect="1" noMove="1" noResize="1"/>
+          </p:cNvGrpSpPr>
+          <p:nvPr>
+            <p:extLst>
+              <p:ext uri="{386F3935-93C4-4BCD-93E2-E3B085C9AB24}">
+                <p16:designElem xmlns:p16="http://schemas.microsoft.com/office/powerpoint/2015/main" val="1"/>
+              </p:ext>
+            </p:extLst>
+          </p:nvPr>
+        </p:nvGrpSpPr>
+        <p:grpSpPr>
+          <a:xfrm>
+            <a:off x="-6214" y="-1"/>
+            <a:ext cx="12214827" cy="6858000"/>
+            <a:chOff x="-6214" y="-1"/>
+            <a:chExt cx="12214827" cy="6858000"/>
+          </a:xfrm>
+        </p:grpSpPr>
+        <p:cxnSp>
+          <p:nvCxnSpPr>
+            <p:cNvPr id="13" name="Straight Connector 12">
+              <a:extLst>
+                <a:ext uri="{FF2B5EF4-FFF2-40B4-BE49-F238E27FC236}">
+                  <a16:creationId xmlns:a16="http://schemas.microsoft.com/office/drawing/2014/main" id="{877D2E98-ED65-4121-9DA5-6DBB831D0FB2}"/>
+                </a:ext>
+                <a:ext uri="{C183D7F6-B498-43B3-948B-1728B52AA6E4}">
+                  <adec:decorative xmlns:adec="http://schemas.microsoft.com/office/drawing/2017/decorative" val="1"/>
+                </a:ext>
+              </a:extLst>
+            </p:cNvPr>
+            <p:cNvCxnSpPr>
+              <a:cxnSpLocks/>
+            </p:cNvCxnSpPr>
+            <p:nvPr>
+              <p:extLst>
+                <p:ext uri="{386F3935-93C4-4BCD-93E2-E3B085C9AB24}">
+                  <p16:designElem xmlns:p16="http://schemas.microsoft.com/office/powerpoint/2015/main" val="1"/>
+                </p:ext>
+              </p:extLst>
+            </p:nvPr>
+          </p:nvCxnSpPr>
+          <p:spPr>
+            <a:xfrm>
+              <a:off x="-6214" y="6686283"/>
+              <a:ext cx="12192000" cy="0"/>
+            </a:xfrm>
+            <a:prstGeom prst="line">
+              <a:avLst/>
+            </a:prstGeom>
+            <a:ln w="12700">
+              <a:solidFill>
+                <a:srgbClr val="BCBCBC">
+                  <a:alpha val="29804"/>
+                </a:srgbClr>
+              </a:solidFill>
+              <a:prstDash val="sysDot"/>
+            </a:ln>
+          </p:spPr>
+          <p:style>
+            <a:lnRef idx="1">
+              <a:schemeClr val="accent1"/>
+            </a:lnRef>
+            <a:fillRef idx="0">
+              <a:schemeClr val="accent1"/>
+            </a:fillRef>
+            <a:effectRef idx="0">
+              <a:schemeClr val="accent1"/>
+            </a:effectRef>
+            <a:fontRef idx="minor">
+              <a:schemeClr val="tx1"/>
+            </a:fontRef>
+          </p:style>
+        </p:cxnSp>
+        <p:cxnSp>
+          <p:nvCxnSpPr>
+            <p:cNvPr id="14" name="Straight Connector 13">
+              <a:extLst>
+                <a:ext uri="{FF2B5EF4-FFF2-40B4-BE49-F238E27FC236}">
+                  <a16:creationId xmlns:a16="http://schemas.microsoft.com/office/drawing/2014/main" id="{DA94A307-5B5D-4E42-95B3-064D5093ADE5}"/>
+                </a:ext>
+                <a:ext uri="{C183D7F6-B498-43B3-948B-1728B52AA6E4}">
+                  <adec:decorative xmlns:adec="http://schemas.microsoft.com/office/drawing/2017/decorative" val="1"/>
+                </a:ext>
+              </a:extLst>
+            </p:cNvPr>
+            <p:cNvCxnSpPr>
+              <a:cxnSpLocks/>
+            </p:cNvCxnSpPr>
+            <p:nvPr>
+              <p:extLst>
+                <p:ext uri="{386F3935-93C4-4BCD-93E2-E3B085C9AB24}">
+                  <p16:designElem xmlns:p16="http://schemas.microsoft.com/office/powerpoint/2015/main" val="1"/>
+                </p:ext>
+              </p:extLst>
+            </p:nvPr>
+          </p:nvCxnSpPr>
+          <p:spPr>
+            <a:xfrm>
+              <a:off x="0" y="-1"/>
+              <a:ext cx="0" cy="6858000"/>
+            </a:xfrm>
+            <a:prstGeom prst="line">
+              <a:avLst/>
+            </a:prstGeom>
+            <a:ln w="12700">
+              <a:solidFill>
+                <a:srgbClr val="BCBCBC">
+                  <a:alpha val="29804"/>
+                </a:srgbClr>
+              </a:solidFill>
+              <a:prstDash val="sysDot"/>
+            </a:ln>
+          </p:spPr>
+          <p:style>
+            <a:lnRef idx="1">
+              <a:schemeClr val="accent1"/>
+            </a:lnRef>
+            <a:fillRef idx="0">
+              <a:schemeClr val="accent1"/>
+            </a:fillRef>
+            <a:effectRef idx="0">
+              <a:schemeClr val="accent1"/>
+            </a:effectRef>
+            <a:fontRef idx="minor">
+              <a:schemeClr val="tx1"/>
+            </a:fontRef>
+          </p:style>
+        </p:cxnSp>
+        <p:cxnSp>
+          <p:nvCxnSpPr>
+            <p:cNvPr id="15" name="Straight Connector 14">
+              <a:extLst>
+                <a:ext uri="{FF2B5EF4-FFF2-40B4-BE49-F238E27FC236}">
+                  <a16:creationId xmlns:a16="http://schemas.microsoft.com/office/drawing/2014/main" id="{8CB3B32C-3BDA-4D41-9802-681B0599FD3C}"/>
+                </a:ext>
+                <a:ext uri="{C183D7F6-B498-43B3-948B-1728B52AA6E4}">
+                  <adec:decorative xmlns:adec="http://schemas.microsoft.com/office/drawing/2017/decorative" val="1"/>
+                </a:ext>
+              </a:extLst>
+            </p:cNvPr>
+            <p:cNvCxnSpPr>
+              <a:cxnSpLocks/>
+            </p:cNvCxnSpPr>
+            <p:nvPr>
+              <p:extLst>
+                <p:ext uri="{386F3935-93C4-4BCD-93E2-E3B085C9AB24}">
+                  <p16:designElem xmlns:p16="http://schemas.microsoft.com/office/powerpoint/2015/main" val="1"/>
+                </p:ext>
+              </p:extLst>
+            </p:nvPr>
+          </p:nvCxnSpPr>
+          <p:spPr>
+            <a:xfrm>
+              <a:off x="11993258" y="-1"/>
+              <a:ext cx="0" cy="6858000"/>
+            </a:xfrm>
+            <a:prstGeom prst="line">
+              <a:avLst/>
+            </a:prstGeom>
+            <a:ln w="12700">
+              <a:solidFill>
+                <a:srgbClr val="BCBCBC">
+                  <a:alpha val="29804"/>
+                </a:srgbClr>
+              </a:solidFill>
+              <a:prstDash val="sysDot"/>
+            </a:ln>
+          </p:spPr>
+          <p:style>
+            <a:lnRef idx="1">
+              <a:schemeClr val="accent1"/>
+            </a:lnRef>
+            <a:fillRef idx="0">
+              <a:schemeClr val="accent1"/>
+            </a:fillRef>
+            <a:effectRef idx="0">
+              <a:schemeClr val="accent1"/>
+            </a:effectRef>
+            <a:fontRef idx="minor">
+              <a:schemeClr val="tx1"/>
+            </a:fontRef>
+          </p:style>
+        </p:cxnSp>
+        <p:cxnSp>
+          <p:nvCxnSpPr>
+            <p:cNvPr id="16" name="Straight Connector 15">
+              <a:extLst>
+                <a:ext uri="{FF2B5EF4-FFF2-40B4-BE49-F238E27FC236}">
+                  <a16:creationId xmlns:a16="http://schemas.microsoft.com/office/drawing/2014/main" id="{35BDBFD6-7C61-4520-8203-BAB1986C158C}"/>
+                </a:ext>
+                <a:ext uri="{C183D7F6-B498-43B3-948B-1728B52AA6E4}">
+                  <adec:decorative xmlns:adec="http://schemas.microsoft.com/office/drawing/2017/decorative" val="1"/>
+                </a:ext>
+              </a:extLst>
+            </p:cNvPr>
+            <p:cNvCxnSpPr>
+              <a:cxnSpLocks/>
+            </p:cNvCxnSpPr>
+            <p:nvPr>
+              <p:extLst>
+                <p:ext uri="{386F3935-93C4-4BCD-93E2-E3B085C9AB24}">
+                  <p16:designElem xmlns:p16="http://schemas.microsoft.com/office/powerpoint/2015/main" val="1"/>
+                </p:ext>
+              </p:extLst>
+            </p:nvPr>
+          </p:nvCxnSpPr>
+          <p:spPr>
+            <a:xfrm>
+              <a:off x="192528" y="-1"/>
+              <a:ext cx="0" cy="6858000"/>
+            </a:xfrm>
+            <a:prstGeom prst="line">
+              <a:avLst/>
+            </a:prstGeom>
+            <a:ln w="12700">
+              <a:solidFill>
+                <a:srgbClr val="BCBCBC">
+                  <a:alpha val="29804"/>
+                </a:srgbClr>
+              </a:solidFill>
+              <a:prstDash val="sysDot"/>
+            </a:ln>
+          </p:spPr>
+          <p:style>
+            <a:lnRef idx="1">
+              <a:schemeClr val="accent1"/>
+            </a:lnRef>
+            <a:fillRef idx="0">
+              <a:schemeClr val="accent1"/>
+            </a:fillRef>
+            <a:effectRef idx="0">
+              <a:schemeClr val="accent1"/>
+            </a:effectRef>
+            <a:fontRef idx="minor">
+              <a:schemeClr val="tx1"/>
+            </a:fontRef>
+          </p:style>
+        </p:cxnSp>
+        <p:cxnSp>
+          <p:nvCxnSpPr>
+            <p:cNvPr id="17" name="Straight Connector 16">
+              <a:extLst>
+                <a:ext uri="{FF2B5EF4-FFF2-40B4-BE49-F238E27FC236}">
+                  <a16:creationId xmlns:a16="http://schemas.microsoft.com/office/drawing/2014/main" id="{D4ABA4D7-9904-42C4-B0CD-B1CE2E0D3734}"/>
+                </a:ext>
+                <a:ext uri="{C183D7F6-B498-43B3-948B-1728B52AA6E4}">
+                  <adec:decorative xmlns:adec="http://schemas.microsoft.com/office/drawing/2017/decorative" val="1"/>
+                </a:ext>
+              </a:extLst>
+            </p:cNvPr>
+            <p:cNvCxnSpPr>
+              <a:cxnSpLocks/>
+            </p:cNvCxnSpPr>
+            <p:nvPr>
+              <p:extLst>
+                <p:ext uri="{386F3935-93C4-4BCD-93E2-E3B085C9AB24}">
+                  <p16:designElem xmlns:p16="http://schemas.microsoft.com/office/powerpoint/2015/main" val="1"/>
+                </p:ext>
+              </p:extLst>
+            </p:nvPr>
+          </p:nvCxnSpPr>
+          <p:spPr>
+            <a:xfrm>
+              <a:off x="1175922" y="-1"/>
+              <a:ext cx="0" cy="6858000"/>
+            </a:xfrm>
+            <a:prstGeom prst="line">
+              <a:avLst/>
+            </a:prstGeom>
+            <a:ln w="12700">
+              <a:solidFill>
+                <a:srgbClr val="BCBCBC">
+                  <a:alpha val="29804"/>
+                </a:srgbClr>
+              </a:solidFill>
+              <a:prstDash val="sysDot"/>
+            </a:ln>
+          </p:spPr>
+          <p:style>
+            <a:lnRef idx="1">
+              <a:schemeClr val="accent1"/>
+            </a:lnRef>
+            <a:fillRef idx="0">
+              <a:schemeClr val="accent1"/>
+            </a:fillRef>
+            <a:effectRef idx="0">
+              <a:schemeClr val="accent1"/>
+            </a:effectRef>
+            <a:fontRef idx="minor">
+              <a:schemeClr val="tx1"/>
+            </a:fontRef>
+          </p:style>
+        </p:cxnSp>
+        <p:cxnSp>
+          <p:nvCxnSpPr>
+            <p:cNvPr id="18" name="Straight Connector 17">
+              <a:extLst>
+                <a:ext uri="{FF2B5EF4-FFF2-40B4-BE49-F238E27FC236}">
+                  <a16:creationId xmlns:a16="http://schemas.microsoft.com/office/drawing/2014/main" id="{BB63F0D6-8747-4126-9359-B730EB21B79A}"/>
+                </a:ext>
+                <a:ext uri="{C183D7F6-B498-43B3-948B-1728B52AA6E4}">
+                  <adec:decorative xmlns:adec="http://schemas.microsoft.com/office/drawing/2017/decorative" val="1"/>
+                </a:ext>
+              </a:extLst>
+            </p:cNvPr>
+            <p:cNvCxnSpPr>
+              <a:cxnSpLocks/>
+            </p:cNvCxnSpPr>
+            <p:nvPr>
+              <p:extLst>
+                <p:ext uri="{386F3935-93C4-4BCD-93E2-E3B085C9AB24}">
+                  <p16:designElem xmlns:p16="http://schemas.microsoft.com/office/powerpoint/2015/main" val="1"/>
+                </p:ext>
+              </p:extLst>
+            </p:nvPr>
+          </p:nvCxnSpPr>
+          <p:spPr>
+            <a:xfrm>
+              <a:off x="2159316" y="-1"/>
+              <a:ext cx="0" cy="6858000"/>
+            </a:xfrm>
+            <a:prstGeom prst="line">
+              <a:avLst/>
+            </a:prstGeom>
+            <a:ln w="12700">
+              <a:solidFill>
+                <a:srgbClr val="BCBCBC">
+                  <a:alpha val="29804"/>
+                </a:srgbClr>
+              </a:solidFill>
+              <a:prstDash val="sysDot"/>
+            </a:ln>
+          </p:spPr>
+          <p:style>
+            <a:lnRef idx="1">
+              <a:schemeClr val="accent1"/>
+            </a:lnRef>
+            <a:fillRef idx="0">
+              <a:schemeClr val="accent1"/>
+            </a:fillRef>
+            <a:effectRef idx="0">
+              <a:schemeClr val="accent1"/>
+            </a:effectRef>
+            <a:fontRef idx="minor">
+              <a:schemeClr val="tx1"/>
+            </a:fontRef>
+          </p:style>
+        </p:cxnSp>
+        <p:cxnSp>
+          <p:nvCxnSpPr>
+            <p:cNvPr id="19" name="Straight Connector 18">
+              <a:extLst>
+                <a:ext uri="{FF2B5EF4-FFF2-40B4-BE49-F238E27FC236}">
+                  <a16:creationId xmlns:a16="http://schemas.microsoft.com/office/drawing/2014/main" id="{D91CD660-F5B2-49AC-9EFC-CE94B843B4DA}"/>
+                </a:ext>
+                <a:ext uri="{C183D7F6-B498-43B3-948B-1728B52AA6E4}">
+                  <adec:decorative xmlns:adec="http://schemas.microsoft.com/office/drawing/2017/decorative" val="1"/>
+                </a:ext>
+              </a:extLst>
+            </p:cNvPr>
+            <p:cNvCxnSpPr>
+              <a:cxnSpLocks/>
+            </p:cNvCxnSpPr>
+            <p:nvPr>
+              <p:extLst>
+                <p:ext uri="{386F3935-93C4-4BCD-93E2-E3B085C9AB24}">
+                  <p16:designElem xmlns:p16="http://schemas.microsoft.com/office/powerpoint/2015/main" val="1"/>
+                </p:ext>
+              </p:extLst>
+            </p:nvPr>
+          </p:nvCxnSpPr>
+          <p:spPr>
+            <a:xfrm>
+              <a:off x="3142710" y="-1"/>
+              <a:ext cx="0" cy="6858000"/>
+            </a:xfrm>
+            <a:prstGeom prst="line">
+              <a:avLst/>
+            </a:prstGeom>
+            <a:ln w="12700">
+              <a:solidFill>
+                <a:srgbClr val="BCBCBC">
+                  <a:alpha val="29804"/>
+                </a:srgbClr>
+              </a:solidFill>
+              <a:prstDash val="sysDot"/>
+            </a:ln>
+          </p:spPr>
+          <p:style>
+            <a:lnRef idx="1">
+              <a:schemeClr val="accent1"/>
+            </a:lnRef>
+            <a:fillRef idx="0">
+              <a:schemeClr val="accent1"/>
+            </a:fillRef>
+            <a:effectRef idx="0">
+              <a:schemeClr val="accent1"/>
+            </a:effectRef>
+            <a:fontRef idx="minor">
+              <a:schemeClr val="tx1"/>
+            </a:fontRef>
+          </p:style>
+        </p:cxnSp>
+        <p:cxnSp>
+          <p:nvCxnSpPr>
+            <p:cNvPr id="20" name="Straight Connector 19">
+              <a:extLst>
+                <a:ext uri="{FF2B5EF4-FFF2-40B4-BE49-F238E27FC236}">
+                  <a16:creationId xmlns:a16="http://schemas.microsoft.com/office/drawing/2014/main" id="{A4BEB7EB-8E7F-4A4B-8581-73CE2003F2F7}"/>
+                </a:ext>
+                <a:ext uri="{C183D7F6-B498-43B3-948B-1728B52AA6E4}">
+                  <adec:decorative xmlns:adec="http://schemas.microsoft.com/office/drawing/2017/decorative" val="1"/>
+                </a:ext>
+              </a:extLst>
+            </p:cNvPr>
+            <p:cNvCxnSpPr>
+              <a:cxnSpLocks/>
+            </p:cNvCxnSpPr>
+            <p:nvPr>
+              <p:extLst>
+                <p:ext uri="{386F3935-93C4-4BCD-93E2-E3B085C9AB24}">
+                  <p16:designElem xmlns:p16="http://schemas.microsoft.com/office/powerpoint/2015/main" val="1"/>
+                </p:ext>
+              </p:extLst>
+            </p:nvPr>
+          </p:nvCxnSpPr>
+          <p:spPr>
+            <a:xfrm>
+              <a:off x="4126104" y="-1"/>
+              <a:ext cx="0" cy="6858000"/>
+            </a:xfrm>
+            <a:prstGeom prst="line">
+              <a:avLst/>
+            </a:prstGeom>
+            <a:ln w="12700">
+              <a:solidFill>
+                <a:srgbClr val="BCBCBC">
+                  <a:alpha val="29804"/>
+                </a:srgbClr>
+              </a:solidFill>
+              <a:prstDash val="sysDot"/>
+            </a:ln>
+          </p:spPr>
+          <p:style>
+            <a:lnRef idx="1">
+              <a:schemeClr val="accent1"/>
+            </a:lnRef>
+            <a:fillRef idx="0">
+              <a:schemeClr val="accent1"/>
+            </a:fillRef>
+            <a:effectRef idx="0">
+              <a:schemeClr val="accent1"/>
+            </a:effectRef>
+            <a:fontRef idx="minor">
+              <a:schemeClr val="tx1"/>
+            </a:fontRef>
+          </p:style>
+        </p:cxnSp>
+        <p:cxnSp>
+          <p:nvCxnSpPr>
+            <p:cNvPr id="21" name="Straight Connector 20">
+              <a:extLst>
+                <a:ext uri="{FF2B5EF4-FFF2-40B4-BE49-F238E27FC236}">
+                  <a16:creationId xmlns:a16="http://schemas.microsoft.com/office/drawing/2014/main" id="{B04FB70E-6820-4456-872A-937F520606C5}"/>
+                </a:ext>
+                <a:ext uri="{C183D7F6-B498-43B3-948B-1728B52AA6E4}">
+                  <adec:decorative xmlns:adec="http://schemas.microsoft.com/office/drawing/2017/decorative" val="1"/>
+                </a:ext>
+              </a:extLst>
+            </p:cNvPr>
+            <p:cNvCxnSpPr>
+              <a:cxnSpLocks/>
+            </p:cNvCxnSpPr>
+            <p:nvPr>
+              <p:extLst>
+                <p:ext uri="{386F3935-93C4-4BCD-93E2-E3B085C9AB24}">
+                  <p16:designElem xmlns:p16="http://schemas.microsoft.com/office/powerpoint/2015/main" val="1"/>
+                </p:ext>
+              </p:extLst>
+            </p:nvPr>
+          </p:nvCxnSpPr>
+          <p:spPr>
+            <a:xfrm>
+              <a:off x="5109498" y="-1"/>
+              <a:ext cx="0" cy="6858000"/>
+            </a:xfrm>
+            <a:prstGeom prst="line">
+              <a:avLst/>
+            </a:prstGeom>
+            <a:ln w="12700">
+              <a:solidFill>
+                <a:srgbClr val="BCBCBC">
+                  <a:alpha val="29804"/>
+                </a:srgbClr>
+              </a:solidFill>
+              <a:prstDash val="sysDot"/>
+            </a:ln>
+          </p:spPr>
+          <p:style>
+            <a:lnRef idx="1">
+              <a:schemeClr val="accent1"/>
+            </a:lnRef>
+            <a:fillRef idx="0">
+              <a:schemeClr val="accent1"/>
+            </a:fillRef>
+            <a:effectRef idx="0">
+              <a:schemeClr val="accent1"/>
+            </a:effectRef>
+            <a:fontRef idx="minor">
+              <a:schemeClr val="tx1"/>
+            </a:fontRef>
+          </p:style>
+        </p:cxnSp>
+        <p:cxnSp>
+          <p:nvCxnSpPr>
+            <p:cNvPr id="22" name="Straight Connector 21">
+              <a:extLst>
+                <a:ext uri="{FF2B5EF4-FFF2-40B4-BE49-F238E27FC236}">
+                  <a16:creationId xmlns:a16="http://schemas.microsoft.com/office/drawing/2014/main" id="{E3598DD6-9887-4CF7-BAFE-F96E0324EB9E}"/>
+                </a:ext>
+                <a:ext uri="{C183D7F6-B498-43B3-948B-1728B52AA6E4}">
+                  <adec:decorative xmlns:adec="http://schemas.microsoft.com/office/drawing/2017/decorative" val="1"/>
+                </a:ext>
+              </a:extLst>
+            </p:cNvPr>
+            <p:cNvCxnSpPr>
+              <a:cxnSpLocks/>
+            </p:cNvCxnSpPr>
+            <p:nvPr>
+              <p:extLst>
+                <p:ext uri="{386F3935-93C4-4BCD-93E2-E3B085C9AB24}">
+                  <p16:designElem xmlns:p16="http://schemas.microsoft.com/office/powerpoint/2015/main" val="1"/>
+                </p:ext>
+              </p:extLst>
+            </p:nvPr>
+          </p:nvCxnSpPr>
+          <p:spPr>
+            <a:xfrm>
+              <a:off x="6092892" y="-1"/>
+              <a:ext cx="0" cy="6858000"/>
+            </a:xfrm>
+            <a:prstGeom prst="line">
+              <a:avLst/>
+            </a:prstGeom>
+            <a:ln w="12700">
+              <a:solidFill>
+                <a:srgbClr val="BCBCBC">
+                  <a:alpha val="29804"/>
+                </a:srgbClr>
+              </a:solidFill>
+              <a:prstDash val="sysDot"/>
+            </a:ln>
+          </p:spPr>
+          <p:style>
+            <a:lnRef idx="1">
+              <a:schemeClr val="accent1"/>
+            </a:lnRef>
+            <a:fillRef idx="0">
+              <a:schemeClr val="accent1"/>
+            </a:fillRef>
+            <a:effectRef idx="0">
+              <a:schemeClr val="accent1"/>
+            </a:effectRef>
+            <a:fontRef idx="minor">
+              <a:schemeClr val="tx1"/>
+            </a:fontRef>
+          </p:style>
+        </p:cxnSp>
+        <p:cxnSp>
+          <p:nvCxnSpPr>
+            <p:cNvPr id="23" name="Straight Connector 22">
+              <a:extLst>
+                <a:ext uri="{FF2B5EF4-FFF2-40B4-BE49-F238E27FC236}">
+                  <a16:creationId xmlns:a16="http://schemas.microsoft.com/office/drawing/2014/main" id="{AA503E64-565F-465B-A25C-042C5706C568}"/>
+                </a:ext>
+                <a:ext uri="{C183D7F6-B498-43B3-948B-1728B52AA6E4}">
+                  <adec:decorative xmlns:adec="http://schemas.microsoft.com/office/drawing/2017/decorative" val="1"/>
+                </a:ext>
+              </a:extLst>
+            </p:cNvPr>
+            <p:cNvCxnSpPr>
+              <a:cxnSpLocks/>
+            </p:cNvCxnSpPr>
+            <p:nvPr>
+              <p:extLst>
+                <p:ext uri="{386F3935-93C4-4BCD-93E2-E3B085C9AB24}">
+                  <p16:designElem xmlns:p16="http://schemas.microsoft.com/office/powerpoint/2015/main" val="1"/>
+                </p:ext>
+              </p:extLst>
+            </p:nvPr>
+          </p:nvCxnSpPr>
+          <p:spPr>
+            <a:xfrm>
+              <a:off x="7076286" y="-1"/>
+              <a:ext cx="0" cy="6858000"/>
+            </a:xfrm>
+            <a:prstGeom prst="line">
+              <a:avLst/>
+            </a:prstGeom>
+            <a:ln w="12700">
+              <a:solidFill>
+                <a:srgbClr val="BCBCBC">
+                  <a:alpha val="29804"/>
+                </a:srgbClr>
+              </a:solidFill>
+              <a:prstDash val="sysDot"/>
+            </a:ln>
+          </p:spPr>
+          <p:style>
+            <a:lnRef idx="1">
+              <a:schemeClr val="accent1"/>
+            </a:lnRef>
+            <a:fillRef idx="0">
+              <a:schemeClr val="accent1"/>
+            </a:fillRef>
+            <a:effectRef idx="0">
+              <a:schemeClr val="accent1"/>
+            </a:effectRef>
+            <a:fontRef idx="minor">
+              <a:schemeClr val="tx1"/>
+            </a:fontRef>
+          </p:style>
+        </p:cxnSp>
+        <p:cxnSp>
+          <p:nvCxnSpPr>
+            <p:cNvPr id="24" name="Straight Connector 23">
+              <a:extLst>
+                <a:ext uri="{FF2B5EF4-FFF2-40B4-BE49-F238E27FC236}">
+                  <a16:creationId xmlns:a16="http://schemas.microsoft.com/office/drawing/2014/main" id="{A140EE7B-5CA1-4DCB-8652-6E4D2147B0E7}"/>
+                </a:ext>
+                <a:ext uri="{C183D7F6-B498-43B3-948B-1728B52AA6E4}">
+                  <adec:decorative xmlns:adec="http://schemas.microsoft.com/office/drawing/2017/decorative" val="1"/>
+                </a:ext>
+              </a:extLst>
+            </p:cNvPr>
+            <p:cNvCxnSpPr>
+              <a:cxnSpLocks/>
+            </p:cNvCxnSpPr>
+            <p:nvPr>
+              <p:extLst>
+                <p:ext uri="{386F3935-93C4-4BCD-93E2-E3B085C9AB24}">
+                  <p16:designElem xmlns:p16="http://schemas.microsoft.com/office/powerpoint/2015/main" val="1"/>
+                </p:ext>
+              </p:extLst>
+            </p:nvPr>
+          </p:nvCxnSpPr>
+          <p:spPr>
+            <a:xfrm>
+              <a:off x="8059680" y="-1"/>
+              <a:ext cx="0" cy="6858000"/>
+            </a:xfrm>
+            <a:prstGeom prst="line">
+              <a:avLst/>
+            </a:prstGeom>
+            <a:ln w="12700">
+              <a:solidFill>
+                <a:srgbClr val="BCBCBC">
+                  <a:alpha val="29804"/>
+                </a:srgbClr>
+              </a:solidFill>
+              <a:prstDash val="sysDot"/>
+            </a:ln>
+          </p:spPr>
+          <p:style>
+            <a:lnRef idx="1">
+              <a:schemeClr val="accent1"/>
+            </a:lnRef>
+            <a:fillRef idx="0">
+              <a:schemeClr val="accent1"/>
+            </a:fillRef>
+            <a:effectRef idx="0">
+              <a:schemeClr val="accent1"/>
+            </a:effectRef>
+            <a:fontRef idx="minor">
+              <a:schemeClr val="tx1"/>
+            </a:fontRef>
+          </p:style>
+        </p:cxnSp>
+        <p:cxnSp>
+          <p:nvCxnSpPr>
+            <p:cNvPr id="25" name="Straight Connector 24">
+              <a:extLst>
+                <a:ext uri="{FF2B5EF4-FFF2-40B4-BE49-F238E27FC236}">
+                  <a16:creationId xmlns:a16="http://schemas.microsoft.com/office/drawing/2014/main" id="{F85077BE-700D-4C44-AA4D-7CF4E8FD71A9}"/>
+                </a:ext>
+                <a:ext uri="{C183D7F6-B498-43B3-948B-1728B52AA6E4}">
+                  <adec:decorative xmlns:adec="http://schemas.microsoft.com/office/drawing/2017/decorative" val="1"/>
+                </a:ext>
+              </a:extLst>
+            </p:cNvPr>
+            <p:cNvCxnSpPr>
+              <a:cxnSpLocks/>
+            </p:cNvCxnSpPr>
+            <p:nvPr>
+              <p:extLst>
+                <p:ext uri="{386F3935-93C4-4BCD-93E2-E3B085C9AB24}">
+                  <p16:designElem xmlns:p16="http://schemas.microsoft.com/office/powerpoint/2015/main" val="1"/>
+                </p:ext>
+              </p:extLst>
+            </p:nvPr>
+          </p:nvCxnSpPr>
+          <p:spPr>
+            <a:xfrm>
+              <a:off x="9043074" y="-1"/>
+              <a:ext cx="0" cy="6858000"/>
+            </a:xfrm>
+            <a:prstGeom prst="line">
+              <a:avLst/>
+            </a:prstGeom>
+            <a:ln w="12700">
+              <a:solidFill>
+                <a:srgbClr val="BCBCBC">
+                  <a:alpha val="29804"/>
+                </a:srgbClr>
+              </a:solidFill>
+              <a:prstDash val="sysDot"/>
+            </a:ln>
+          </p:spPr>
+          <p:style>
+            <a:lnRef idx="1">
+              <a:schemeClr val="accent1"/>
+            </a:lnRef>
+            <a:fillRef idx="0">
+              <a:schemeClr val="accent1"/>
+            </a:fillRef>
+            <a:effectRef idx="0">
+              <a:schemeClr val="accent1"/>
+            </a:effectRef>
+            <a:fontRef idx="minor">
+              <a:schemeClr val="tx1"/>
+            </a:fontRef>
+          </p:style>
+        </p:cxnSp>
+        <p:cxnSp>
+          <p:nvCxnSpPr>
+            <p:cNvPr id="26" name="Straight Connector 25">
+              <a:extLst>
+                <a:ext uri="{FF2B5EF4-FFF2-40B4-BE49-F238E27FC236}">
+                  <a16:creationId xmlns:a16="http://schemas.microsoft.com/office/drawing/2014/main" id="{FB8B3FEB-D353-443D-A148-3915606516D5}"/>
+                </a:ext>
+                <a:ext uri="{C183D7F6-B498-43B3-948B-1728B52AA6E4}">
+                  <adec:decorative xmlns:adec="http://schemas.microsoft.com/office/drawing/2017/decorative" val="1"/>
+                </a:ext>
+              </a:extLst>
+            </p:cNvPr>
+            <p:cNvCxnSpPr>
+              <a:cxnSpLocks/>
+            </p:cNvCxnSpPr>
+            <p:nvPr>
+              <p:extLst>
+                <p:ext uri="{386F3935-93C4-4BCD-93E2-E3B085C9AB24}">
+                  <p16:designElem xmlns:p16="http://schemas.microsoft.com/office/powerpoint/2015/main" val="1"/>
+                </p:ext>
+              </p:extLst>
+            </p:nvPr>
+          </p:nvCxnSpPr>
+          <p:spPr>
+            <a:xfrm>
+              <a:off x="10026468" y="-1"/>
+              <a:ext cx="0" cy="6858000"/>
+            </a:xfrm>
+            <a:prstGeom prst="line">
+              <a:avLst/>
+            </a:prstGeom>
+            <a:ln w="12700">
+              <a:solidFill>
+                <a:srgbClr val="BCBCBC">
+                  <a:alpha val="29804"/>
+                </a:srgbClr>
+              </a:solidFill>
+              <a:prstDash val="sysDot"/>
+            </a:ln>
+          </p:spPr>
+          <p:style>
+            <a:lnRef idx="1">
+              <a:schemeClr val="accent1"/>
+            </a:lnRef>
+            <a:fillRef idx="0">
+              <a:schemeClr val="accent1"/>
+            </a:fillRef>
+            <a:effectRef idx="0">
+              <a:schemeClr val="accent1"/>
+            </a:effectRef>
+            <a:fontRef idx="minor">
+              <a:schemeClr val="tx1"/>
+            </a:fontRef>
+          </p:style>
+        </p:cxnSp>
+        <p:cxnSp>
+          <p:nvCxnSpPr>
+            <p:cNvPr id="27" name="Straight Connector 26">
+              <a:extLst>
+                <a:ext uri="{FF2B5EF4-FFF2-40B4-BE49-F238E27FC236}">
+                  <a16:creationId xmlns:a16="http://schemas.microsoft.com/office/drawing/2014/main" id="{91FF5FBB-3BD8-46EB-BDF9-081B29A444BD}"/>
+                </a:ext>
+                <a:ext uri="{C183D7F6-B498-43B3-948B-1728B52AA6E4}">
+                  <adec:decorative xmlns:adec="http://schemas.microsoft.com/office/drawing/2017/decorative" val="1"/>
+                </a:ext>
+              </a:extLst>
+            </p:cNvPr>
+            <p:cNvCxnSpPr>
+              <a:cxnSpLocks/>
+            </p:cNvCxnSpPr>
+            <p:nvPr>
+              <p:extLst>
+                <p:ext uri="{386F3935-93C4-4BCD-93E2-E3B085C9AB24}">
+                  <p16:designElem xmlns:p16="http://schemas.microsoft.com/office/powerpoint/2015/main" val="1"/>
+                </p:ext>
+              </p:extLst>
+            </p:nvPr>
+          </p:nvCxnSpPr>
+          <p:spPr>
+            <a:xfrm>
+              <a:off x="11009862" y="-1"/>
+              <a:ext cx="0" cy="6858000"/>
+            </a:xfrm>
+            <a:prstGeom prst="line">
+              <a:avLst/>
+            </a:prstGeom>
+            <a:ln w="12700">
+              <a:solidFill>
+                <a:srgbClr val="BCBCBC">
+                  <a:alpha val="29804"/>
+                </a:srgbClr>
+              </a:solidFill>
+              <a:prstDash val="sysDot"/>
+            </a:ln>
+          </p:spPr>
+          <p:style>
+            <a:lnRef idx="1">
+              <a:schemeClr val="accent1"/>
+            </a:lnRef>
+            <a:fillRef idx="0">
+              <a:schemeClr val="accent1"/>
+            </a:fillRef>
+            <a:effectRef idx="0">
+              <a:schemeClr val="accent1"/>
+            </a:effectRef>
+            <a:fontRef idx="minor">
+              <a:schemeClr val="tx1"/>
+            </a:fontRef>
+          </p:style>
+        </p:cxnSp>
+        <p:cxnSp>
+          <p:nvCxnSpPr>
+            <p:cNvPr id="28" name="Straight Connector 27">
+              <a:extLst>
+                <a:ext uri="{FF2B5EF4-FFF2-40B4-BE49-F238E27FC236}">
+                  <a16:creationId xmlns:a16="http://schemas.microsoft.com/office/drawing/2014/main" id="{DC2E11FD-78A4-4F5C-A419-F0237DCAD274}"/>
+                </a:ext>
+                <a:ext uri="{C183D7F6-B498-43B3-948B-1728B52AA6E4}">
+                  <adec:decorative xmlns:adec="http://schemas.microsoft.com/office/drawing/2017/decorative" val="1"/>
+                </a:ext>
+              </a:extLst>
+            </p:cNvPr>
+            <p:cNvCxnSpPr>
+              <a:cxnSpLocks/>
+            </p:cNvCxnSpPr>
+            <p:nvPr>
+              <p:extLst>
+                <p:ext uri="{386F3935-93C4-4BCD-93E2-E3B085C9AB24}">
+                  <p16:designElem xmlns:p16="http://schemas.microsoft.com/office/powerpoint/2015/main" val="1"/>
+                </p:ext>
+              </p:extLst>
+            </p:nvPr>
+          </p:nvCxnSpPr>
+          <p:spPr>
+            <a:xfrm>
+              <a:off x="12185786" y="-1"/>
+              <a:ext cx="0" cy="6858000"/>
+            </a:xfrm>
+            <a:prstGeom prst="line">
+              <a:avLst/>
+            </a:prstGeom>
+            <a:ln w="12700">
+              <a:solidFill>
+                <a:srgbClr val="BCBCBC">
+                  <a:alpha val="29804"/>
+                </a:srgbClr>
+              </a:solidFill>
+              <a:prstDash val="sysDot"/>
+            </a:ln>
+          </p:spPr>
+          <p:style>
+            <a:lnRef idx="1">
+              <a:schemeClr val="accent1"/>
+            </a:lnRef>
+            <a:fillRef idx="0">
+              <a:schemeClr val="accent1"/>
+            </a:fillRef>
+            <a:effectRef idx="0">
+              <a:schemeClr val="accent1"/>
+            </a:effectRef>
+            <a:fontRef idx="minor">
+              <a:schemeClr val="tx1"/>
+            </a:fontRef>
+          </p:style>
+        </p:cxnSp>
+        <p:cxnSp>
+          <p:nvCxnSpPr>
+            <p:cNvPr id="29" name="Straight Connector 28">
+              <a:extLst>
+                <a:ext uri="{FF2B5EF4-FFF2-40B4-BE49-F238E27FC236}">
+                  <a16:creationId xmlns:a16="http://schemas.microsoft.com/office/drawing/2014/main" id="{9F708EBE-3154-4FF4-8E8F-88A076208068}"/>
+                </a:ext>
+                <a:ext uri="{C183D7F6-B498-43B3-948B-1728B52AA6E4}">
+                  <adec:decorative xmlns:adec="http://schemas.microsoft.com/office/drawing/2017/decorative" val="1"/>
+                </a:ext>
+              </a:extLst>
+            </p:cNvPr>
+            <p:cNvCxnSpPr>
+              <a:cxnSpLocks/>
+            </p:cNvCxnSpPr>
+            <p:nvPr>
+              <p:extLst>
+                <p:ext uri="{386F3935-93C4-4BCD-93E2-E3B085C9AB24}">
+                  <p16:designElem xmlns:p16="http://schemas.microsoft.com/office/powerpoint/2015/main" val="1"/>
+                </p:ext>
+              </p:extLst>
+            </p:nvPr>
+          </p:nvCxnSpPr>
+          <p:spPr>
+            <a:xfrm>
+              <a:off x="0" y="171716"/>
+              <a:ext cx="12192000" cy="0"/>
+            </a:xfrm>
+            <a:prstGeom prst="line">
+              <a:avLst/>
+            </a:prstGeom>
+            <a:ln w="12700">
+              <a:solidFill>
+                <a:srgbClr val="BCBCBC">
+                  <a:alpha val="29804"/>
+                </a:srgbClr>
+              </a:solidFill>
+              <a:prstDash val="sysDot"/>
+            </a:ln>
+          </p:spPr>
+          <p:style>
+            <a:lnRef idx="1">
+              <a:schemeClr val="accent1"/>
+            </a:lnRef>
+            <a:fillRef idx="0">
+              <a:schemeClr val="accent1"/>
+            </a:fillRef>
+            <a:effectRef idx="0">
+              <a:schemeClr val="accent1"/>
+            </a:effectRef>
+            <a:fontRef idx="minor">
+              <a:schemeClr val="tx1"/>
+            </a:fontRef>
+          </p:style>
+        </p:cxnSp>
+        <p:cxnSp>
+          <p:nvCxnSpPr>
+            <p:cNvPr id="30" name="Straight Connector 29">
+              <a:extLst>
+                <a:ext uri="{FF2B5EF4-FFF2-40B4-BE49-F238E27FC236}">
+                  <a16:creationId xmlns:a16="http://schemas.microsoft.com/office/drawing/2014/main" id="{27A99B5C-EB03-4D56-8DFE-B006D7081B61}"/>
+                </a:ext>
+                <a:ext uri="{C183D7F6-B498-43B3-948B-1728B52AA6E4}">
+                  <adec:decorative xmlns:adec="http://schemas.microsoft.com/office/drawing/2017/decorative" val="1"/>
+                </a:ext>
+              </a:extLst>
+            </p:cNvPr>
+            <p:cNvCxnSpPr>
+              <a:cxnSpLocks/>
+            </p:cNvCxnSpPr>
+            <p:nvPr>
+              <p:extLst>
+                <p:ext uri="{386F3935-93C4-4BCD-93E2-E3B085C9AB24}">
+                  <p16:designElem xmlns:p16="http://schemas.microsoft.com/office/powerpoint/2015/main" val="1"/>
+                </p:ext>
+              </p:extLst>
+            </p:nvPr>
+          </p:nvCxnSpPr>
+          <p:spPr>
+            <a:xfrm>
+              <a:off x="0" y="714597"/>
+              <a:ext cx="12192000" cy="0"/>
+            </a:xfrm>
+            <a:prstGeom prst="line">
+              <a:avLst/>
+            </a:prstGeom>
+            <a:ln w="12700">
+              <a:solidFill>
+                <a:srgbClr val="BCBCBC">
+                  <a:alpha val="29804"/>
+                </a:srgbClr>
+              </a:solidFill>
+              <a:prstDash val="sysDot"/>
+            </a:ln>
+          </p:spPr>
+          <p:style>
+            <a:lnRef idx="1">
+              <a:schemeClr val="accent1"/>
+            </a:lnRef>
+            <a:fillRef idx="0">
+              <a:schemeClr val="accent1"/>
+            </a:fillRef>
+            <a:effectRef idx="0">
+              <a:schemeClr val="accent1"/>
+            </a:effectRef>
+            <a:fontRef idx="minor">
+              <a:schemeClr val="tx1"/>
+            </a:fontRef>
+          </p:style>
+        </p:cxnSp>
+        <p:cxnSp>
+          <p:nvCxnSpPr>
+            <p:cNvPr id="31" name="Straight Connector 30">
+              <a:extLst>
+                <a:ext uri="{FF2B5EF4-FFF2-40B4-BE49-F238E27FC236}">
+                  <a16:creationId xmlns:a16="http://schemas.microsoft.com/office/drawing/2014/main" id="{2FCBAFF0-9FB4-4160-B9BE-CCBE1D8B8CBD}"/>
+                </a:ext>
+                <a:ext uri="{C183D7F6-B498-43B3-948B-1728B52AA6E4}">
+                  <adec:decorative xmlns:adec="http://schemas.microsoft.com/office/drawing/2017/decorative" val="1"/>
+                </a:ext>
+              </a:extLst>
+            </p:cNvPr>
+            <p:cNvCxnSpPr>
+              <a:cxnSpLocks/>
+            </p:cNvCxnSpPr>
+            <p:nvPr>
+              <p:extLst>
+                <p:ext uri="{386F3935-93C4-4BCD-93E2-E3B085C9AB24}">
+                  <p16:designElem xmlns:p16="http://schemas.microsoft.com/office/powerpoint/2015/main" val="1"/>
+                </p:ext>
+              </p:extLst>
+            </p:nvPr>
+          </p:nvCxnSpPr>
+          <p:spPr>
+            <a:xfrm>
+              <a:off x="0" y="1257478"/>
+              <a:ext cx="12192000" cy="0"/>
+            </a:xfrm>
+            <a:prstGeom prst="line">
+              <a:avLst/>
+            </a:prstGeom>
+            <a:ln w="12700">
+              <a:solidFill>
+                <a:srgbClr val="BCBCBC">
+                  <a:alpha val="29804"/>
+                </a:srgbClr>
+              </a:solidFill>
+              <a:prstDash val="sysDot"/>
+            </a:ln>
+          </p:spPr>
+          <p:style>
+            <a:lnRef idx="1">
+              <a:schemeClr val="accent1"/>
+            </a:lnRef>
+            <a:fillRef idx="0">
+              <a:schemeClr val="accent1"/>
+            </a:fillRef>
+            <a:effectRef idx="0">
+              <a:schemeClr val="accent1"/>
+            </a:effectRef>
+            <a:fontRef idx="minor">
+              <a:schemeClr val="tx1"/>
+            </a:fontRef>
+          </p:style>
+        </p:cxnSp>
+        <p:cxnSp>
+          <p:nvCxnSpPr>
+            <p:cNvPr id="32" name="Straight Connector 31">
+              <a:extLst>
+                <a:ext uri="{FF2B5EF4-FFF2-40B4-BE49-F238E27FC236}">
+                  <a16:creationId xmlns:a16="http://schemas.microsoft.com/office/drawing/2014/main" id="{326953D7-154A-49A4-B2E1-D94D365EC461}"/>
+                </a:ext>
+                <a:ext uri="{C183D7F6-B498-43B3-948B-1728B52AA6E4}">
+                  <adec:decorative xmlns:adec="http://schemas.microsoft.com/office/drawing/2017/decorative" val="1"/>
+                </a:ext>
+              </a:extLst>
+            </p:cNvPr>
+            <p:cNvCxnSpPr>
+              <a:cxnSpLocks/>
+            </p:cNvCxnSpPr>
+            <p:nvPr>
+              <p:extLst>
+                <p:ext uri="{386F3935-93C4-4BCD-93E2-E3B085C9AB24}">
+                  <p16:designElem xmlns:p16="http://schemas.microsoft.com/office/powerpoint/2015/main" val="1"/>
+                </p:ext>
+              </p:extLst>
+            </p:nvPr>
+          </p:nvCxnSpPr>
+          <p:spPr>
+            <a:xfrm>
+              <a:off x="0" y="1800359"/>
+              <a:ext cx="12192000" cy="0"/>
+            </a:xfrm>
+            <a:prstGeom prst="line">
+              <a:avLst/>
+            </a:prstGeom>
+            <a:ln w="12700">
+              <a:solidFill>
+                <a:srgbClr val="BCBCBC">
+                  <a:alpha val="29804"/>
+                </a:srgbClr>
+              </a:solidFill>
+              <a:prstDash val="sysDot"/>
+            </a:ln>
+          </p:spPr>
+          <p:style>
+            <a:lnRef idx="1">
+              <a:schemeClr val="accent1"/>
+            </a:lnRef>
+            <a:fillRef idx="0">
+              <a:schemeClr val="accent1"/>
+            </a:fillRef>
+            <a:effectRef idx="0">
+              <a:schemeClr val="accent1"/>
+            </a:effectRef>
+            <a:fontRef idx="minor">
+              <a:schemeClr val="tx1"/>
+            </a:fontRef>
+          </p:style>
+        </p:cxnSp>
+        <p:cxnSp>
+          <p:nvCxnSpPr>
+            <p:cNvPr id="33" name="Straight Connector 32">
+              <a:extLst>
+                <a:ext uri="{FF2B5EF4-FFF2-40B4-BE49-F238E27FC236}">
+                  <a16:creationId xmlns:a16="http://schemas.microsoft.com/office/drawing/2014/main" id="{836E3E12-5D96-48DB-8320-6294287740AC}"/>
+                </a:ext>
+                <a:ext uri="{C183D7F6-B498-43B3-948B-1728B52AA6E4}">
+                  <adec:decorative xmlns:adec="http://schemas.microsoft.com/office/drawing/2017/decorative" val="1"/>
+                </a:ext>
+              </a:extLst>
+            </p:cNvPr>
+            <p:cNvCxnSpPr>
+              <a:cxnSpLocks/>
+            </p:cNvCxnSpPr>
+            <p:nvPr>
+              <p:extLst>
+                <p:ext uri="{386F3935-93C4-4BCD-93E2-E3B085C9AB24}">
+                  <p16:designElem xmlns:p16="http://schemas.microsoft.com/office/powerpoint/2015/main" val="1"/>
+                </p:ext>
+              </p:extLst>
+            </p:nvPr>
+          </p:nvCxnSpPr>
+          <p:spPr>
+            <a:xfrm>
+              <a:off x="0" y="2343240"/>
+              <a:ext cx="12192000" cy="0"/>
+            </a:xfrm>
+            <a:prstGeom prst="line">
+              <a:avLst/>
+            </a:prstGeom>
+            <a:ln w="12700">
+              <a:solidFill>
+                <a:srgbClr val="BCBCBC">
+                  <a:alpha val="29804"/>
+                </a:srgbClr>
+              </a:solidFill>
+              <a:prstDash val="sysDot"/>
+            </a:ln>
+          </p:spPr>
+          <p:style>
+            <a:lnRef idx="1">
+              <a:schemeClr val="accent1"/>
+            </a:lnRef>
+            <a:fillRef idx="0">
+              <a:schemeClr val="accent1"/>
+            </a:fillRef>
+            <a:effectRef idx="0">
+              <a:schemeClr val="accent1"/>
+            </a:effectRef>
+            <a:fontRef idx="minor">
+              <a:schemeClr val="tx1"/>
+            </a:fontRef>
+          </p:style>
+        </p:cxnSp>
+        <p:cxnSp>
+          <p:nvCxnSpPr>
+            <p:cNvPr id="34" name="Straight Connector 33">
+              <a:extLst>
+                <a:ext uri="{FF2B5EF4-FFF2-40B4-BE49-F238E27FC236}">
+                  <a16:creationId xmlns:a16="http://schemas.microsoft.com/office/drawing/2014/main" id="{7A059482-79BA-4E80-80A2-36FD8408DA34}"/>
+                </a:ext>
+                <a:ext uri="{C183D7F6-B498-43B3-948B-1728B52AA6E4}">
+                  <adec:decorative xmlns:adec="http://schemas.microsoft.com/office/drawing/2017/decorative" val="1"/>
+                </a:ext>
+              </a:extLst>
+            </p:cNvPr>
+            <p:cNvCxnSpPr>
+              <a:cxnSpLocks/>
+            </p:cNvCxnSpPr>
+            <p:nvPr>
+              <p:extLst>
+                <p:ext uri="{386F3935-93C4-4BCD-93E2-E3B085C9AB24}">
+                  <p16:designElem xmlns:p16="http://schemas.microsoft.com/office/powerpoint/2015/main" val="1"/>
+                </p:ext>
+              </p:extLst>
+            </p:nvPr>
+          </p:nvCxnSpPr>
+          <p:spPr>
+            <a:xfrm>
+              <a:off x="0" y="2886121"/>
+              <a:ext cx="12192000" cy="0"/>
+            </a:xfrm>
+            <a:prstGeom prst="line">
+              <a:avLst/>
+            </a:prstGeom>
+            <a:ln w="12700">
+              <a:solidFill>
+                <a:srgbClr val="BCBCBC">
+                  <a:alpha val="29804"/>
+                </a:srgbClr>
+              </a:solidFill>
+              <a:prstDash val="sysDot"/>
+            </a:ln>
+          </p:spPr>
+          <p:style>
+            <a:lnRef idx="1">
+              <a:schemeClr val="accent1"/>
+            </a:lnRef>
+            <a:fillRef idx="0">
+              <a:schemeClr val="accent1"/>
+            </a:fillRef>
+            <a:effectRef idx="0">
+              <a:schemeClr val="accent1"/>
+            </a:effectRef>
+            <a:fontRef idx="minor">
+              <a:schemeClr val="tx1"/>
+            </a:fontRef>
+          </p:style>
+        </p:cxnSp>
+        <p:cxnSp>
+          <p:nvCxnSpPr>
+            <p:cNvPr id="35" name="Straight Connector 34">
+              <a:extLst>
+                <a:ext uri="{FF2B5EF4-FFF2-40B4-BE49-F238E27FC236}">
+                  <a16:creationId xmlns:a16="http://schemas.microsoft.com/office/drawing/2014/main" id="{B4EF88B3-C210-433D-B20D-FE41B4D5F936}"/>
+                </a:ext>
+                <a:ext uri="{C183D7F6-B498-43B3-948B-1728B52AA6E4}">
+                  <adec:decorative xmlns:adec="http://schemas.microsoft.com/office/drawing/2017/decorative" val="1"/>
+                </a:ext>
+              </a:extLst>
+            </p:cNvPr>
+            <p:cNvCxnSpPr>
+              <a:cxnSpLocks/>
+            </p:cNvCxnSpPr>
+            <p:nvPr>
+              <p:extLst>
+                <p:ext uri="{386F3935-93C4-4BCD-93E2-E3B085C9AB24}">
+                  <p16:designElem xmlns:p16="http://schemas.microsoft.com/office/powerpoint/2015/main" val="1"/>
+                </p:ext>
+              </p:extLst>
+            </p:nvPr>
+          </p:nvCxnSpPr>
+          <p:spPr>
+            <a:xfrm>
+              <a:off x="0" y="3429002"/>
+              <a:ext cx="12192000" cy="0"/>
+            </a:xfrm>
+            <a:prstGeom prst="line">
+              <a:avLst/>
+            </a:prstGeom>
+            <a:ln w="12700">
+              <a:solidFill>
+                <a:srgbClr val="BCBCBC">
+                  <a:alpha val="29804"/>
+                </a:srgbClr>
+              </a:solidFill>
+              <a:prstDash val="sysDot"/>
+            </a:ln>
+          </p:spPr>
+          <p:style>
+            <a:lnRef idx="1">
+              <a:schemeClr val="accent1"/>
+            </a:lnRef>
+            <a:fillRef idx="0">
+              <a:schemeClr val="accent1"/>
+            </a:fillRef>
+            <a:effectRef idx="0">
+              <a:schemeClr val="accent1"/>
+            </a:effectRef>
+            <a:fontRef idx="minor">
+              <a:schemeClr val="tx1"/>
+            </a:fontRef>
+          </p:style>
+        </p:cxnSp>
+        <p:cxnSp>
+          <p:nvCxnSpPr>
+            <p:cNvPr id="36" name="Straight Connector 35">
+              <a:extLst>
+                <a:ext uri="{FF2B5EF4-FFF2-40B4-BE49-F238E27FC236}">
+                  <a16:creationId xmlns:a16="http://schemas.microsoft.com/office/drawing/2014/main" id="{53665D3E-61E7-4EDF-A208-56449D765C62}"/>
+                </a:ext>
+                <a:ext uri="{C183D7F6-B498-43B3-948B-1728B52AA6E4}">
+                  <adec:decorative xmlns:adec="http://schemas.microsoft.com/office/drawing/2017/decorative" val="1"/>
+                </a:ext>
+              </a:extLst>
+            </p:cNvPr>
+            <p:cNvCxnSpPr>
+              <a:cxnSpLocks/>
+            </p:cNvCxnSpPr>
+            <p:nvPr>
+              <p:extLst>
+                <p:ext uri="{386F3935-93C4-4BCD-93E2-E3B085C9AB24}">
+                  <p16:designElem xmlns:p16="http://schemas.microsoft.com/office/powerpoint/2015/main" val="1"/>
+                </p:ext>
+              </p:extLst>
+            </p:nvPr>
+          </p:nvCxnSpPr>
+          <p:spPr>
+            <a:xfrm>
+              <a:off x="0" y="3971883"/>
+              <a:ext cx="12192000" cy="0"/>
+            </a:xfrm>
+            <a:prstGeom prst="line">
+              <a:avLst/>
+            </a:prstGeom>
+            <a:ln w="12700">
+              <a:solidFill>
+                <a:srgbClr val="BCBCBC">
+                  <a:alpha val="29804"/>
+                </a:srgbClr>
+              </a:solidFill>
+              <a:prstDash val="sysDot"/>
+            </a:ln>
+          </p:spPr>
+          <p:style>
+            <a:lnRef idx="1">
+              <a:schemeClr val="accent1"/>
+            </a:lnRef>
+            <a:fillRef idx="0">
+              <a:schemeClr val="accent1"/>
+            </a:fillRef>
+            <a:effectRef idx="0">
+              <a:schemeClr val="accent1"/>
+            </a:effectRef>
+            <a:fontRef idx="minor">
+              <a:schemeClr val="tx1"/>
+            </a:fontRef>
+          </p:style>
+        </p:cxnSp>
+        <p:cxnSp>
+          <p:nvCxnSpPr>
+            <p:cNvPr id="37" name="Straight Connector 36">
+              <a:extLst>
+                <a:ext uri="{FF2B5EF4-FFF2-40B4-BE49-F238E27FC236}">
+                  <a16:creationId xmlns:a16="http://schemas.microsoft.com/office/drawing/2014/main" id="{874CF3B0-C9C3-4683-94A3-DC0AE1E74512}"/>
+                </a:ext>
+                <a:ext uri="{C183D7F6-B498-43B3-948B-1728B52AA6E4}">
+                  <adec:decorative xmlns:adec="http://schemas.microsoft.com/office/drawing/2017/decorative" val="1"/>
+                </a:ext>
+              </a:extLst>
+            </p:cNvPr>
+            <p:cNvCxnSpPr>
+              <a:cxnSpLocks/>
+            </p:cNvCxnSpPr>
+            <p:nvPr>
+              <p:extLst>
+                <p:ext uri="{386F3935-93C4-4BCD-93E2-E3B085C9AB24}">
+                  <p16:designElem xmlns:p16="http://schemas.microsoft.com/office/powerpoint/2015/main" val="1"/>
+                </p:ext>
+              </p:extLst>
+            </p:nvPr>
+          </p:nvCxnSpPr>
+          <p:spPr>
+            <a:xfrm>
+              <a:off x="0" y="4514764"/>
+              <a:ext cx="12192000" cy="0"/>
+            </a:xfrm>
+            <a:prstGeom prst="line">
+              <a:avLst/>
+            </a:prstGeom>
+            <a:ln w="12700">
+              <a:solidFill>
+                <a:srgbClr val="BCBCBC">
+                  <a:alpha val="29804"/>
+                </a:srgbClr>
+              </a:solidFill>
+              <a:prstDash val="sysDot"/>
+            </a:ln>
+          </p:spPr>
+          <p:style>
+            <a:lnRef idx="1">
+              <a:schemeClr val="accent1"/>
+            </a:lnRef>
+            <a:fillRef idx="0">
+              <a:schemeClr val="accent1"/>
+            </a:fillRef>
+            <a:effectRef idx="0">
+              <a:schemeClr val="accent1"/>
+            </a:effectRef>
+            <a:fontRef idx="minor">
+              <a:schemeClr val="tx1"/>
+            </a:fontRef>
+          </p:style>
+        </p:cxnSp>
+        <p:cxnSp>
+          <p:nvCxnSpPr>
+            <p:cNvPr id="38" name="Straight Connector 37">
+              <a:extLst>
+                <a:ext uri="{FF2B5EF4-FFF2-40B4-BE49-F238E27FC236}">
+                  <a16:creationId xmlns:a16="http://schemas.microsoft.com/office/drawing/2014/main" id="{7BE90EF9-6DF5-47F4-A069-9F613C81422A}"/>
+                </a:ext>
+                <a:ext uri="{C183D7F6-B498-43B3-948B-1728B52AA6E4}">
+                  <adec:decorative xmlns:adec="http://schemas.microsoft.com/office/drawing/2017/decorative" val="1"/>
+                </a:ext>
+              </a:extLst>
+            </p:cNvPr>
+            <p:cNvCxnSpPr>
+              <a:cxnSpLocks/>
+            </p:cNvCxnSpPr>
+            <p:nvPr>
+              <p:extLst>
+                <p:ext uri="{386F3935-93C4-4BCD-93E2-E3B085C9AB24}">
+                  <p16:designElem xmlns:p16="http://schemas.microsoft.com/office/powerpoint/2015/main" val="1"/>
+                </p:ext>
+              </p:extLst>
+            </p:nvPr>
+          </p:nvCxnSpPr>
+          <p:spPr>
+            <a:xfrm>
+              <a:off x="0" y="5057645"/>
+              <a:ext cx="12192000" cy="0"/>
+            </a:xfrm>
+            <a:prstGeom prst="line">
+              <a:avLst/>
+            </a:prstGeom>
+            <a:ln w="12700">
+              <a:solidFill>
+                <a:srgbClr val="BCBCBC">
+                  <a:alpha val="29804"/>
+                </a:srgbClr>
+              </a:solidFill>
+              <a:prstDash val="sysDot"/>
+            </a:ln>
+          </p:spPr>
+          <p:style>
+            <a:lnRef idx="1">
+              <a:schemeClr val="accent1"/>
+            </a:lnRef>
+            <a:fillRef idx="0">
+              <a:schemeClr val="accent1"/>
+            </a:fillRef>
+            <a:effectRef idx="0">
+              <a:schemeClr val="accent1"/>
+            </a:effectRef>
+            <a:fontRef idx="minor">
+              <a:schemeClr val="tx1"/>
+            </a:fontRef>
+          </p:style>
+        </p:cxnSp>
+        <p:cxnSp>
+          <p:nvCxnSpPr>
+            <p:cNvPr id="39" name="Straight Connector 38">
+              <a:extLst>
+                <a:ext uri="{FF2B5EF4-FFF2-40B4-BE49-F238E27FC236}">
+                  <a16:creationId xmlns:a16="http://schemas.microsoft.com/office/drawing/2014/main" id="{F844EBDE-5A9F-4E9F-8A55-57FB9E979798}"/>
+                </a:ext>
+                <a:ext uri="{C183D7F6-B498-43B3-948B-1728B52AA6E4}">
+                  <adec:decorative xmlns:adec="http://schemas.microsoft.com/office/drawing/2017/decorative" val="1"/>
+                </a:ext>
+              </a:extLst>
+            </p:cNvPr>
+            <p:cNvCxnSpPr>
+              <a:cxnSpLocks/>
+            </p:cNvCxnSpPr>
+            <p:nvPr>
+              <p:extLst>
+                <p:ext uri="{386F3935-93C4-4BCD-93E2-E3B085C9AB24}">
+                  <p16:designElem xmlns:p16="http://schemas.microsoft.com/office/powerpoint/2015/main" val="1"/>
+                </p:ext>
+              </p:extLst>
+            </p:nvPr>
+          </p:nvCxnSpPr>
+          <p:spPr>
+            <a:xfrm>
+              <a:off x="0" y="5600526"/>
+              <a:ext cx="12192000" cy="0"/>
+            </a:xfrm>
+            <a:prstGeom prst="line">
+              <a:avLst/>
+            </a:prstGeom>
+            <a:ln w="12700">
+              <a:solidFill>
+                <a:srgbClr val="BCBCBC">
+                  <a:alpha val="29804"/>
+                </a:srgbClr>
+              </a:solidFill>
+              <a:prstDash val="sysDot"/>
+            </a:ln>
+          </p:spPr>
+          <p:style>
+            <a:lnRef idx="1">
+              <a:schemeClr val="accent1"/>
+            </a:lnRef>
+            <a:fillRef idx="0">
+              <a:schemeClr val="accent1"/>
+            </a:fillRef>
+            <a:effectRef idx="0">
+              <a:schemeClr val="accent1"/>
+            </a:effectRef>
+            <a:fontRef idx="minor">
+              <a:schemeClr val="tx1"/>
+            </a:fontRef>
+          </p:style>
+        </p:cxnSp>
+        <p:cxnSp>
+          <p:nvCxnSpPr>
+            <p:cNvPr id="40" name="Straight Connector 39">
+              <a:extLst>
+                <a:ext uri="{FF2B5EF4-FFF2-40B4-BE49-F238E27FC236}">
+                  <a16:creationId xmlns:a16="http://schemas.microsoft.com/office/drawing/2014/main" id="{6491FC45-82C4-40CD-8D0C-0A2F86E8A1EE}"/>
+                </a:ext>
+                <a:ext uri="{C183D7F6-B498-43B3-948B-1728B52AA6E4}">
+                  <adec:decorative xmlns:adec="http://schemas.microsoft.com/office/drawing/2017/decorative" val="1"/>
+                </a:ext>
+              </a:extLst>
+            </p:cNvPr>
+            <p:cNvCxnSpPr>
+              <a:cxnSpLocks/>
+            </p:cNvCxnSpPr>
+            <p:nvPr>
+              <p:extLst>
+                <p:ext uri="{386F3935-93C4-4BCD-93E2-E3B085C9AB24}">
+                  <p16:designElem xmlns:p16="http://schemas.microsoft.com/office/powerpoint/2015/main" val="1"/>
+                </p:ext>
+              </p:extLst>
+            </p:nvPr>
+          </p:nvCxnSpPr>
+          <p:spPr>
+            <a:xfrm>
+              <a:off x="0" y="6857999"/>
+              <a:ext cx="12192000" cy="0"/>
+            </a:xfrm>
+            <a:prstGeom prst="line">
+              <a:avLst/>
+            </a:prstGeom>
+            <a:ln w="12700">
+              <a:solidFill>
+                <a:srgbClr val="BCBCBC">
+                  <a:alpha val="29804"/>
+                </a:srgbClr>
+              </a:solidFill>
+              <a:prstDash val="sysDot"/>
+            </a:ln>
+          </p:spPr>
+          <p:style>
+            <a:lnRef idx="1">
+              <a:schemeClr val="accent1"/>
+            </a:lnRef>
+            <a:fillRef idx="0">
+              <a:schemeClr val="accent1"/>
+            </a:fillRef>
+            <a:effectRef idx="0">
+              <a:schemeClr val="accent1"/>
+            </a:effectRef>
+            <a:fontRef idx="minor">
+              <a:schemeClr val="tx1"/>
+            </a:fontRef>
+          </p:style>
+        </p:cxnSp>
+        <p:cxnSp>
+          <p:nvCxnSpPr>
+            <p:cNvPr id="41" name="Straight Connector 40">
+              <a:extLst>
+                <a:ext uri="{FF2B5EF4-FFF2-40B4-BE49-F238E27FC236}">
+                  <a16:creationId xmlns:a16="http://schemas.microsoft.com/office/drawing/2014/main" id="{71AD0FE3-6144-4171-943E-0E65D08E806C}"/>
+                </a:ext>
+                <a:ext uri="{C183D7F6-B498-43B3-948B-1728B52AA6E4}">
+                  <adec:decorative xmlns:adec="http://schemas.microsoft.com/office/drawing/2017/decorative" val="1"/>
+                </a:ext>
+              </a:extLst>
+            </p:cNvPr>
+            <p:cNvCxnSpPr>
+              <a:cxnSpLocks/>
+            </p:cNvCxnSpPr>
+            <p:nvPr>
+              <p:extLst>
+                <p:ext uri="{386F3935-93C4-4BCD-93E2-E3B085C9AB24}">
+                  <p16:designElem xmlns:p16="http://schemas.microsoft.com/office/powerpoint/2015/main" val="1"/>
+                </p:ext>
+              </p:extLst>
+            </p:nvPr>
+          </p:nvCxnSpPr>
+          <p:spPr>
+            <a:xfrm>
+              <a:off x="16613" y="6143407"/>
+              <a:ext cx="12192000" cy="0"/>
+            </a:xfrm>
+            <a:prstGeom prst="line">
+              <a:avLst/>
+            </a:prstGeom>
+            <a:ln w="12700">
+              <a:solidFill>
+                <a:srgbClr val="BCBCBC">
+                  <a:alpha val="29804"/>
+                </a:srgbClr>
+              </a:solidFill>
+              <a:prstDash val="sysDot"/>
+            </a:ln>
+          </p:spPr>
+          <p:style>
+            <a:lnRef idx="1">
+              <a:schemeClr val="accent1"/>
+            </a:lnRef>
+            <a:fillRef idx="0">
+              <a:schemeClr val="accent1"/>
+            </a:fillRef>
+            <a:effectRef idx="0">
+              <a:schemeClr val="accent1"/>
+            </a:effectRef>
+            <a:fontRef idx="minor">
+              <a:schemeClr val="tx1"/>
+            </a:fontRef>
+          </p:style>
+        </p:cxnSp>
+        <p:cxnSp>
+          <p:nvCxnSpPr>
+            <p:cNvPr id="42" name="Straight Connector 41">
+              <a:extLst>
+                <a:ext uri="{FF2B5EF4-FFF2-40B4-BE49-F238E27FC236}">
+                  <a16:creationId xmlns:a16="http://schemas.microsoft.com/office/drawing/2014/main" id="{A7BA4499-5E6A-4998-A0F4-614E65552B8C}"/>
+                </a:ext>
+                <a:ext uri="{C183D7F6-B498-43B3-948B-1728B52AA6E4}">
+                  <adec:decorative xmlns:adec="http://schemas.microsoft.com/office/drawing/2017/decorative" val="1"/>
+                </a:ext>
+              </a:extLst>
+            </p:cNvPr>
+            <p:cNvCxnSpPr>
+              <a:cxnSpLocks/>
+            </p:cNvCxnSpPr>
+            <p:nvPr>
+              <p:extLst>
+                <p:ext uri="{386F3935-93C4-4BCD-93E2-E3B085C9AB24}">
+                  <p16:designElem xmlns:p16="http://schemas.microsoft.com/office/powerpoint/2015/main" val="1"/>
+                </p:ext>
+              </p:extLst>
+            </p:nvPr>
+          </p:nvCxnSpPr>
+          <p:spPr>
+            <a:xfrm>
+              <a:off x="684225" y="171716"/>
+              <a:ext cx="0" cy="6511464"/>
+            </a:xfrm>
+            <a:prstGeom prst="line">
+              <a:avLst/>
+            </a:prstGeom>
+            <a:ln w="12700">
+              <a:solidFill>
+                <a:srgbClr val="BCBCBC">
+                  <a:alpha val="29804"/>
+                </a:srgbClr>
+              </a:solidFill>
+              <a:prstDash val="sysDot"/>
+            </a:ln>
+          </p:spPr>
+          <p:style>
+            <a:lnRef idx="1">
+              <a:schemeClr val="accent1"/>
+            </a:lnRef>
+            <a:fillRef idx="0">
+              <a:schemeClr val="accent1"/>
+            </a:fillRef>
+            <a:effectRef idx="0">
+              <a:schemeClr val="accent1"/>
+            </a:effectRef>
+            <a:fontRef idx="minor">
+              <a:schemeClr val="tx1"/>
+            </a:fontRef>
+          </p:style>
+        </p:cxnSp>
+        <p:cxnSp>
+          <p:nvCxnSpPr>
+            <p:cNvPr id="43" name="Straight Connector 42">
+              <a:extLst>
+                <a:ext uri="{FF2B5EF4-FFF2-40B4-BE49-F238E27FC236}">
+                  <a16:creationId xmlns:a16="http://schemas.microsoft.com/office/drawing/2014/main" id="{CAFE7A6F-A7F0-4406-809F-E23FCB201E3B}"/>
+                </a:ext>
+                <a:ext uri="{C183D7F6-B498-43B3-948B-1728B52AA6E4}">
+                  <adec:decorative xmlns:adec="http://schemas.microsoft.com/office/drawing/2017/decorative" val="1"/>
+                </a:ext>
+              </a:extLst>
+            </p:cNvPr>
+            <p:cNvCxnSpPr>
+              <a:cxnSpLocks/>
+            </p:cNvCxnSpPr>
+            <p:nvPr>
+              <p:extLst>
+                <p:ext uri="{386F3935-93C4-4BCD-93E2-E3B085C9AB24}">
+                  <p16:designElem xmlns:p16="http://schemas.microsoft.com/office/powerpoint/2015/main" val="1"/>
+                </p:ext>
+              </p:extLst>
+            </p:nvPr>
+          </p:nvCxnSpPr>
+          <p:spPr>
+            <a:xfrm>
+              <a:off x="11508412" y="173267"/>
+              <a:ext cx="0" cy="6511464"/>
+            </a:xfrm>
+            <a:prstGeom prst="line">
+              <a:avLst/>
+            </a:prstGeom>
+            <a:ln w="12700">
+              <a:solidFill>
+                <a:srgbClr val="BCBCBC">
+                  <a:alpha val="29804"/>
+                </a:srgbClr>
+              </a:solidFill>
+              <a:prstDash val="sysDot"/>
+            </a:ln>
+          </p:spPr>
+          <p:style>
+            <a:lnRef idx="1">
+              <a:schemeClr val="accent1"/>
+            </a:lnRef>
+            <a:fillRef idx="0">
+              <a:schemeClr val="accent1"/>
+            </a:fillRef>
+            <a:effectRef idx="0">
+              <a:schemeClr val="accent1"/>
+            </a:effectRef>
+            <a:fontRef idx="minor">
+              <a:schemeClr val="tx1"/>
+            </a:fontRef>
+          </p:style>
+        </p:cxnSp>
+      </p:grpSp>
+      <p:sp>
+        <p:nvSpPr>
+          <p:cNvPr id="2" name="Title 1">
+            <a:extLst>
+              <a:ext uri="{FF2B5EF4-FFF2-40B4-BE49-F238E27FC236}">
+                <a16:creationId xmlns:a16="http://schemas.microsoft.com/office/drawing/2014/main" id="{4E8D9BFD-A382-B198-0290-B7377E62EC79}"/>
+              </a:ext>
+            </a:extLst>
+          </p:cNvPr>
+          <p:cNvSpPr>
+            <a:spLocks noGrp="1"/>
+          </p:cNvSpPr>
+          <p:nvPr>
+            <p:ph type="title"/>
+          </p:nvPr>
+        </p:nvSpPr>
+        <p:spPr>
+          <a:xfrm>
+            <a:off x="6088653" y="725951"/>
+            <a:ext cx="4927425" cy="1938525"/>
+          </a:xfrm>
+        </p:spPr>
+        <p:txBody>
+          <a:bodyPr>
+            <a:normAutofit/>
+          </a:bodyPr>
+          <a:lstStyle/>
+          <a:p>
+            <a:pPr>
+              <a:lnSpc>
+                <a:spcPct val="90000"/>
+              </a:lnSpc>
+            </a:pPr>
+            <a:r>
+              <a:rPr lang="en-US" sz="3100"/>
+              <a:t>Handwriting Recognition in Smartwatches</a:t>
+            </a:r>
+            <a:br>
+              <a:rPr lang="en-US" sz="3100"/>
+            </a:br>
+            <a:endParaRPr lang="en-US" sz="3100"/>
+          </a:p>
+        </p:txBody>
+      </p:sp>
+      <p:pic>
+        <p:nvPicPr>
+          <p:cNvPr id="49" name="Picture 48" descr="Different types of clocks">
+            <a:extLst>
+              <a:ext uri="{FF2B5EF4-FFF2-40B4-BE49-F238E27FC236}">
+                <a16:creationId xmlns:a16="http://schemas.microsoft.com/office/drawing/2014/main" id="{127DBC93-3F32-73CD-722B-646C93B7D93C}"/>
+              </a:ext>
+            </a:extLst>
+          </p:cNvPr>
+          <p:cNvPicPr>
+            <a:picLocks noChangeAspect="1"/>
+          </p:cNvPicPr>
+          <p:nvPr/>
+        </p:nvPicPr>
+        <p:blipFill>
+          <a:blip r:embed="rId2"/>
+          <a:srcRect l="19895" r="32083"/>
+          <a:stretch/>
+        </p:blipFill>
+        <p:spPr>
+          <a:xfrm>
+            <a:off x="1" y="10"/>
+            <a:ext cx="5854890" cy="6857990"/>
+          </a:xfrm>
+          <a:custGeom>
+            <a:avLst/>
+            <a:gdLst/>
+            <a:ahLst/>
+            <a:cxnLst/>
+            <a:rect l="l" t="t" r="r" b="b"/>
+            <a:pathLst>
+              <a:path w="6036633" h="6858000">
+                <a:moveTo>
+                  <a:pt x="0" y="0"/>
+                </a:moveTo>
+                <a:lnTo>
+                  <a:pt x="5782584" y="0"/>
+                </a:lnTo>
+                <a:lnTo>
+                  <a:pt x="5847735" y="280891"/>
+                </a:lnTo>
+                <a:cubicBezTo>
+                  <a:pt x="6512611" y="3337011"/>
+                  <a:pt x="5215360" y="3533975"/>
+                  <a:pt x="5130974" y="6590095"/>
+                </a:cubicBezTo>
+                <a:lnTo>
+                  <a:pt x="5127340" y="6858000"/>
+                </a:lnTo>
+                <a:lnTo>
+                  <a:pt x="0" y="6858000"/>
+                </a:lnTo>
+                <a:close/>
+              </a:path>
+            </a:pathLst>
+          </a:custGeom>
+        </p:spPr>
+      </p:pic>
+      <p:sp>
+        <p:nvSpPr>
+          <p:cNvPr id="50" name="Right Triangle 49">
+            <a:extLst>
+              <a:ext uri="{FF2B5EF4-FFF2-40B4-BE49-F238E27FC236}">
+                <a16:creationId xmlns:a16="http://schemas.microsoft.com/office/drawing/2014/main" id="{BEAC0A80-07D3-49CB-87C3-BC34F219DFF7}"/>
+              </a:ext>
+              <a:ext uri="{C183D7F6-B498-43B3-948B-1728B52AA6E4}">
+                <adec:decorative xmlns:adec="http://schemas.microsoft.com/office/drawing/2017/decorative" val="1"/>
+              </a:ext>
+            </a:extLst>
+          </p:cNvPr>
+          <p:cNvSpPr>
+            <a:spLocks noGrp="1" noRot="1" noChangeAspect="1" noMove="1" noResize="1" noEditPoints="1" noAdjustHandles="1" noChangeArrowheads="1" noChangeShapeType="1" noTextEdit="1"/>
+          </p:cNvSpPr>
+          <p:nvPr>
+            <p:extLst>
+              <p:ext uri="{386F3935-93C4-4BCD-93E2-E3B085C9AB24}">
+                <p16:designElem xmlns:p16="http://schemas.microsoft.com/office/powerpoint/2015/main" val="1"/>
+              </p:ext>
+            </p:extLst>
+          </p:nvPr>
+        </p:nvSpPr>
+        <p:spPr>
+          <a:xfrm rot="18900000">
+            <a:off x="6297339" y="-292624"/>
+            <a:ext cx="568289" cy="568289"/>
+          </a:xfrm>
+          <a:prstGeom prst="rtTriangle">
+            <a:avLst/>
+          </a:prstGeom>
+          <a:solidFill>
+            <a:schemeClr val="accent1">
+              <a:alpha val="50000"/>
+            </a:schemeClr>
+          </a:solidFill>
+          <a:ln>
+            <a:noFill/>
+          </a:ln>
+        </p:spPr>
+        <p:style>
+          <a:lnRef idx="2">
+            <a:schemeClr val="accent1">
+              <a:shade val="50000"/>
+            </a:schemeClr>
+          </a:lnRef>
+          <a:fillRef idx="1">
+            <a:schemeClr val="accent1"/>
+          </a:fillRef>
+          <a:effectRef idx="0">
+            <a:schemeClr val="accent1"/>
+          </a:effectRef>
+          <a:fontRef idx="minor">
+            <a:schemeClr val="lt1"/>
+          </a:fontRef>
+        </p:style>
+        <p:txBody>
+          <a:bodyPr rtlCol="0" anchor="ctr"/>
+          <a:lstStyle/>
+          <a:p>
+            <a:pPr algn="ctr"/>
+            <a:endParaRPr lang="en-US">
+              <a:solidFill>
+                <a:schemeClr val="tx1"/>
+              </a:solidFill>
+            </a:endParaRPr>
+          </a:p>
+        </p:txBody>
+      </p:sp>
+      <p:sp>
+        <p:nvSpPr>
+          <p:cNvPr id="4" name="Rectangle 1">
+            <a:extLst>
+              <a:ext uri="{FF2B5EF4-FFF2-40B4-BE49-F238E27FC236}">
+                <a16:creationId xmlns:a16="http://schemas.microsoft.com/office/drawing/2014/main" id="{94C71176-5306-92B4-FBBE-19556483BAF4}"/>
+              </a:ext>
+            </a:extLst>
+          </p:cNvPr>
+          <p:cNvSpPr>
+            <a:spLocks noGrp="1" noChangeArrowheads="1"/>
+          </p:cNvSpPr>
+          <p:nvPr>
+            <p:ph idx="1"/>
+          </p:nvPr>
+        </p:nvSpPr>
+        <p:spPr bwMode="auto">
+          <a:xfrm>
+            <a:off x="6088653" y="2886116"/>
+            <a:ext cx="4927425" cy="3245931"/>
+          </a:xfrm>
+          <a:prstGeom prst="rect">
+            <a:avLst/>
+          </a:prstGeom>
+          <a:extLst>
+            <a:ext uri="{909E8E84-426E-40DD-AFC4-6F175D3DCCD1}">
+              <a14:hiddenFill xmlns:a14="http://schemas.microsoft.com/office/drawing/2010/main">
+                <a:solidFill>
+                  <a:schemeClr val="accent1"/>
+                </a:solidFill>
+              </a14:hiddenFill>
+            </a:ext>
+            <a:ext uri="{91240B29-F687-4F45-9708-019B960494DF}">
+              <a14:hiddenLine xmlns:a14="http://schemas.microsoft.com/office/drawing/2010/main" w="9525">
+                <a:solidFill>
+                  <a:schemeClr val="tx1"/>
+                </a:solidFill>
+                <a:miter lim="800000"/>
+                <a:headEnd/>
+                <a:tailEnd/>
+              </a14:hiddenLine>
+            </a:ext>
+            <a:ext uri="{AF507438-7753-43E0-B8FC-AC1667EBCBE1}">
+              <a14:hiddenEffects xmlns:a14="http://schemas.microsoft.com/office/drawing/2010/main">
+                <a:effectLst>
+                  <a:outerShdw dist="35921" dir="2700000" algn="ctr" rotWithShape="0">
+                    <a:schemeClr val="bg2"/>
+                  </a:outerShdw>
+                </a:effectLst>
+              </a14:hiddenEffects>
+            </a:ext>
+          </a:extLst>
+        </p:spPr>
+        <p:txBody>
+          <a:bodyPr vert="horz" lIns="91440" tIns="45720" rIns="91440" bIns="45720" numCol="1" anchorCtr="0" compatLnSpc="1">
+            <a:prstTxWarp prst="textNoShape">
+              <a:avLst/>
+            </a:prstTxWarp>
+            <a:normAutofit/>
+          </a:bodyPr>
+          <a:lstStyle/>
+          <a:p>
+            <a:pPr marL="0" marR="0" lvl="0" indent="0" algn="just" defTabSz="914400" rtl="0" eaLnBrk="0" fontAlgn="base" latinLnBrk="0" hangingPunct="0">
+              <a:lnSpc>
+                <a:spcPct val="100000"/>
+              </a:lnSpc>
+              <a:spcBef>
+                <a:spcPct val="0"/>
+              </a:spcBef>
+              <a:spcAft>
+                <a:spcPts val="600"/>
+              </a:spcAft>
+              <a:buClrTx/>
+              <a:buSzTx/>
+              <a:buFontTx/>
+              <a:buNone/>
+              <a:tabLst/>
+            </a:pPr>
+            <a:r>
+              <a:rPr lang="en-US" sz="1200" dirty="0"/>
+              <a:t>This technology implements machine learning models to digitize handwritten notes on smartwatches, enhancing productivity and data management. Four key models are employed: Traditional Naive Bayes for quick, basic recognition; Gaussian Naive Bayes for improved style handling; Multivariate Gaussian Naive Bayes for enhanced complexity recognition; and K-Nearest Neighbors for high accuracy across diverse styles. The implementation strategy involves adaptive model selection, balancing on-device and cloud processing, continuous learning, and battery optimization. Users benefit from improved productivity, enhanced accessibility, personalization, and versatility. Challenges such as limited processing power, battery life concerns, small display size, and varied handwriting styles are addressed through hardware optimization, adaptive model selection, intuitive UI design, and use of model ensembles. Future enhancements may include AI assistant integration, multilingual support, gesture recognition, and handwriting-based authentication.</a:t>
+            </a:r>
+            <a:endParaRPr kumimoji="0" lang="en-US" altLang="en-US" sz="1200" b="0" i="0" u="none" strike="noStrike" cap="none" normalizeH="0" baseline="0" dirty="0">
+              <a:ln>
+                <a:noFill/>
+              </a:ln>
+              <a:effectLst/>
+              <a:latin typeface="Arial" panose="020B0604020202020204" pitchFamily="34" charset="0"/>
+            </a:endParaRPr>
+          </a:p>
+        </p:txBody>
+      </p:sp>
+    </p:spTree>
+    <p:extLst>
+      <p:ext uri="{BB962C8B-B14F-4D97-AF65-F5344CB8AC3E}">
+        <p14:creationId xmlns:p14="http://schemas.microsoft.com/office/powerpoint/2010/main" val="4031112152"/>
+      </p:ext>
+    </p:extLst>
+  </p:cSld>
+  <p:clrMapOvr>
+    <a:masterClrMapping/>
+  </p:clrMapOvr>
+</p:sld>
+</file>
+
+<file path=ppt/slides/slide9.xml><?xml version="1.0" encoding="utf-8"?>
+<p:sld xmlns:a="http://schemas.openxmlformats.org/drawingml/2006/main" xmlns:r="http://schemas.openxmlformats.org/officeDocument/2006/relationships" xmlns:p="http://schemas.openxmlformats.org/presentationml/2006/main">
+  <p:cSld>
+    <p:bg>
+      <p:bgPr>
+        <a:solidFill>
+          <a:schemeClr val="bg1"/>
+        </a:solidFill>
+        <a:effectLst/>
+      </p:bgPr>
+    </p:bg>
+    <p:spTree>
+      <p:nvGrpSpPr>
+        <p:cNvPr id="1" name=""/>
+        <p:cNvGrpSpPr/>
+        <p:nvPr/>
+      </p:nvGrpSpPr>
+      <p:grpSpPr>
+        <a:xfrm>
+          <a:off x="0" y="0"/>
+          <a:ext cx="0" cy="0"/>
+          <a:chOff x="0" y="0"/>
+          <a:chExt cx="0" cy="0"/>
+        </a:xfrm>
+      </p:grpSpPr>
+      <p:sp useBgFill="1">
+        <p:nvSpPr>
           <p:cNvPr id="11" name="Rectangle 10">
             <a:extLst>
               <a:ext uri="{FF2B5EF4-FFF2-40B4-BE49-F238E27FC236}">

--- a/MNIST Digit Recognition.pptx
+++ b/MNIST Digit Recognition.pptx
@@ -6,13 +6,13 @@
   </p:sldMasterIdLst>
   <p:sldIdLst>
     <p:sldId id="256" r:id="rId2"/>
-    <p:sldId id="257" r:id="rId3"/>
-    <p:sldId id="258" r:id="rId4"/>
-    <p:sldId id="259" r:id="rId5"/>
-    <p:sldId id="260" r:id="rId6"/>
-    <p:sldId id="261" r:id="rId7"/>
-    <p:sldId id="262" r:id="rId8"/>
-    <p:sldId id="264" r:id="rId9"/>
+    <p:sldId id="264" r:id="rId3"/>
+    <p:sldId id="257" r:id="rId4"/>
+    <p:sldId id="258" r:id="rId5"/>
+    <p:sldId id="259" r:id="rId6"/>
+    <p:sldId id="260" r:id="rId7"/>
+    <p:sldId id="261" r:id="rId8"/>
+    <p:sldId id="262" r:id="rId9"/>
     <p:sldId id="263" r:id="rId10"/>
   </p:sldIdLst>
   <p:sldSz cx="12192000" cy="6858000"/>
@@ -1320,10 +1320,10 @@
         <a:lstStyle/>
         <a:p>
           <a:r>
-            <a:rPr lang="en-US" b="0" i="0" baseline="0"/>
+            <a:rPr lang="en-US" b="0" i="0" baseline="0" dirty="0"/>
             <a:t>Handling high-dimensional image data </a:t>
           </a:r>
-          <a:endParaRPr lang="en-US"/>
+          <a:endParaRPr lang="en-US" dirty="0"/>
         </a:p>
       </dgm:t>
     </dgm:pt>
@@ -3193,10 +3193,10 @@
             <a:buNone/>
           </a:pPr>
           <a:r>
-            <a:rPr lang="en-US" sz="1200" b="0" i="0" kern="1200" baseline="0"/>
+            <a:rPr lang="en-US" sz="1200" b="0" i="0" kern="1200" baseline="0" dirty="0"/>
             <a:t>Handling high-dimensional image data </a:t>
           </a:r>
-          <a:endParaRPr lang="en-US" sz="1200" kern="1200"/>
+          <a:endParaRPr lang="en-US" sz="1200" kern="1200" dirty="0"/>
         </a:p>
       </dsp:txBody>
       <dsp:txXfrm>
@@ -21084,7 +21084,7 @@
         <p:spPr>
           <a:xfrm>
             <a:off x="691078" y="722903"/>
-            <a:ext cx="3930417" cy="2479772"/>
+            <a:ext cx="3930417" cy="2163209"/>
           </a:xfrm>
         </p:spPr>
         <p:txBody>
@@ -21099,8 +21099,8 @@
               </a:lnSpc>
             </a:pPr>
             <a:r>
-              <a:rPr lang="en-US" sz="3400"/>
-              <a:t>MNIST Digit Recognition: Comparing Machine Learning Models</a:t>
+              <a:rPr lang="en-US" sz="2800" b="1" dirty="0"/>
+              <a:t>Handwriting Recognition for Smartwatches using various machine learning models</a:t>
             </a:r>
           </a:p>
         </p:txBody>
@@ -21192,6 +21192,2108 @@
 </file>
 
 <file path=ppt/slides/slide2.xml><?xml version="1.0" encoding="utf-8"?>
+<p:sld xmlns:a="http://schemas.openxmlformats.org/drawingml/2006/main" xmlns:r="http://schemas.openxmlformats.org/officeDocument/2006/relationships" xmlns:p="http://schemas.openxmlformats.org/presentationml/2006/main">
+  <p:cSld>
+    <p:bg>
+      <p:bgPr>
+        <a:solidFill>
+          <a:schemeClr val="bg1"/>
+        </a:solidFill>
+        <a:effectLst/>
+      </p:bgPr>
+    </p:bg>
+    <p:spTree>
+      <p:nvGrpSpPr>
+        <p:cNvPr id="1" name=""/>
+        <p:cNvGrpSpPr/>
+        <p:nvPr/>
+      </p:nvGrpSpPr>
+      <p:grpSpPr>
+        <a:xfrm>
+          <a:off x="0" y="0"/>
+          <a:ext cx="0" cy="0"/>
+          <a:chOff x="0" y="0"/>
+          <a:chExt cx="0" cy="0"/>
+        </a:xfrm>
+      </p:grpSpPr>
+      <p:sp useBgFill="1">
+        <p:nvSpPr>
+          <p:cNvPr id="47" name="Rectangle 46">
+            <a:extLst>
+              <a:ext uri="{FF2B5EF4-FFF2-40B4-BE49-F238E27FC236}">
+                <a16:creationId xmlns:a16="http://schemas.microsoft.com/office/drawing/2014/main" id="{1C582B07-D0F0-4B6B-A5D9-D2F192CB3A4E}"/>
+              </a:ext>
+              <a:ext uri="{C183D7F6-B498-43B3-948B-1728B52AA6E4}">
+                <adec:decorative xmlns:adec="http://schemas.microsoft.com/office/drawing/2017/decorative" val="1"/>
+              </a:ext>
+            </a:extLst>
+          </p:cNvPr>
+          <p:cNvSpPr>
+            <a:spLocks noGrp="1" noRot="1" noChangeAspect="1" noMove="1" noResize="1" noEditPoints="1" noAdjustHandles="1" noChangeArrowheads="1" noChangeShapeType="1" noTextEdit="1"/>
+          </p:cNvSpPr>
+          <p:nvPr>
+            <p:extLst>
+              <p:ext uri="{386F3935-93C4-4BCD-93E2-E3B085C9AB24}">
+                <p16:designElem xmlns:p16="http://schemas.microsoft.com/office/powerpoint/2015/main" val="1"/>
+              </p:ext>
+            </p:extLst>
+          </p:nvPr>
+        </p:nvSpPr>
+        <p:spPr>
+          <a:xfrm>
+            <a:off x="0" y="0"/>
+            <a:ext cx="12188952" cy="6858000"/>
+          </a:xfrm>
+          <a:prstGeom prst="rect">
+            <a:avLst/>
+          </a:prstGeom>
+          <a:ln>
+            <a:noFill/>
+          </a:ln>
+        </p:spPr>
+        <p:style>
+          <a:lnRef idx="2">
+            <a:schemeClr val="accent1">
+              <a:shade val="50000"/>
+            </a:schemeClr>
+          </a:lnRef>
+          <a:fillRef idx="1">
+            <a:schemeClr val="accent1"/>
+          </a:fillRef>
+          <a:effectRef idx="0">
+            <a:schemeClr val="accent1"/>
+          </a:effectRef>
+          <a:fontRef idx="minor">
+            <a:schemeClr val="lt1"/>
+          </a:fontRef>
+        </p:style>
+        <p:txBody>
+          <a:bodyPr rtlCol="0" anchor="ctr"/>
+          <a:lstStyle/>
+          <a:p>
+            <a:pPr algn="ctr"/>
+            <a:endParaRPr lang="en-US">
+              <a:solidFill>
+                <a:schemeClr val="bg1"/>
+              </a:solidFill>
+            </a:endParaRPr>
+          </a:p>
+        </p:txBody>
+      </p:sp>
+      <p:grpSp>
+        <p:nvGrpSpPr>
+          <p:cNvPr id="48" name="Group 47">
+            <a:extLst>
+              <a:ext uri="{FF2B5EF4-FFF2-40B4-BE49-F238E27FC236}">
+                <a16:creationId xmlns:a16="http://schemas.microsoft.com/office/drawing/2014/main" id="{4D431671-5191-4947-8899-E90505A70426}"/>
+              </a:ext>
+              <a:ext uri="{C183D7F6-B498-43B3-948B-1728B52AA6E4}">
+                <adec:decorative xmlns:adec="http://schemas.microsoft.com/office/drawing/2017/decorative" val="1"/>
+              </a:ext>
+            </a:extLst>
+          </p:cNvPr>
+          <p:cNvGrpSpPr>
+            <a:grpSpLocks noGrp="1" noUngrp="1" noRot="1" noChangeAspect="1" noMove="1" noResize="1"/>
+          </p:cNvGrpSpPr>
+          <p:nvPr>
+            <p:extLst>
+              <p:ext uri="{386F3935-93C4-4BCD-93E2-E3B085C9AB24}">
+                <p16:designElem xmlns:p16="http://schemas.microsoft.com/office/powerpoint/2015/main" val="1"/>
+              </p:ext>
+            </p:extLst>
+          </p:nvPr>
+        </p:nvGrpSpPr>
+        <p:grpSpPr>
+          <a:xfrm>
+            <a:off x="-6214" y="-1"/>
+            <a:ext cx="12214827" cy="6858000"/>
+            <a:chOff x="-6214" y="-1"/>
+            <a:chExt cx="12214827" cy="6858000"/>
+          </a:xfrm>
+        </p:grpSpPr>
+        <p:cxnSp>
+          <p:nvCxnSpPr>
+            <p:cNvPr id="13" name="Straight Connector 12">
+              <a:extLst>
+                <a:ext uri="{FF2B5EF4-FFF2-40B4-BE49-F238E27FC236}">
+                  <a16:creationId xmlns:a16="http://schemas.microsoft.com/office/drawing/2014/main" id="{877D2E98-ED65-4121-9DA5-6DBB831D0FB2}"/>
+                </a:ext>
+                <a:ext uri="{C183D7F6-B498-43B3-948B-1728B52AA6E4}">
+                  <adec:decorative xmlns:adec="http://schemas.microsoft.com/office/drawing/2017/decorative" val="1"/>
+                </a:ext>
+              </a:extLst>
+            </p:cNvPr>
+            <p:cNvCxnSpPr>
+              <a:cxnSpLocks/>
+            </p:cNvCxnSpPr>
+            <p:nvPr>
+              <p:extLst>
+                <p:ext uri="{386F3935-93C4-4BCD-93E2-E3B085C9AB24}">
+                  <p16:designElem xmlns:p16="http://schemas.microsoft.com/office/powerpoint/2015/main" val="1"/>
+                </p:ext>
+              </p:extLst>
+            </p:nvPr>
+          </p:nvCxnSpPr>
+          <p:spPr>
+            <a:xfrm>
+              <a:off x="-6214" y="6686283"/>
+              <a:ext cx="12192000" cy="0"/>
+            </a:xfrm>
+            <a:prstGeom prst="line">
+              <a:avLst/>
+            </a:prstGeom>
+            <a:ln w="12700">
+              <a:solidFill>
+                <a:srgbClr val="BCBCBC">
+                  <a:alpha val="29804"/>
+                </a:srgbClr>
+              </a:solidFill>
+              <a:prstDash val="sysDot"/>
+            </a:ln>
+          </p:spPr>
+          <p:style>
+            <a:lnRef idx="1">
+              <a:schemeClr val="accent1"/>
+            </a:lnRef>
+            <a:fillRef idx="0">
+              <a:schemeClr val="accent1"/>
+            </a:fillRef>
+            <a:effectRef idx="0">
+              <a:schemeClr val="accent1"/>
+            </a:effectRef>
+            <a:fontRef idx="minor">
+              <a:schemeClr val="tx1"/>
+            </a:fontRef>
+          </p:style>
+        </p:cxnSp>
+        <p:cxnSp>
+          <p:nvCxnSpPr>
+            <p:cNvPr id="14" name="Straight Connector 13">
+              <a:extLst>
+                <a:ext uri="{FF2B5EF4-FFF2-40B4-BE49-F238E27FC236}">
+                  <a16:creationId xmlns:a16="http://schemas.microsoft.com/office/drawing/2014/main" id="{DA94A307-5B5D-4E42-95B3-064D5093ADE5}"/>
+                </a:ext>
+                <a:ext uri="{C183D7F6-B498-43B3-948B-1728B52AA6E4}">
+                  <adec:decorative xmlns:adec="http://schemas.microsoft.com/office/drawing/2017/decorative" val="1"/>
+                </a:ext>
+              </a:extLst>
+            </p:cNvPr>
+            <p:cNvCxnSpPr>
+              <a:cxnSpLocks/>
+            </p:cNvCxnSpPr>
+            <p:nvPr>
+              <p:extLst>
+                <p:ext uri="{386F3935-93C4-4BCD-93E2-E3B085C9AB24}">
+                  <p16:designElem xmlns:p16="http://schemas.microsoft.com/office/powerpoint/2015/main" val="1"/>
+                </p:ext>
+              </p:extLst>
+            </p:nvPr>
+          </p:nvCxnSpPr>
+          <p:spPr>
+            <a:xfrm>
+              <a:off x="0" y="-1"/>
+              <a:ext cx="0" cy="6858000"/>
+            </a:xfrm>
+            <a:prstGeom prst="line">
+              <a:avLst/>
+            </a:prstGeom>
+            <a:ln w="12700">
+              <a:solidFill>
+                <a:srgbClr val="BCBCBC">
+                  <a:alpha val="29804"/>
+                </a:srgbClr>
+              </a:solidFill>
+              <a:prstDash val="sysDot"/>
+            </a:ln>
+          </p:spPr>
+          <p:style>
+            <a:lnRef idx="1">
+              <a:schemeClr val="accent1"/>
+            </a:lnRef>
+            <a:fillRef idx="0">
+              <a:schemeClr val="accent1"/>
+            </a:fillRef>
+            <a:effectRef idx="0">
+              <a:schemeClr val="accent1"/>
+            </a:effectRef>
+            <a:fontRef idx="minor">
+              <a:schemeClr val="tx1"/>
+            </a:fontRef>
+          </p:style>
+        </p:cxnSp>
+        <p:cxnSp>
+          <p:nvCxnSpPr>
+            <p:cNvPr id="15" name="Straight Connector 14">
+              <a:extLst>
+                <a:ext uri="{FF2B5EF4-FFF2-40B4-BE49-F238E27FC236}">
+                  <a16:creationId xmlns:a16="http://schemas.microsoft.com/office/drawing/2014/main" id="{8CB3B32C-3BDA-4D41-9802-681B0599FD3C}"/>
+                </a:ext>
+                <a:ext uri="{C183D7F6-B498-43B3-948B-1728B52AA6E4}">
+                  <adec:decorative xmlns:adec="http://schemas.microsoft.com/office/drawing/2017/decorative" val="1"/>
+                </a:ext>
+              </a:extLst>
+            </p:cNvPr>
+            <p:cNvCxnSpPr>
+              <a:cxnSpLocks/>
+            </p:cNvCxnSpPr>
+            <p:nvPr>
+              <p:extLst>
+                <p:ext uri="{386F3935-93C4-4BCD-93E2-E3B085C9AB24}">
+                  <p16:designElem xmlns:p16="http://schemas.microsoft.com/office/powerpoint/2015/main" val="1"/>
+                </p:ext>
+              </p:extLst>
+            </p:nvPr>
+          </p:nvCxnSpPr>
+          <p:spPr>
+            <a:xfrm>
+              <a:off x="11993258" y="-1"/>
+              <a:ext cx="0" cy="6858000"/>
+            </a:xfrm>
+            <a:prstGeom prst="line">
+              <a:avLst/>
+            </a:prstGeom>
+            <a:ln w="12700">
+              <a:solidFill>
+                <a:srgbClr val="BCBCBC">
+                  <a:alpha val="29804"/>
+                </a:srgbClr>
+              </a:solidFill>
+              <a:prstDash val="sysDot"/>
+            </a:ln>
+          </p:spPr>
+          <p:style>
+            <a:lnRef idx="1">
+              <a:schemeClr val="accent1"/>
+            </a:lnRef>
+            <a:fillRef idx="0">
+              <a:schemeClr val="accent1"/>
+            </a:fillRef>
+            <a:effectRef idx="0">
+              <a:schemeClr val="accent1"/>
+            </a:effectRef>
+            <a:fontRef idx="minor">
+              <a:schemeClr val="tx1"/>
+            </a:fontRef>
+          </p:style>
+        </p:cxnSp>
+        <p:cxnSp>
+          <p:nvCxnSpPr>
+            <p:cNvPr id="16" name="Straight Connector 15">
+              <a:extLst>
+                <a:ext uri="{FF2B5EF4-FFF2-40B4-BE49-F238E27FC236}">
+                  <a16:creationId xmlns:a16="http://schemas.microsoft.com/office/drawing/2014/main" id="{35BDBFD6-7C61-4520-8203-BAB1986C158C}"/>
+                </a:ext>
+                <a:ext uri="{C183D7F6-B498-43B3-948B-1728B52AA6E4}">
+                  <adec:decorative xmlns:adec="http://schemas.microsoft.com/office/drawing/2017/decorative" val="1"/>
+                </a:ext>
+              </a:extLst>
+            </p:cNvPr>
+            <p:cNvCxnSpPr>
+              <a:cxnSpLocks/>
+            </p:cNvCxnSpPr>
+            <p:nvPr>
+              <p:extLst>
+                <p:ext uri="{386F3935-93C4-4BCD-93E2-E3B085C9AB24}">
+                  <p16:designElem xmlns:p16="http://schemas.microsoft.com/office/powerpoint/2015/main" val="1"/>
+                </p:ext>
+              </p:extLst>
+            </p:nvPr>
+          </p:nvCxnSpPr>
+          <p:spPr>
+            <a:xfrm>
+              <a:off x="192528" y="-1"/>
+              <a:ext cx="0" cy="6858000"/>
+            </a:xfrm>
+            <a:prstGeom prst="line">
+              <a:avLst/>
+            </a:prstGeom>
+            <a:ln w="12700">
+              <a:solidFill>
+                <a:srgbClr val="BCBCBC">
+                  <a:alpha val="29804"/>
+                </a:srgbClr>
+              </a:solidFill>
+              <a:prstDash val="sysDot"/>
+            </a:ln>
+          </p:spPr>
+          <p:style>
+            <a:lnRef idx="1">
+              <a:schemeClr val="accent1"/>
+            </a:lnRef>
+            <a:fillRef idx="0">
+              <a:schemeClr val="accent1"/>
+            </a:fillRef>
+            <a:effectRef idx="0">
+              <a:schemeClr val="accent1"/>
+            </a:effectRef>
+            <a:fontRef idx="minor">
+              <a:schemeClr val="tx1"/>
+            </a:fontRef>
+          </p:style>
+        </p:cxnSp>
+        <p:cxnSp>
+          <p:nvCxnSpPr>
+            <p:cNvPr id="17" name="Straight Connector 16">
+              <a:extLst>
+                <a:ext uri="{FF2B5EF4-FFF2-40B4-BE49-F238E27FC236}">
+                  <a16:creationId xmlns:a16="http://schemas.microsoft.com/office/drawing/2014/main" id="{D4ABA4D7-9904-42C4-B0CD-B1CE2E0D3734}"/>
+                </a:ext>
+                <a:ext uri="{C183D7F6-B498-43B3-948B-1728B52AA6E4}">
+                  <adec:decorative xmlns:adec="http://schemas.microsoft.com/office/drawing/2017/decorative" val="1"/>
+                </a:ext>
+              </a:extLst>
+            </p:cNvPr>
+            <p:cNvCxnSpPr>
+              <a:cxnSpLocks/>
+            </p:cNvCxnSpPr>
+            <p:nvPr>
+              <p:extLst>
+                <p:ext uri="{386F3935-93C4-4BCD-93E2-E3B085C9AB24}">
+                  <p16:designElem xmlns:p16="http://schemas.microsoft.com/office/powerpoint/2015/main" val="1"/>
+                </p:ext>
+              </p:extLst>
+            </p:nvPr>
+          </p:nvCxnSpPr>
+          <p:spPr>
+            <a:xfrm>
+              <a:off x="1175922" y="-1"/>
+              <a:ext cx="0" cy="6858000"/>
+            </a:xfrm>
+            <a:prstGeom prst="line">
+              <a:avLst/>
+            </a:prstGeom>
+            <a:ln w="12700">
+              <a:solidFill>
+                <a:srgbClr val="BCBCBC">
+                  <a:alpha val="29804"/>
+                </a:srgbClr>
+              </a:solidFill>
+              <a:prstDash val="sysDot"/>
+            </a:ln>
+          </p:spPr>
+          <p:style>
+            <a:lnRef idx="1">
+              <a:schemeClr val="accent1"/>
+            </a:lnRef>
+            <a:fillRef idx="0">
+              <a:schemeClr val="accent1"/>
+            </a:fillRef>
+            <a:effectRef idx="0">
+              <a:schemeClr val="accent1"/>
+            </a:effectRef>
+            <a:fontRef idx="minor">
+              <a:schemeClr val="tx1"/>
+            </a:fontRef>
+          </p:style>
+        </p:cxnSp>
+        <p:cxnSp>
+          <p:nvCxnSpPr>
+            <p:cNvPr id="18" name="Straight Connector 17">
+              <a:extLst>
+                <a:ext uri="{FF2B5EF4-FFF2-40B4-BE49-F238E27FC236}">
+                  <a16:creationId xmlns:a16="http://schemas.microsoft.com/office/drawing/2014/main" id="{BB63F0D6-8747-4126-9359-B730EB21B79A}"/>
+                </a:ext>
+                <a:ext uri="{C183D7F6-B498-43B3-948B-1728B52AA6E4}">
+                  <adec:decorative xmlns:adec="http://schemas.microsoft.com/office/drawing/2017/decorative" val="1"/>
+                </a:ext>
+              </a:extLst>
+            </p:cNvPr>
+            <p:cNvCxnSpPr>
+              <a:cxnSpLocks/>
+            </p:cNvCxnSpPr>
+            <p:nvPr>
+              <p:extLst>
+                <p:ext uri="{386F3935-93C4-4BCD-93E2-E3B085C9AB24}">
+                  <p16:designElem xmlns:p16="http://schemas.microsoft.com/office/powerpoint/2015/main" val="1"/>
+                </p:ext>
+              </p:extLst>
+            </p:nvPr>
+          </p:nvCxnSpPr>
+          <p:spPr>
+            <a:xfrm>
+              <a:off x="2159316" y="-1"/>
+              <a:ext cx="0" cy="6858000"/>
+            </a:xfrm>
+            <a:prstGeom prst="line">
+              <a:avLst/>
+            </a:prstGeom>
+            <a:ln w="12700">
+              <a:solidFill>
+                <a:srgbClr val="BCBCBC">
+                  <a:alpha val="29804"/>
+                </a:srgbClr>
+              </a:solidFill>
+              <a:prstDash val="sysDot"/>
+            </a:ln>
+          </p:spPr>
+          <p:style>
+            <a:lnRef idx="1">
+              <a:schemeClr val="accent1"/>
+            </a:lnRef>
+            <a:fillRef idx="0">
+              <a:schemeClr val="accent1"/>
+            </a:fillRef>
+            <a:effectRef idx="0">
+              <a:schemeClr val="accent1"/>
+            </a:effectRef>
+            <a:fontRef idx="minor">
+              <a:schemeClr val="tx1"/>
+            </a:fontRef>
+          </p:style>
+        </p:cxnSp>
+        <p:cxnSp>
+          <p:nvCxnSpPr>
+            <p:cNvPr id="19" name="Straight Connector 18">
+              <a:extLst>
+                <a:ext uri="{FF2B5EF4-FFF2-40B4-BE49-F238E27FC236}">
+                  <a16:creationId xmlns:a16="http://schemas.microsoft.com/office/drawing/2014/main" id="{D91CD660-F5B2-49AC-9EFC-CE94B843B4DA}"/>
+                </a:ext>
+                <a:ext uri="{C183D7F6-B498-43B3-948B-1728B52AA6E4}">
+                  <adec:decorative xmlns:adec="http://schemas.microsoft.com/office/drawing/2017/decorative" val="1"/>
+                </a:ext>
+              </a:extLst>
+            </p:cNvPr>
+            <p:cNvCxnSpPr>
+              <a:cxnSpLocks/>
+            </p:cNvCxnSpPr>
+            <p:nvPr>
+              <p:extLst>
+                <p:ext uri="{386F3935-93C4-4BCD-93E2-E3B085C9AB24}">
+                  <p16:designElem xmlns:p16="http://schemas.microsoft.com/office/powerpoint/2015/main" val="1"/>
+                </p:ext>
+              </p:extLst>
+            </p:nvPr>
+          </p:nvCxnSpPr>
+          <p:spPr>
+            <a:xfrm>
+              <a:off x="3142710" y="-1"/>
+              <a:ext cx="0" cy="6858000"/>
+            </a:xfrm>
+            <a:prstGeom prst="line">
+              <a:avLst/>
+            </a:prstGeom>
+            <a:ln w="12700">
+              <a:solidFill>
+                <a:srgbClr val="BCBCBC">
+                  <a:alpha val="29804"/>
+                </a:srgbClr>
+              </a:solidFill>
+              <a:prstDash val="sysDot"/>
+            </a:ln>
+          </p:spPr>
+          <p:style>
+            <a:lnRef idx="1">
+              <a:schemeClr val="accent1"/>
+            </a:lnRef>
+            <a:fillRef idx="0">
+              <a:schemeClr val="accent1"/>
+            </a:fillRef>
+            <a:effectRef idx="0">
+              <a:schemeClr val="accent1"/>
+            </a:effectRef>
+            <a:fontRef idx="minor">
+              <a:schemeClr val="tx1"/>
+            </a:fontRef>
+          </p:style>
+        </p:cxnSp>
+        <p:cxnSp>
+          <p:nvCxnSpPr>
+            <p:cNvPr id="20" name="Straight Connector 19">
+              <a:extLst>
+                <a:ext uri="{FF2B5EF4-FFF2-40B4-BE49-F238E27FC236}">
+                  <a16:creationId xmlns:a16="http://schemas.microsoft.com/office/drawing/2014/main" id="{A4BEB7EB-8E7F-4A4B-8581-73CE2003F2F7}"/>
+                </a:ext>
+                <a:ext uri="{C183D7F6-B498-43B3-948B-1728B52AA6E4}">
+                  <adec:decorative xmlns:adec="http://schemas.microsoft.com/office/drawing/2017/decorative" val="1"/>
+                </a:ext>
+              </a:extLst>
+            </p:cNvPr>
+            <p:cNvCxnSpPr>
+              <a:cxnSpLocks/>
+            </p:cNvCxnSpPr>
+            <p:nvPr>
+              <p:extLst>
+                <p:ext uri="{386F3935-93C4-4BCD-93E2-E3B085C9AB24}">
+                  <p16:designElem xmlns:p16="http://schemas.microsoft.com/office/powerpoint/2015/main" val="1"/>
+                </p:ext>
+              </p:extLst>
+            </p:nvPr>
+          </p:nvCxnSpPr>
+          <p:spPr>
+            <a:xfrm>
+              <a:off x="4126104" y="-1"/>
+              <a:ext cx="0" cy="6858000"/>
+            </a:xfrm>
+            <a:prstGeom prst="line">
+              <a:avLst/>
+            </a:prstGeom>
+            <a:ln w="12700">
+              <a:solidFill>
+                <a:srgbClr val="BCBCBC">
+                  <a:alpha val="29804"/>
+                </a:srgbClr>
+              </a:solidFill>
+              <a:prstDash val="sysDot"/>
+            </a:ln>
+          </p:spPr>
+          <p:style>
+            <a:lnRef idx="1">
+              <a:schemeClr val="accent1"/>
+            </a:lnRef>
+            <a:fillRef idx="0">
+              <a:schemeClr val="accent1"/>
+            </a:fillRef>
+            <a:effectRef idx="0">
+              <a:schemeClr val="accent1"/>
+            </a:effectRef>
+            <a:fontRef idx="minor">
+              <a:schemeClr val="tx1"/>
+            </a:fontRef>
+          </p:style>
+        </p:cxnSp>
+        <p:cxnSp>
+          <p:nvCxnSpPr>
+            <p:cNvPr id="21" name="Straight Connector 20">
+              <a:extLst>
+                <a:ext uri="{FF2B5EF4-FFF2-40B4-BE49-F238E27FC236}">
+                  <a16:creationId xmlns:a16="http://schemas.microsoft.com/office/drawing/2014/main" id="{B04FB70E-6820-4456-872A-937F520606C5}"/>
+                </a:ext>
+                <a:ext uri="{C183D7F6-B498-43B3-948B-1728B52AA6E4}">
+                  <adec:decorative xmlns:adec="http://schemas.microsoft.com/office/drawing/2017/decorative" val="1"/>
+                </a:ext>
+              </a:extLst>
+            </p:cNvPr>
+            <p:cNvCxnSpPr>
+              <a:cxnSpLocks/>
+            </p:cNvCxnSpPr>
+            <p:nvPr>
+              <p:extLst>
+                <p:ext uri="{386F3935-93C4-4BCD-93E2-E3B085C9AB24}">
+                  <p16:designElem xmlns:p16="http://schemas.microsoft.com/office/powerpoint/2015/main" val="1"/>
+                </p:ext>
+              </p:extLst>
+            </p:nvPr>
+          </p:nvCxnSpPr>
+          <p:spPr>
+            <a:xfrm>
+              <a:off x="5109498" y="-1"/>
+              <a:ext cx="0" cy="6858000"/>
+            </a:xfrm>
+            <a:prstGeom prst="line">
+              <a:avLst/>
+            </a:prstGeom>
+            <a:ln w="12700">
+              <a:solidFill>
+                <a:srgbClr val="BCBCBC">
+                  <a:alpha val="29804"/>
+                </a:srgbClr>
+              </a:solidFill>
+              <a:prstDash val="sysDot"/>
+            </a:ln>
+          </p:spPr>
+          <p:style>
+            <a:lnRef idx="1">
+              <a:schemeClr val="accent1"/>
+            </a:lnRef>
+            <a:fillRef idx="0">
+              <a:schemeClr val="accent1"/>
+            </a:fillRef>
+            <a:effectRef idx="0">
+              <a:schemeClr val="accent1"/>
+            </a:effectRef>
+            <a:fontRef idx="minor">
+              <a:schemeClr val="tx1"/>
+            </a:fontRef>
+          </p:style>
+        </p:cxnSp>
+        <p:cxnSp>
+          <p:nvCxnSpPr>
+            <p:cNvPr id="22" name="Straight Connector 21">
+              <a:extLst>
+                <a:ext uri="{FF2B5EF4-FFF2-40B4-BE49-F238E27FC236}">
+                  <a16:creationId xmlns:a16="http://schemas.microsoft.com/office/drawing/2014/main" id="{E3598DD6-9887-4CF7-BAFE-F96E0324EB9E}"/>
+                </a:ext>
+                <a:ext uri="{C183D7F6-B498-43B3-948B-1728B52AA6E4}">
+                  <adec:decorative xmlns:adec="http://schemas.microsoft.com/office/drawing/2017/decorative" val="1"/>
+                </a:ext>
+              </a:extLst>
+            </p:cNvPr>
+            <p:cNvCxnSpPr>
+              <a:cxnSpLocks/>
+            </p:cNvCxnSpPr>
+            <p:nvPr>
+              <p:extLst>
+                <p:ext uri="{386F3935-93C4-4BCD-93E2-E3B085C9AB24}">
+                  <p16:designElem xmlns:p16="http://schemas.microsoft.com/office/powerpoint/2015/main" val="1"/>
+                </p:ext>
+              </p:extLst>
+            </p:nvPr>
+          </p:nvCxnSpPr>
+          <p:spPr>
+            <a:xfrm>
+              <a:off x="6092892" y="-1"/>
+              <a:ext cx="0" cy="6858000"/>
+            </a:xfrm>
+            <a:prstGeom prst="line">
+              <a:avLst/>
+            </a:prstGeom>
+            <a:ln w="12700">
+              <a:solidFill>
+                <a:srgbClr val="BCBCBC">
+                  <a:alpha val="29804"/>
+                </a:srgbClr>
+              </a:solidFill>
+              <a:prstDash val="sysDot"/>
+            </a:ln>
+          </p:spPr>
+          <p:style>
+            <a:lnRef idx="1">
+              <a:schemeClr val="accent1"/>
+            </a:lnRef>
+            <a:fillRef idx="0">
+              <a:schemeClr val="accent1"/>
+            </a:fillRef>
+            <a:effectRef idx="0">
+              <a:schemeClr val="accent1"/>
+            </a:effectRef>
+            <a:fontRef idx="minor">
+              <a:schemeClr val="tx1"/>
+            </a:fontRef>
+          </p:style>
+        </p:cxnSp>
+        <p:cxnSp>
+          <p:nvCxnSpPr>
+            <p:cNvPr id="23" name="Straight Connector 22">
+              <a:extLst>
+                <a:ext uri="{FF2B5EF4-FFF2-40B4-BE49-F238E27FC236}">
+                  <a16:creationId xmlns:a16="http://schemas.microsoft.com/office/drawing/2014/main" id="{AA503E64-565F-465B-A25C-042C5706C568}"/>
+                </a:ext>
+                <a:ext uri="{C183D7F6-B498-43B3-948B-1728B52AA6E4}">
+                  <adec:decorative xmlns:adec="http://schemas.microsoft.com/office/drawing/2017/decorative" val="1"/>
+                </a:ext>
+              </a:extLst>
+            </p:cNvPr>
+            <p:cNvCxnSpPr>
+              <a:cxnSpLocks/>
+            </p:cNvCxnSpPr>
+            <p:nvPr>
+              <p:extLst>
+                <p:ext uri="{386F3935-93C4-4BCD-93E2-E3B085C9AB24}">
+                  <p16:designElem xmlns:p16="http://schemas.microsoft.com/office/powerpoint/2015/main" val="1"/>
+                </p:ext>
+              </p:extLst>
+            </p:nvPr>
+          </p:nvCxnSpPr>
+          <p:spPr>
+            <a:xfrm>
+              <a:off x="7076286" y="-1"/>
+              <a:ext cx="0" cy="6858000"/>
+            </a:xfrm>
+            <a:prstGeom prst="line">
+              <a:avLst/>
+            </a:prstGeom>
+            <a:ln w="12700">
+              <a:solidFill>
+                <a:srgbClr val="BCBCBC">
+                  <a:alpha val="29804"/>
+                </a:srgbClr>
+              </a:solidFill>
+              <a:prstDash val="sysDot"/>
+            </a:ln>
+          </p:spPr>
+          <p:style>
+            <a:lnRef idx="1">
+              <a:schemeClr val="accent1"/>
+            </a:lnRef>
+            <a:fillRef idx="0">
+              <a:schemeClr val="accent1"/>
+            </a:fillRef>
+            <a:effectRef idx="0">
+              <a:schemeClr val="accent1"/>
+            </a:effectRef>
+            <a:fontRef idx="minor">
+              <a:schemeClr val="tx1"/>
+            </a:fontRef>
+          </p:style>
+        </p:cxnSp>
+        <p:cxnSp>
+          <p:nvCxnSpPr>
+            <p:cNvPr id="24" name="Straight Connector 23">
+              <a:extLst>
+                <a:ext uri="{FF2B5EF4-FFF2-40B4-BE49-F238E27FC236}">
+                  <a16:creationId xmlns:a16="http://schemas.microsoft.com/office/drawing/2014/main" id="{A140EE7B-5CA1-4DCB-8652-6E4D2147B0E7}"/>
+                </a:ext>
+                <a:ext uri="{C183D7F6-B498-43B3-948B-1728B52AA6E4}">
+                  <adec:decorative xmlns:adec="http://schemas.microsoft.com/office/drawing/2017/decorative" val="1"/>
+                </a:ext>
+              </a:extLst>
+            </p:cNvPr>
+            <p:cNvCxnSpPr>
+              <a:cxnSpLocks/>
+            </p:cNvCxnSpPr>
+            <p:nvPr>
+              <p:extLst>
+                <p:ext uri="{386F3935-93C4-4BCD-93E2-E3B085C9AB24}">
+                  <p16:designElem xmlns:p16="http://schemas.microsoft.com/office/powerpoint/2015/main" val="1"/>
+                </p:ext>
+              </p:extLst>
+            </p:nvPr>
+          </p:nvCxnSpPr>
+          <p:spPr>
+            <a:xfrm>
+              <a:off x="8059680" y="-1"/>
+              <a:ext cx="0" cy="6858000"/>
+            </a:xfrm>
+            <a:prstGeom prst="line">
+              <a:avLst/>
+            </a:prstGeom>
+            <a:ln w="12700">
+              <a:solidFill>
+                <a:srgbClr val="BCBCBC">
+                  <a:alpha val="29804"/>
+                </a:srgbClr>
+              </a:solidFill>
+              <a:prstDash val="sysDot"/>
+            </a:ln>
+          </p:spPr>
+          <p:style>
+            <a:lnRef idx="1">
+              <a:schemeClr val="accent1"/>
+            </a:lnRef>
+            <a:fillRef idx="0">
+              <a:schemeClr val="accent1"/>
+            </a:fillRef>
+            <a:effectRef idx="0">
+              <a:schemeClr val="accent1"/>
+            </a:effectRef>
+            <a:fontRef idx="minor">
+              <a:schemeClr val="tx1"/>
+            </a:fontRef>
+          </p:style>
+        </p:cxnSp>
+        <p:cxnSp>
+          <p:nvCxnSpPr>
+            <p:cNvPr id="25" name="Straight Connector 24">
+              <a:extLst>
+                <a:ext uri="{FF2B5EF4-FFF2-40B4-BE49-F238E27FC236}">
+                  <a16:creationId xmlns:a16="http://schemas.microsoft.com/office/drawing/2014/main" id="{F85077BE-700D-4C44-AA4D-7CF4E8FD71A9}"/>
+                </a:ext>
+                <a:ext uri="{C183D7F6-B498-43B3-948B-1728B52AA6E4}">
+                  <adec:decorative xmlns:adec="http://schemas.microsoft.com/office/drawing/2017/decorative" val="1"/>
+                </a:ext>
+              </a:extLst>
+            </p:cNvPr>
+            <p:cNvCxnSpPr>
+              <a:cxnSpLocks/>
+            </p:cNvCxnSpPr>
+            <p:nvPr>
+              <p:extLst>
+                <p:ext uri="{386F3935-93C4-4BCD-93E2-E3B085C9AB24}">
+                  <p16:designElem xmlns:p16="http://schemas.microsoft.com/office/powerpoint/2015/main" val="1"/>
+                </p:ext>
+              </p:extLst>
+            </p:nvPr>
+          </p:nvCxnSpPr>
+          <p:spPr>
+            <a:xfrm>
+              <a:off x="9043074" y="-1"/>
+              <a:ext cx="0" cy="6858000"/>
+            </a:xfrm>
+            <a:prstGeom prst="line">
+              <a:avLst/>
+            </a:prstGeom>
+            <a:ln w="12700">
+              <a:solidFill>
+                <a:srgbClr val="BCBCBC">
+                  <a:alpha val="29804"/>
+                </a:srgbClr>
+              </a:solidFill>
+              <a:prstDash val="sysDot"/>
+            </a:ln>
+          </p:spPr>
+          <p:style>
+            <a:lnRef idx="1">
+              <a:schemeClr val="accent1"/>
+            </a:lnRef>
+            <a:fillRef idx="0">
+              <a:schemeClr val="accent1"/>
+            </a:fillRef>
+            <a:effectRef idx="0">
+              <a:schemeClr val="accent1"/>
+            </a:effectRef>
+            <a:fontRef idx="minor">
+              <a:schemeClr val="tx1"/>
+            </a:fontRef>
+          </p:style>
+        </p:cxnSp>
+        <p:cxnSp>
+          <p:nvCxnSpPr>
+            <p:cNvPr id="26" name="Straight Connector 25">
+              <a:extLst>
+                <a:ext uri="{FF2B5EF4-FFF2-40B4-BE49-F238E27FC236}">
+                  <a16:creationId xmlns:a16="http://schemas.microsoft.com/office/drawing/2014/main" id="{FB8B3FEB-D353-443D-A148-3915606516D5}"/>
+                </a:ext>
+                <a:ext uri="{C183D7F6-B498-43B3-948B-1728B52AA6E4}">
+                  <adec:decorative xmlns:adec="http://schemas.microsoft.com/office/drawing/2017/decorative" val="1"/>
+                </a:ext>
+              </a:extLst>
+            </p:cNvPr>
+            <p:cNvCxnSpPr>
+              <a:cxnSpLocks/>
+            </p:cNvCxnSpPr>
+            <p:nvPr>
+              <p:extLst>
+                <p:ext uri="{386F3935-93C4-4BCD-93E2-E3B085C9AB24}">
+                  <p16:designElem xmlns:p16="http://schemas.microsoft.com/office/powerpoint/2015/main" val="1"/>
+                </p:ext>
+              </p:extLst>
+            </p:nvPr>
+          </p:nvCxnSpPr>
+          <p:spPr>
+            <a:xfrm>
+              <a:off x="10026468" y="-1"/>
+              <a:ext cx="0" cy="6858000"/>
+            </a:xfrm>
+            <a:prstGeom prst="line">
+              <a:avLst/>
+            </a:prstGeom>
+            <a:ln w="12700">
+              <a:solidFill>
+                <a:srgbClr val="BCBCBC">
+                  <a:alpha val="29804"/>
+                </a:srgbClr>
+              </a:solidFill>
+              <a:prstDash val="sysDot"/>
+            </a:ln>
+          </p:spPr>
+          <p:style>
+            <a:lnRef idx="1">
+              <a:schemeClr val="accent1"/>
+            </a:lnRef>
+            <a:fillRef idx="0">
+              <a:schemeClr val="accent1"/>
+            </a:fillRef>
+            <a:effectRef idx="0">
+              <a:schemeClr val="accent1"/>
+            </a:effectRef>
+            <a:fontRef idx="minor">
+              <a:schemeClr val="tx1"/>
+            </a:fontRef>
+          </p:style>
+        </p:cxnSp>
+        <p:cxnSp>
+          <p:nvCxnSpPr>
+            <p:cNvPr id="27" name="Straight Connector 26">
+              <a:extLst>
+                <a:ext uri="{FF2B5EF4-FFF2-40B4-BE49-F238E27FC236}">
+                  <a16:creationId xmlns:a16="http://schemas.microsoft.com/office/drawing/2014/main" id="{91FF5FBB-3BD8-46EB-BDF9-081B29A444BD}"/>
+                </a:ext>
+                <a:ext uri="{C183D7F6-B498-43B3-948B-1728B52AA6E4}">
+                  <adec:decorative xmlns:adec="http://schemas.microsoft.com/office/drawing/2017/decorative" val="1"/>
+                </a:ext>
+              </a:extLst>
+            </p:cNvPr>
+            <p:cNvCxnSpPr>
+              <a:cxnSpLocks/>
+            </p:cNvCxnSpPr>
+            <p:nvPr>
+              <p:extLst>
+                <p:ext uri="{386F3935-93C4-4BCD-93E2-E3B085C9AB24}">
+                  <p16:designElem xmlns:p16="http://schemas.microsoft.com/office/powerpoint/2015/main" val="1"/>
+                </p:ext>
+              </p:extLst>
+            </p:nvPr>
+          </p:nvCxnSpPr>
+          <p:spPr>
+            <a:xfrm>
+              <a:off x="11009862" y="-1"/>
+              <a:ext cx="0" cy="6858000"/>
+            </a:xfrm>
+            <a:prstGeom prst="line">
+              <a:avLst/>
+            </a:prstGeom>
+            <a:ln w="12700">
+              <a:solidFill>
+                <a:srgbClr val="BCBCBC">
+                  <a:alpha val="29804"/>
+                </a:srgbClr>
+              </a:solidFill>
+              <a:prstDash val="sysDot"/>
+            </a:ln>
+          </p:spPr>
+          <p:style>
+            <a:lnRef idx="1">
+              <a:schemeClr val="accent1"/>
+            </a:lnRef>
+            <a:fillRef idx="0">
+              <a:schemeClr val="accent1"/>
+            </a:fillRef>
+            <a:effectRef idx="0">
+              <a:schemeClr val="accent1"/>
+            </a:effectRef>
+            <a:fontRef idx="minor">
+              <a:schemeClr val="tx1"/>
+            </a:fontRef>
+          </p:style>
+        </p:cxnSp>
+        <p:cxnSp>
+          <p:nvCxnSpPr>
+            <p:cNvPr id="28" name="Straight Connector 27">
+              <a:extLst>
+                <a:ext uri="{FF2B5EF4-FFF2-40B4-BE49-F238E27FC236}">
+                  <a16:creationId xmlns:a16="http://schemas.microsoft.com/office/drawing/2014/main" id="{DC2E11FD-78A4-4F5C-A419-F0237DCAD274}"/>
+                </a:ext>
+                <a:ext uri="{C183D7F6-B498-43B3-948B-1728B52AA6E4}">
+                  <adec:decorative xmlns:adec="http://schemas.microsoft.com/office/drawing/2017/decorative" val="1"/>
+                </a:ext>
+              </a:extLst>
+            </p:cNvPr>
+            <p:cNvCxnSpPr>
+              <a:cxnSpLocks/>
+            </p:cNvCxnSpPr>
+            <p:nvPr>
+              <p:extLst>
+                <p:ext uri="{386F3935-93C4-4BCD-93E2-E3B085C9AB24}">
+                  <p16:designElem xmlns:p16="http://schemas.microsoft.com/office/powerpoint/2015/main" val="1"/>
+                </p:ext>
+              </p:extLst>
+            </p:nvPr>
+          </p:nvCxnSpPr>
+          <p:spPr>
+            <a:xfrm>
+              <a:off x="12185786" y="-1"/>
+              <a:ext cx="0" cy="6858000"/>
+            </a:xfrm>
+            <a:prstGeom prst="line">
+              <a:avLst/>
+            </a:prstGeom>
+            <a:ln w="12700">
+              <a:solidFill>
+                <a:srgbClr val="BCBCBC">
+                  <a:alpha val="29804"/>
+                </a:srgbClr>
+              </a:solidFill>
+              <a:prstDash val="sysDot"/>
+            </a:ln>
+          </p:spPr>
+          <p:style>
+            <a:lnRef idx="1">
+              <a:schemeClr val="accent1"/>
+            </a:lnRef>
+            <a:fillRef idx="0">
+              <a:schemeClr val="accent1"/>
+            </a:fillRef>
+            <a:effectRef idx="0">
+              <a:schemeClr val="accent1"/>
+            </a:effectRef>
+            <a:fontRef idx="minor">
+              <a:schemeClr val="tx1"/>
+            </a:fontRef>
+          </p:style>
+        </p:cxnSp>
+        <p:cxnSp>
+          <p:nvCxnSpPr>
+            <p:cNvPr id="29" name="Straight Connector 28">
+              <a:extLst>
+                <a:ext uri="{FF2B5EF4-FFF2-40B4-BE49-F238E27FC236}">
+                  <a16:creationId xmlns:a16="http://schemas.microsoft.com/office/drawing/2014/main" id="{9F708EBE-3154-4FF4-8E8F-88A076208068}"/>
+                </a:ext>
+                <a:ext uri="{C183D7F6-B498-43B3-948B-1728B52AA6E4}">
+                  <adec:decorative xmlns:adec="http://schemas.microsoft.com/office/drawing/2017/decorative" val="1"/>
+                </a:ext>
+              </a:extLst>
+            </p:cNvPr>
+            <p:cNvCxnSpPr>
+              <a:cxnSpLocks/>
+            </p:cNvCxnSpPr>
+            <p:nvPr>
+              <p:extLst>
+                <p:ext uri="{386F3935-93C4-4BCD-93E2-E3B085C9AB24}">
+                  <p16:designElem xmlns:p16="http://schemas.microsoft.com/office/powerpoint/2015/main" val="1"/>
+                </p:ext>
+              </p:extLst>
+            </p:nvPr>
+          </p:nvCxnSpPr>
+          <p:spPr>
+            <a:xfrm>
+              <a:off x="0" y="171716"/>
+              <a:ext cx="12192000" cy="0"/>
+            </a:xfrm>
+            <a:prstGeom prst="line">
+              <a:avLst/>
+            </a:prstGeom>
+            <a:ln w="12700">
+              <a:solidFill>
+                <a:srgbClr val="BCBCBC">
+                  <a:alpha val="29804"/>
+                </a:srgbClr>
+              </a:solidFill>
+              <a:prstDash val="sysDot"/>
+            </a:ln>
+          </p:spPr>
+          <p:style>
+            <a:lnRef idx="1">
+              <a:schemeClr val="accent1"/>
+            </a:lnRef>
+            <a:fillRef idx="0">
+              <a:schemeClr val="accent1"/>
+            </a:fillRef>
+            <a:effectRef idx="0">
+              <a:schemeClr val="accent1"/>
+            </a:effectRef>
+            <a:fontRef idx="minor">
+              <a:schemeClr val="tx1"/>
+            </a:fontRef>
+          </p:style>
+        </p:cxnSp>
+        <p:cxnSp>
+          <p:nvCxnSpPr>
+            <p:cNvPr id="30" name="Straight Connector 29">
+              <a:extLst>
+                <a:ext uri="{FF2B5EF4-FFF2-40B4-BE49-F238E27FC236}">
+                  <a16:creationId xmlns:a16="http://schemas.microsoft.com/office/drawing/2014/main" id="{27A99B5C-EB03-4D56-8DFE-B006D7081B61}"/>
+                </a:ext>
+                <a:ext uri="{C183D7F6-B498-43B3-948B-1728B52AA6E4}">
+                  <adec:decorative xmlns:adec="http://schemas.microsoft.com/office/drawing/2017/decorative" val="1"/>
+                </a:ext>
+              </a:extLst>
+            </p:cNvPr>
+            <p:cNvCxnSpPr>
+              <a:cxnSpLocks/>
+            </p:cNvCxnSpPr>
+            <p:nvPr>
+              <p:extLst>
+                <p:ext uri="{386F3935-93C4-4BCD-93E2-E3B085C9AB24}">
+                  <p16:designElem xmlns:p16="http://schemas.microsoft.com/office/powerpoint/2015/main" val="1"/>
+                </p:ext>
+              </p:extLst>
+            </p:nvPr>
+          </p:nvCxnSpPr>
+          <p:spPr>
+            <a:xfrm>
+              <a:off x="0" y="714597"/>
+              <a:ext cx="12192000" cy="0"/>
+            </a:xfrm>
+            <a:prstGeom prst="line">
+              <a:avLst/>
+            </a:prstGeom>
+            <a:ln w="12700">
+              <a:solidFill>
+                <a:srgbClr val="BCBCBC">
+                  <a:alpha val="29804"/>
+                </a:srgbClr>
+              </a:solidFill>
+              <a:prstDash val="sysDot"/>
+            </a:ln>
+          </p:spPr>
+          <p:style>
+            <a:lnRef idx="1">
+              <a:schemeClr val="accent1"/>
+            </a:lnRef>
+            <a:fillRef idx="0">
+              <a:schemeClr val="accent1"/>
+            </a:fillRef>
+            <a:effectRef idx="0">
+              <a:schemeClr val="accent1"/>
+            </a:effectRef>
+            <a:fontRef idx="minor">
+              <a:schemeClr val="tx1"/>
+            </a:fontRef>
+          </p:style>
+        </p:cxnSp>
+        <p:cxnSp>
+          <p:nvCxnSpPr>
+            <p:cNvPr id="31" name="Straight Connector 30">
+              <a:extLst>
+                <a:ext uri="{FF2B5EF4-FFF2-40B4-BE49-F238E27FC236}">
+                  <a16:creationId xmlns:a16="http://schemas.microsoft.com/office/drawing/2014/main" id="{2FCBAFF0-9FB4-4160-B9BE-CCBE1D8B8CBD}"/>
+                </a:ext>
+                <a:ext uri="{C183D7F6-B498-43B3-948B-1728B52AA6E4}">
+                  <adec:decorative xmlns:adec="http://schemas.microsoft.com/office/drawing/2017/decorative" val="1"/>
+                </a:ext>
+              </a:extLst>
+            </p:cNvPr>
+            <p:cNvCxnSpPr>
+              <a:cxnSpLocks/>
+            </p:cNvCxnSpPr>
+            <p:nvPr>
+              <p:extLst>
+                <p:ext uri="{386F3935-93C4-4BCD-93E2-E3B085C9AB24}">
+                  <p16:designElem xmlns:p16="http://schemas.microsoft.com/office/powerpoint/2015/main" val="1"/>
+                </p:ext>
+              </p:extLst>
+            </p:nvPr>
+          </p:nvCxnSpPr>
+          <p:spPr>
+            <a:xfrm>
+              <a:off x="0" y="1257478"/>
+              <a:ext cx="12192000" cy="0"/>
+            </a:xfrm>
+            <a:prstGeom prst="line">
+              <a:avLst/>
+            </a:prstGeom>
+            <a:ln w="12700">
+              <a:solidFill>
+                <a:srgbClr val="BCBCBC">
+                  <a:alpha val="29804"/>
+                </a:srgbClr>
+              </a:solidFill>
+              <a:prstDash val="sysDot"/>
+            </a:ln>
+          </p:spPr>
+          <p:style>
+            <a:lnRef idx="1">
+              <a:schemeClr val="accent1"/>
+            </a:lnRef>
+            <a:fillRef idx="0">
+              <a:schemeClr val="accent1"/>
+            </a:fillRef>
+            <a:effectRef idx="0">
+              <a:schemeClr val="accent1"/>
+            </a:effectRef>
+            <a:fontRef idx="minor">
+              <a:schemeClr val="tx1"/>
+            </a:fontRef>
+          </p:style>
+        </p:cxnSp>
+        <p:cxnSp>
+          <p:nvCxnSpPr>
+            <p:cNvPr id="32" name="Straight Connector 31">
+              <a:extLst>
+                <a:ext uri="{FF2B5EF4-FFF2-40B4-BE49-F238E27FC236}">
+                  <a16:creationId xmlns:a16="http://schemas.microsoft.com/office/drawing/2014/main" id="{326953D7-154A-49A4-B2E1-D94D365EC461}"/>
+                </a:ext>
+                <a:ext uri="{C183D7F6-B498-43B3-948B-1728B52AA6E4}">
+                  <adec:decorative xmlns:adec="http://schemas.microsoft.com/office/drawing/2017/decorative" val="1"/>
+                </a:ext>
+              </a:extLst>
+            </p:cNvPr>
+            <p:cNvCxnSpPr>
+              <a:cxnSpLocks/>
+            </p:cNvCxnSpPr>
+            <p:nvPr>
+              <p:extLst>
+                <p:ext uri="{386F3935-93C4-4BCD-93E2-E3B085C9AB24}">
+                  <p16:designElem xmlns:p16="http://schemas.microsoft.com/office/powerpoint/2015/main" val="1"/>
+                </p:ext>
+              </p:extLst>
+            </p:nvPr>
+          </p:nvCxnSpPr>
+          <p:spPr>
+            <a:xfrm>
+              <a:off x="0" y="1800359"/>
+              <a:ext cx="12192000" cy="0"/>
+            </a:xfrm>
+            <a:prstGeom prst="line">
+              <a:avLst/>
+            </a:prstGeom>
+            <a:ln w="12700">
+              <a:solidFill>
+                <a:srgbClr val="BCBCBC">
+                  <a:alpha val="29804"/>
+                </a:srgbClr>
+              </a:solidFill>
+              <a:prstDash val="sysDot"/>
+            </a:ln>
+          </p:spPr>
+          <p:style>
+            <a:lnRef idx="1">
+              <a:schemeClr val="accent1"/>
+            </a:lnRef>
+            <a:fillRef idx="0">
+              <a:schemeClr val="accent1"/>
+            </a:fillRef>
+            <a:effectRef idx="0">
+              <a:schemeClr val="accent1"/>
+            </a:effectRef>
+            <a:fontRef idx="minor">
+              <a:schemeClr val="tx1"/>
+            </a:fontRef>
+          </p:style>
+        </p:cxnSp>
+        <p:cxnSp>
+          <p:nvCxnSpPr>
+            <p:cNvPr id="33" name="Straight Connector 32">
+              <a:extLst>
+                <a:ext uri="{FF2B5EF4-FFF2-40B4-BE49-F238E27FC236}">
+                  <a16:creationId xmlns:a16="http://schemas.microsoft.com/office/drawing/2014/main" id="{836E3E12-5D96-48DB-8320-6294287740AC}"/>
+                </a:ext>
+                <a:ext uri="{C183D7F6-B498-43B3-948B-1728B52AA6E4}">
+                  <adec:decorative xmlns:adec="http://schemas.microsoft.com/office/drawing/2017/decorative" val="1"/>
+                </a:ext>
+              </a:extLst>
+            </p:cNvPr>
+            <p:cNvCxnSpPr>
+              <a:cxnSpLocks/>
+            </p:cNvCxnSpPr>
+            <p:nvPr>
+              <p:extLst>
+                <p:ext uri="{386F3935-93C4-4BCD-93E2-E3B085C9AB24}">
+                  <p16:designElem xmlns:p16="http://schemas.microsoft.com/office/powerpoint/2015/main" val="1"/>
+                </p:ext>
+              </p:extLst>
+            </p:nvPr>
+          </p:nvCxnSpPr>
+          <p:spPr>
+            <a:xfrm>
+              <a:off x="0" y="2343240"/>
+              <a:ext cx="12192000" cy="0"/>
+            </a:xfrm>
+            <a:prstGeom prst="line">
+              <a:avLst/>
+            </a:prstGeom>
+            <a:ln w="12700">
+              <a:solidFill>
+                <a:srgbClr val="BCBCBC">
+                  <a:alpha val="29804"/>
+                </a:srgbClr>
+              </a:solidFill>
+              <a:prstDash val="sysDot"/>
+            </a:ln>
+          </p:spPr>
+          <p:style>
+            <a:lnRef idx="1">
+              <a:schemeClr val="accent1"/>
+            </a:lnRef>
+            <a:fillRef idx="0">
+              <a:schemeClr val="accent1"/>
+            </a:fillRef>
+            <a:effectRef idx="0">
+              <a:schemeClr val="accent1"/>
+            </a:effectRef>
+            <a:fontRef idx="minor">
+              <a:schemeClr val="tx1"/>
+            </a:fontRef>
+          </p:style>
+        </p:cxnSp>
+        <p:cxnSp>
+          <p:nvCxnSpPr>
+            <p:cNvPr id="34" name="Straight Connector 33">
+              <a:extLst>
+                <a:ext uri="{FF2B5EF4-FFF2-40B4-BE49-F238E27FC236}">
+                  <a16:creationId xmlns:a16="http://schemas.microsoft.com/office/drawing/2014/main" id="{7A059482-79BA-4E80-80A2-36FD8408DA34}"/>
+                </a:ext>
+                <a:ext uri="{C183D7F6-B498-43B3-948B-1728B52AA6E4}">
+                  <adec:decorative xmlns:adec="http://schemas.microsoft.com/office/drawing/2017/decorative" val="1"/>
+                </a:ext>
+              </a:extLst>
+            </p:cNvPr>
+            <p:cNvCxnSpPr>
+              <a:cxnSpLocks/>
+            </p:cNvCxnSpPr>
+            <p:nvPr>
+              <p:extLst>
+                <p:ext uri="{386F3935-93C4-4BCD-93E2-E3B085C9AB24}">
+                  <p16:designElem xmlns:p16="http://schemas.microsoft.com/office/powerpoint/2015/main" val="1"/>
+                </p:ext>
+              </p:extLst>
+            </p:nvPr>
+          </p:nvCxnSpPr>
+          <p:spPr>
+            <a:xfrm>
+              <a:off x="0" y="2886121"/>
+              <a:ext cx="12192000" cy="0"/>
+            </a:xfrm>
+            <a:prstGeom prst="line">
+              <a:avLst/>
+            </a:prstGeom>
+            <a:ln w="12700">
+              <a:solidFill>
+                <a:srgbClr val="BCBCBC">
+                  <a:alpha val="29804"/>
+                </a:srgbClr>
+              </a:solidFill>
+              <a:prstDash val="sysDot"/>
+            </a:ln>
+          </p:spPr>
+          <p:style>
+            <a:lnRef idx="1">
+              <a:schemeClr val="accent1"/>
+            </a:lnRef>
+            <a:fillRef idx="0">
+              <a:schemeClr val="accent1"/>
+            </a:fillRef>
+            <a:effectRef idx="0">
+              <a:schemeClr val="accent1"/>
+            </a:effectRef>
+            <a:fontRef idx="minor">
+              <a:schemeClr val="tx1"/>
+            </a:fontRef>
+          </p:style>
+        </p:cxnSp>
+        <p:cxnSp>
+          <p:nvCxnSpPr>
+            <p:cNvPr id="35" name="Straight Connector 34">
+              <a:extLst>
+                <a:ext uri="{FF2B5EF4-FFF2-40B4-BE49-F238E27FC236}">
+                  <a16:creationId xmlns:a16="http://schemas.microsoft.com/office/drawing/2014/main" id="{B4EF88B3-C210-433D-B20D-FE41B4D5F936}"/>
+                </a:ext>
+                <a:ext uri="{C183D7F6-B498-43B3-948B-1728B52AA6E4}">
+                  <adec:decorative xmlns:adec="http://schemas.microsoft.com/office/drawing/2017/decorative" val="1"/>
+                </a:ext>
+              </a:extLst>
+            </p:cNvPr>
+            <p:cNvCxnSpPr>
+              <a:cxnSpLocks/>
+            </p:cNvCxnSpPr>
+            <p:nvPr>
+              <p:extLst>
+                <p:ext uri="{386F3935-93C4-4BCD-93E2-E3B085C9AB24}">
+                  <p16:designElem xmlns:p16="http://schemas.microsoft.com/office/powerpoint/2015/main" val="1"/>
+                </p:ext>
+              </p:extLst>
+            </p:nvPr>
+          </p:nvCxnSpPr>
+          <p:spPr>
+            <a:xfrm>
+              <a:off x="0" y="3429002"/>
+              <a:ext cx="12192000" cy="0"/>
+            </a:xfrm>
+            <a:prstGeom prst="line">
+              <a:avLst/>
+            </a:prstGeom>
+            <a:ln w="12700">
+              <a:solidFill>
+                <a:srgbClr val="BCBCBC">
+                  <a:alpha val="29804"/>
+                </a:srgbClr>
+              </a:solidFill>
+              <a:prstDash val="sysDot"/>
+            </a:ln>
+          </p:spPr>
+          <p:style>
+            <a:lnRef idx="1">
+              <a:schemeClr val="accent1"/>
+            </a:lnRef>
+            <a:fillRef idx="0">
+              <a:schemeClr val="accent1"/>
+            </a:fillRef>
+            <a:effectRef idx="0">
+              <a:schemeClr val="accent1"/>
+            </a:effectRef>
+            <a:fontRef idx="minor">
+              <a:schemeClr val="tx1"/>
+            </a:fontRef>
+          </p:style>
+        </p:cxnSp>
+        <p:cxnSp>
+          <p:nvCxnSpPr>
+            <p:cNvPr id="36" name="Straight Connector 35">
+              <a:extLst>
+                <a:ext uri="{FF2B5EF4-FFF2-40B4-BE49-F238E27FC236}">
+                  <a16:creationId xmlns:a16="http://schemas.microsoft.com/office/drawing/2014/main" id="{53665D3E-61E7-4EDF-A208-56449D765C62}"/>
+                </a:ext>
+                <a:ext uri="{C183D7F6-B498-43B3-948B-1728B52AA6E4}">
+                  <adec:decorative xmlns:adec="http://schemas.microsoft.com/office/drawing/2017/decorative" val="1"/>
+                </a:ext>
+              </a:extLst>
+            </p:cNvPr>
+            <p:cNvCxnSpPr>
+              <a:cxnSpLocks/>
+            </p:cNvCxnSpPr>
+            <p:nvPr>
+              <p:extLst>
+                <p:ext uri="{386F3935-93C4-4BCD-93E2-E3B085C9AB24}">
+                  <p16:designElem xmlns:p16="http://schemas.microsoft.com/office/powerpoint/2015/main" val="1"/>
+                </p:ext>
+              </p:extLst>
+            </p:nvPr>
+          </p:nvCxnSpPr>
+          <p:spPr>
+            <a:xfrm>
+              <a:off x="0" y="3971883"/>
+              <a:ext cx="12192000" cy="0"/>
+            </a:xfrm>
+            <a:prstGeom prst="line">
+              <a:avLst/>
+            </a:prstGeom>
+            <a:ln w="12700">
+              <a:solidFill>
+                <a:srgbClr val="BCBCBC">
+                  <a:alpha val="29804"/>
+                </a:srgbClr>
+              </a:solidFill>
+              <a:prstDash val="sysDot"/>
+            </a:ln>
+          </p:spPr>
+          <p:style>
+            <a:lnRef idx="1">
+              <a:schemeClr val="accent1"/>
+            </a:lnRef>
+            <a:fillRef idx="0">
+              <a:schemeClr val="accent1"/>
+            </a:fillRef>
+            <a:effectRef idx="0">
+              <a:schemeClr val="accent1"/>
+            </a:effectRef>
+            <a:fontRef idx="minor">
+              <a:schemeClr val="tx1"/>
+            </a:fontRef>
+          </p:style>
+        </p:cxnSp>
+        <p:cxnSp>
+          <p:nvCxnSpPr>
+            <p:cNvPr id="37" name="Straight Connector 36">
+              <a:extLst>
+                <a:ext uri="{FF2B5EF4-FFF2-40B4-BE49-F238E27FC236}">
+                  <a16:creationId xmlns:a16="http://schemas.microsoft.com/office/drawing/2014/main" id="{874CF3B0-C9C3-4683-94A3-DC0AE1E74512}"/>
+                </a:ext>
+                <a:ext uri="{C183D7F6-B498-43B3-948B-1728B52AA6E4}">
+                  <adec:decorative xmlns:adec="http://schemas.microsoft.com/office/drawing/2017/decorative" val="1"/>
+                </a:ext>
+              </a:extLst>
+            </p:cNvPr>
+            <p:cNvCxnSpPr>
+              <a:cxnSpLocks/>
+            </p:cNvCxnSpPr>
+            <p:nvPr>
+              <p:extLst>
+                <p:ext uri="{386F3935-93C4-4BCD-93E2-E3B085C9AB24}">
+                  <p16:designElem xmlns:p16="http://schemas.microsoft.com/office/powerpoint/2015/main" val="1"/>
+                </p:ext>
+              </p:extLst>
+            </p:nvPr>
+          </p:nvCxnSpPr>
+          <p:spPr>
+            <a:xfrm>
+              <a:off x="0" y="4514764"/>
+              <a:ext cx="12192000" cy="0"/>
+            </a:xfrm>
+            <a:prstGeom prst="line">
+              <a:avLst/>
+            </a:prstGeom>
+            <a:ln w="12700">
+              <a:solidFill>
+                <a:srgbClr val="BCBCBC">
+                  <a:alpha val="29804"/>
+                </a:srgbClr>
+              </a:solidFill>
+              <a:prstDash val="sysDot"/>
+            </a:ln>
+          </p:spPr>
+          <p:style>
+            <a:lnRef idx="1">
+              <a:schemeClr val="accent1"/>
+            </a:lnRef>
+            <a:fillRef idx="0">
+              <a:schemeClr val="accent1"/>
+            </a:fillRef>
+            <a:effectRef idx="0">
+              <a:schemeClr val="accent1"/>
+            </a:effectRef>
+            <a:fontRef idx="minor">
+              <a:schemeClr val="tx1"/>
+            </a:fontRef>
+          </p:style>
+        </p:cxnSp>
+        <p:cxnSp>
+          <p:nvCxnSpPr>
+            <p:cNvPr id="38" name="Straight Connector 37">
+              <a:extLst>
+                <a:ext uri="{FF2B5EF4-FFF2-40B4-BE49-F238E27FC236}">
+                  <a16:creationId xmlns:a16="http://schemas.microsoft.com/office/drawing/2014/main" id="{7BE90EF9-6DF5-47F4-A069-9F613C81422A}"/>
+                </a:ext>
+                <a:ext uri="{C183D7F6-B498-43B3-948B-1728B52AA6E4}">
+                  <adec:decorative xmlns:adec="http://schemas.microsoft.com/office/drawing/2017/decorative" val="1"/>
+                </a:ext>
+              </a:extLst>
+            </p:cNvPr>
+            <p:cNvCxnSpPr>
+              <a:cxnSpLocks/>
+            </p:cNvCxnSpPr>
+            <p:nvPr>
+              <p:extLst>
+                <p:ext uri="{386F3935-93C4-4BCD-93E2-E3B085C9AB24}">
+                  <p16:designElem xmlns:p16="http://schemas.microsoft.com/office/powerpoint/2015/main" val="1"/>
+                </p:ext>
+              </p:extLst>
+            </p:nvPr>
+          </p:nvCxnSpPr>
+          <p:spPr>
+            <a:xfrm>
+              <a:off x="0" y="5057645"/>
+              <a:ext cx="12192000" cy="0"/>
+            </a:xfrm>
+            <a:prstGeom prst="line">
+              <a:avLst/>
+            </a:prstGeom>
+            <a:ln w="12700">
+              <a:solidFill>
+                <a:srgbClr val="BCBCBC">
+                  <a:alpha val="29804"/>
+                </a:srgbClr>
+              </a:solidFill>
+              <a:prstDash val="sysDot"/>
+            </a:ln>
+          </p:spPr>
+          <p:style>
+            <a:lnRef idx="1">
+              <a:schemeClr val="accent1"/>
+            </a:lnRef>
+            <a:fillRef idx="0">
+              <a:schemeClr val="accent1"/>
+            </a:fillRef>
+            <a:effectRef idx="0">
+              <a:schemeClr val="accent1"/>
+            </a:effectRef>
+            <a:fontRef idx="minor">
+              <a:schemeClr val="tx1"/>
+            </a:fontRef>
+          </p:style>
+        </p:cxnSp>
+        <p:cxnSp>
+          <p:nvCxnSpPr>
+            <p:cNvPr id="39" name="Straight Connector 38">
+              <a:extLst>
+                <a:ext uri="{FF2B5EF4-FFF2-40B4-BE49-F238E27FC236}">
+                  <a16:creationId xmlns:a16="http://schemas.microsoft.com/office/drawing/2014/main" id="{F844EBDE-5A9F-4E9F-8A55-57FB9E979798}"/>
+                </a:ext>
+                <a:ext uri="{C183D7F6-B498-43B3-948B-1728B52AA6E4}">
+                  <adec:decorative xmlns:adec="http://schemas.microsoft.com/office/drawing/2017/decorative" val="1"/>
+                </a:ext>
+              </a:extLst>
+            </p:cNvPr>
+            <p:cNvCxnSpPr>
+              <a:cxnSpLocks/>
+            </p:cNvCxnSpPr>
+            <p:nvPr>
+              <p:extLst>
+                <p:ext uri="{386F3935-93C4-4BCD-93E2-E3B085C9AB24}">
+                  <p16:designElem xmlns:p16="http://schemas.microsoft.com/office/powerpoint/2015/main" val="1"/>
+                </p:ext>
+              </p:extLst>
+            </p:nvPr>
+          </p:nvCxnSpPr>
+          <p:spPr>
+            <a:xfrm>
+              <a:off x="0" y="5600526"/>
+              <a:ext cx="12192000" cy="0"/>
+            </a:xfrm>
+            <a:prstGeom prst="line">
+              <a:avLst/>
+            </a:prstGeom>
+            <a:ln w="12700">
+              <a:solidFill>
+                <a:srgbClr val="BCBCBC">
+                  <a:alpha val="29804"/>
+                </a:srgbClr>
+              </a:solidFill>
+              <a:prstDash val="sysDot"/>
+            </a:ln>
+          </p:spPr>
+          <p:style>
+            <a:lnRef idx="1">
+              <a:schemeClr val="accent1"/>
+            </a:lnRef>
+            <a:fillRef idx="0">
+              <a:schemeClr val="accent1"/>
+            </a:fillRef>
+            <a:effectRef idx="0">
+              <a:schemeClr val="accent1"/>
+            </a:effectRef>
+            <a:fontRef idx="minor">
+              <a:schemeClr val="tx1"/>
+            </a:fontRef>
+          </p:style>
+        </p:cxnSp>
+        <p:cxnSp>
+          <p:nvCxnSpPr>
+            <p:cNvPr id="40" name="Straight Connector 39">
+              <a:extLst>
+                <a:ext uri="{FF2B5EF4-FFF2-40B4-BE49-F238E27FC236}">
+                  <a16:creationId xmlns:a16="http://schemas.microsoft.com/office/drawing/2014/main" id="{6491FC45-82C4-40CD-8D0C-0A2F86E8A1EE}"/>
+                </a:ext>
+                <a:ext uri="{C183D7F6-B498-43B3-948B-1728B52AA6E4}">
+                  <adec:decorative xmlns:adec="http://schemas.microsoft.com/office/drawing/2017/decorative" val="1"/>
+                </a:ext>
+              </a:extLst>
+            </p:cNvPr>
+            <p:cNvCxnSpPr>
+              <a:cxnSpLocks/>
+            </p:cNvCxnSpPr>
+            <p:nvPr>
+              <p:extLst>
+                <p:ext uri="{386F3935-93C4-4BCD-93E2-E3B085C9AB24}">
+                  <p16:designElem xmlns:p16="http://schemas.microsoft.com/office/powerpoint/2015/main" val="1"/>
+                </p:ext>
+              </p:extLst>
+            </p:nvPr>
+          </p:nvCxnSpPr>
+          <p:spPr>
+            <a:xfrm>
+              <a:off x="0" y="6857999"/>
+              <a:ext cx="12192000" cy="0"/>
+            </a:xfrm>
+            <a:prstGeom prst="line">
+              <a:avLst/>
+            </a:prstGeom>
+            <a:ln w="12700">
+              <a:solidFill>
+                <a:srgbClr val="BCBCBC">
+                  <a:alpha val="29804"/>
+                </a:srgbClr>
+              </a:solidFill>
+              <a:prstDash val="sysDot"/>
+            </a:ln>
+          </p:spPr>
+          <p:style>
+            <a:lnRef idx="1">
+              <a:schemeClr val="accent1"/>
+            </a:lnRef>
+            <a:fillRef idx="0">
+              <a:schemeClr val="accent1"/>
+            </a:fillRef>
+            <a:effectRef idx="0">
+              <a:schemeClr val="accent1"/>
+            </a:effectRef>
+            <a:fontRef idx="minor">
+              <a:schemeClr val="tx1"/>
+            </a:fontRef>
+          </p:style>
+        </p:cxnSp>
+        <p:cxnSp>
+          <p:nvCxnSpPr>
+            <p:cNvPr id="41" name="Straight Connector 40">
+              <a:extLst>
+                <a:ext uri="{FF2B5EF4-FFF2-40B4-BE49-F238E27FC236}">
+                  <a16:creationId xmlns:a16="http://schemas.microsoft.com/office/drawing/2014/main" id="{71AD0FE3-6144-4171-943E-0E65D08E806C}"/>
+                </a:ext>
+                <a:ext uri="{C183D7F6-B498-43B3-948B-1728B52AA6E4}">
+                  <adec:decorative xmlns:adec="http://schemas.microsoft.com/office/drawing/2017/decorative" val="1"/>
+                </a:ext>
+              </a:extLst>
+            </p:cNvPr>
+            <p:cNvCxnSpPr>
+              <a:cxnSpLocks/>
+            </p:cNvCxnSpPr>
+            <p:nvPr>
+              <p:extLst>
+                <p:ext uri="{386F3935-93C4-4BCD-93E2-E3B085C9AB24}">
+                  <p16:designElem xmlns:p16="http://schemas.microsoft.com/office/powerpoint/2015/main" val="1"/>
+                </p:ext>
+              </p:extLst>
+            </p:nvPr>
+          </p:nvCxnSpPr>
+          <p:spPr>
+            <a:xfrm>
+              <a:off x="16613" y="6143407"/>
+              <a:ext cx="12192000" cy="0"/>
+            </a:xfrm>
+            <a:prstGeom prst="line">
+              <a:avLst/>
+            </a:prstGeom>
+            <a:ln w="12700">
+              <a:solidFill>
+                <a:srgbClr val="BCBCBC">
+                  <a:alpha val="29804"/>
+                </a:srgbClr>
+              </a:solidFill>
+              <a:prstDash val="sysDot"/>
+            </a:ln>
+          </p:spPr>
+          <p:style>
+            <a:lnRef idx="1">
+              <a:schemeClr val="accent1"/>
+            </a:lnRef>
+            <a:fillRef idx="0">
+              <a:schemeClr val="accent1"/>
+            </a:fillRef>
+            <a:effectRef idx="0">
+              <a:schemeClr val="accent1"/>
+            </a:effectRef>
+            <a:fontRef idx="minor">
+              <a:schemeClr val="tx1"/>
+            </a:fontRef>
+          </p:style>
+        </p:cxnSp>
+        <p:cxnSp>
+          <p:nvCxnSpPr>
+            <p:cNvPr id="42" name="Straight Connector 41">
+              <a:extLst>
+                <a:ext uri="{FF2B5EF4-FFF2-40B4-BE49-F238E27FC236}">
+                  <a16:creationId xmlns:a16="http://schemas.microsoft.com/office/drawing/2014/main" id="{A7BA4499-5E6A-4998-A0F4-614E65552B8C}"/>
+                </a:ext>
+                <a:ext uri="{C183D7F6-B498-43B3-948B-1728B52AA6E4}">
+                  <adec:decorative xmlns:adec="http://schemas.microsoft.com/office/drawing/2017/decorative" val="1"/>
+                </a:ext>
+              </a:extLst>
+            </p:cNvPr>
+            <p:cNvCxnSpPr>
+              <a:cxnSpLocks/>
+            </p:cNvCxnSpPr>
+            <p:nvPr>
+              <p:extLst>
+                <p:ext uri="{386F3935-93C4-4BCD-93E2-E3B085C9AB24}">
+                  <p16:designElem xmlns:p16="http://schemas.microsoft.com/office/powerpoint/2015/main" val="1"/>
+                </p:ext>
+              </p:extLst>
+            </p:nvPr>
+          </p:nvCxnSpPr>
+          <p:spPr>
+            <a:xfrm>
+              <a:off x="684225" y="171716"/>
+              <a:ext cx="0" cy="6511464"/>
+            </a:xfrm>
+            <a:prstGeom prst="line">
+              <a:avLst/>
+            </a:prstGeom>
+            <a:ln w="12700">
+              <a:solidFill>
+                <a:srgbClr val="BCBCBC">
+                  <a:alpha val="29804"/>
+                </a:srgbClr>
+              </a:solidFill>
+              <a:prstDash val="sysDot"/>
+            </a:ln>
+          </p:spPr>
+          <p:style>
+            <a:lnRef idx="1">
+              <a:schemeClr val="accent1"/>
+            </a:lnRef>
+            <a:fillRef idx="0">
+              <a:schemeClr val="accent1"/>
+            </a:fillRef>
+            <a:effectRef idx="0">
+              <a:schemeClr val="accent1"/>
+            </a:effectRef>
+            <a:fontRef idx="minor">
+              <a:schemeClr val="tx1"/>
+            </a:fontRef>
+          </p:style>
+        </p:cxnSp>
+        <p:cxnSp>
+          <p:nvCxnSpPr>
+            <p:cNvPr id="43" name="Straight Connector 42">
+              <a:extLst>
+                <a:ext uri="{FF2B5EF4-FFF2-40B4-BE49-F238E27FC236}">
+                  <a16:creationId xmlns:a16="http://schemas.microsoft.com/office/drawing/2014/main" id="{CAFE7A6F-A7F0-4406-809F-E23FCB201E3B}"/>
+                </a:ext>
+                <a:ext uri="{C183D7F6-B498-43B3-948B-1728B52AA6E4}">
+                  <adec:decorative xmlns:adec="http://schemas.microsoft.com/office/drawing/2017/decorative" val="1"/>
+                </a:ext>
+              </a:extLst>
+            </p:cNvPr>
+            <p:cNvCxnSpPr>
+              <a:cxnSpLocks/>
+            </p:cNvCxnSpPr>
+            <p:nvPr>
+              <p:extLst>
+                <p:ext uri="{386F3935-93C4-4BCD-93E2-E3B085C9AB24}">
+                  <p16:designElem xmlns:p16="http://schemas.microsoft.com/office/powerpoint/2015/main" val="1"/>
+                </p:ext>
+              </p:extLst>
+            </p:nvPr>
+          </p:nvCxnSpPr>
+          <p:spPr>
+            <a:xfrm>
+              <a:off x="11508412" y="173267"/>
+              <a:ext cx="0" cy="6511464"/>
+            </a:xfrm>
+            <a:prstGeom prst="line">
+              <a:avLst/>
+            </a:prstGeom>
+            <a:ln w="12700">
+              <a:solidFill>
+                <a:srgbClr val="BCBCBC">
+                  <a:alpha val="29804"/>
+                </a:srgbClr>
+              </a:solidFill>
+              <a:prstDash val="sysDot"/>
+            </a:ln>
+          </p:spPr>
+          <p:style>
+            <a:lnRef idx="1">
+              <a:schemeClr val="accent1"/>
+            </a:lnRef>
+            <a:fillRef idx="0">
+              <a:schemeClr val="accent1"/>
+            </a:fillRef>
+            <a:effectRef idx="0">
+              <a:schemeClr val="accent1"/>
+            </a:effectRef>
+            <a:fontRef idx="minor">
+              <a:schemeClr val="tx1"/>
+            </a:fontRef>
+          </p:style>
+        </p:cxnSp>
+      </p:grpSp>
+      <p:sp>
+        <p:nvSpPr>
+          <p:cNvPr id="2" name="Title 1">
+            <a:extLst>
+              <a:ext uri="{FF2B5EF4-FFF2-40B4-BE49-F238E27FC236}">
+                <a16:creationId xmlns:a16="http://schemas.microsoft.com/office/drawing/2014/main" id="{4E8D9BFD-A382-B198-0290-B7377E62EC79}"/>
+              </a:ext>
+            </a:extLst>
+          </p:cNvPr>
+          <p:cNvSpPr>
+            <a:spLocks noGrp="1"/>
+          </p:cNvSpPr>
+          <p:nvPr>
+            <p:ph type="title"/>
+          </p:nvPr>
+        </p:nvSpPr>
+        <p:spPr>
+          <a:xfrm>
+            <a:off x="6088653" y="725951"/>
+            <a:ext cx="4927425" cy="1938525"/>
+          </a:xfrm>
+        </p:spPr>
+        <p:txBody>
+          <a:bodyPr>
+            <a:normAutofit/>
+          </a:bodyPr>
+          <a:lstStyle/>
+          <a:p>
+            <a:pPr>
+              <a:lnSpc>
+                <a:spcPct val="90000"/>
+              </a:lnSpc>
+            </a:pPr>
+            <a:r>
+              <a:rPr lang="en-US" sz="3100"/>
+              <a:t>Handwriting Recognition in Smartwatches</a:t>
+            </a:r>
+            <a:br>
+              <a:rPr lang="en-US" sz="3100"/>
+            </a:br>
+            <a:endParaRPr lang="en-US" sz="3100"/>
+          </a:p>
+        </p:txBody>
+      </p:sp>
+      <p:pic>
+        <p:nvPicPr>
+          <p:cNvPr id="49" name="Picture 48" descr="Different types of clocks">
+            <a:extLst>
+              <a:ext uri="{FF2B5EF4-FFF2-40B4-BE49-F238E27FC236}">
+                <a16:creationId xmlns:a16="http://schemas.microsoft.com/office/drawing/2014/main" id="{127DBC93-3F32-73CD-722B-646C93B7D93C}"/>
+              </a:ext>
+            </a:extLst>
+          </p:cNvPr>
+          <p:cNvPicPr>
+            <a:picLocks noChangeAspect="1"/>
+          </p:cNvPicPr>
+          <p:nvPr/>
+        </p:nvPicPr>
+        <p:blipFill>
+          <a:blip r:embed="rId2"/>
+          <a:srcRect l="19895" r="32083"/>
+          <a:stretch/>
+        </p:blipFill>
+        <p:spPr>
+          <a:xfrm>
+            <a:off x="1" y="10"/>
+            <a:ext cx="5854890" cy="6857990"/>
+          </a:xfrm>
+          <a:custGeom>
+            <a:avLst/>
+            <a:gdLst/>
+            <a:ahLst/>
+            <a:cxnLst/>
+            <a:rect l="l" t="t" r="r" b="b"/>
+            <a:pathLst>
+              <a:path w="6036633" h="6858000">
+                <a:moveTo>
+                  <a:pt x="0" y="0"/>
+                </a:moveTo>
+                <a:lnTo>
+                  <a:pt x="5782584" y="0"/>
+                </a:lnTo>
+                <a:lnTo>
+                  <a:pt x="5847735" y="280891"/>
+                </a:lnTo>
+                <a:cubicBezTo>
+                  <a:pt x="6512611" y="3337011"/>
+                  <a:pt x="5215360" y="3533975"/>
+                  <a:pt x="5130974" y="6590095"/>
+                </a:cubicBezTo>
+                <a:lnTo>
+                  <a:pt x="5127340" y="6858000"/>
+                </a:lnTo>
+                <a:lnTo>
+                  <a:pt x="0" y="6858000"/>
+                </a:lnTo>
+                <a:close/>
+              </a:path>
+            </a:pathLst>
+          </a:custGeom>
+        </p:spPr>
+      </p:pic>
+      <p:sp>
+        <p:nvSpPr>
+          <p:cNvPr id="50" name="Right Triangle 49">
+            <a:extLst>
+              <a:ext uri="{FF2B5EF4-FFF2-40B4-BE49-F238E27FC236}">
+                <a16:creationId xmlns:a16="http://schemas.microsoft.com/office/drawing/2014/main" id="{BEAC0A80-07D3-49CB-87C3-BC34F219DFF7}"/>
+              </a:ext>
+              <a:ext uri="{C183D7F6-B498-43B3-948B-1728B52AA6E4}">
+                <adec:decorative xmlns:adec="http://schemas.microsoft.com/office/drawing/2017/decorative" val="1"/>
+              </a:ext>
+            </a:extLst>
+          </p:cNvPr>
+          <p:cNvSpPr>
+            <a:spLocks noGrp="1" noRot="1" noChangeAspect="1" noMove="1" noResize="1" noEditPoints="1" noAdjustHandles="1" noChangeArrowheads="1" noChangeShapeType="1" noTextEdit="1"/>
+          </p:cNvSpPr>
+          <p:nvPr>
+            <p:extLst>
+              <p:ext uri="{386F3935-93C4-4BCD-93E2-E3B085C9AB24}">
+                <p16:designElem xmlns:p16="http://schemas.microsoft.com/office/powerpoint/2015/main" val="1"/>
+              </p:ext>
+            </p:extLst>
+          </p:nvPr>
+        </p:nvSpPr>
+        <p:spPr>
+          <a:xfrm rot="18900000">
+            <a:off x="6297339" y="-292624"/>
+            <a:ext cx="568289" cy="568289"/>
+          </a:xfrm>
+          <a:prstGeom prst="rtTriangle">
+            <a:avLst/>
+          </a:prstGeom>
+          <a:solidFill>
+            <a:schemeClr val="accent1">
+              <a:alpha val="50000"/>
+            </a:schemeClr>
+          </a:solidFill>
+          <a:ln>
+            <a:noFill/>
+          </a:ln>
+        </p:spPr>
+        <p:style>
+          <a:lnRef idx="2">
+            <a:schemeClr val="accent1">
+              <a:shade val="50000"/>
+            </a:schemeClr>
+          </a:lnRef>
+          <a:fillRef idx="1">
+            <a:schemeClr val="accent1"/>
+          </a:fillRef>
+          <a:effectRef idx="0">
+            <a:schemeClr val="accent1"/>
+          </a:effectRef>
+          <a:fontRef idx="minor">
+            <a:schemeClr val="lt1"/>
+          </a:fontRef>
+        </p:style>
+        <p:txBody>
+          <a:bodyPr rtlCol="0" anchor="ctr"/>
+          <a:lstStyle/>
+          <a:p>
+            <a:pPr algn="ctr"/>
+            <a:endParaRPr lang="en-US">
+              <a:solidFill>
+                <a:schemeClr val="tx1"/>
+              </a:solidFill>
+            </a:endParaRPr>
+          </a:p>
+        </p:txBody>
+      </p:sp>
+      <p:sp>
+        <p:nvSpPr>
+          <p:cNvPr id="4" name="Rectangle 1">
+            <a:extLst>
+              <a:ext uri="{FF2B5EF4-FFF2-40B4-BE49-F238E27FC236}">
+                <a16:creationId xmlns:a16="http://schemas.microsoft.com/office/drawing/2014/main" id="{94C71176-5306-92B4-FBBE-19556483BAF4}"/>
+              </a:ext>
+            </a:extLst>
+          </p:cNvPr>
+          <p:cNvSpPr>
+            <a:spLocks noGrp="1" noChangeArrowheads="1"/>
+          </p:cNvSpPr>
+          <p:nvPr>
+            <p:ph idx="1"/>
+          </p:nvPr>
+        </p:nvSpPr>
+        <p:spPr bwMode="auto">
+          <a:xfrm>
+            <a:off x="6088653" y="2886116"/>
+            <a:ext cx="4927425" cy="3245931"/>
+          </a:xfrm>
+          <a:prstGeom prst="rect">
+            <a:avLst/>
+          </a:prstGeom>
+          <a:extLst>
+            <a:ext uri="{909E8E84-426E-40DD-AFC4-6F175D3DCCD1}">
+              <a14:hiddenFill xmlns:a14="http://schemas.microsoft.com/office/drawing/2010/main">
+                <a:solidFill>
+                  <a:schemeClr val="accent1"/>
+                </a:solidFill>
+              </a14:hiddenFill>
+            </a:ext>
+            <a:ext uri="{91240B29-F687-4F45-9708-019B960494DF}">
+              <a14:hiddenLine xmlns:a14="http://schemas.microsoft.com/office/drawing/2010/main" w="9525">
+                <a:solidFill>
+                  <a:schemeClr val="tx1"/>
+                </a:solidFill>
+                <a:miter lim="800000"/>
+                <a:headEnd/>
+                <a:tailEnd/>
+              </a14:hiddenLine>
+            </a:ext>
+            <a:ext uri="{AF507438-7753-43E0-B8FC-AC1667EBCBE1}">
+              <a14:hiddenEffects xmlns:a14="http://schemas.microsoft.com/office/drawing/2010/main">
+                <a:effectLst>
+                  <a:outerShdw dist="35921" dir="2700000" algn="ctr" rotWithShape="0">
+                    <a:schemeClr val="bg2"/>
+                  </a:outerShdw>
+                </a:effectLst>
+              </a14:hiddenEffects>
+            </a:ext>
+          </a:extLst>
+        </p:spPr>
+        <p:txBody>
+          <a:bodyPr vert="horz" lIns="91440" tIns="45720" rIns="91440" bIns="45720" numCol="1" anchorCtr="0" compatLnSpc="1">
+            <a:prstTxWarp prst="textNoShape">
+              <a:avLst/>
+            </a:prstTxWarp>
+            <a:normAutofit/>
+          </a:bodyPr>
+          <a:lstStyle/>
+          <a:p>
+            <a:pPr marL="0" marR="0" lvl="0" indent="0" algn="just" defTabSz="914400" rtl="0" eaLnBrk="0" fontAlgn="base" latinLnBrk="0" hangingPunct="0">
+              <a:lnSpc>
+                <a:spcPct val="100000"/>
+              </a:lnSpc>
+              <a:spcBef>
+                <a:spcPct val="0"/>
+              </a:spcBef>
+              <a:spcAft>
+                <a:spcPts val="600"/>
+              </a:spcAft>
+              <a:buClrTx/>
+              <a:buSzTx/>
+              <a:buFontTx/>
+              <a:buNone/>
+              <a:tabLst/>
+            </a:pPr>
+            <a:r>
+              <a:rPr lang="en-US" sz="1200" dirty="0"/>
+              <a:t>This technology implements machine learning models to digitize handwritten notes on smartwatches, enhancing productivity and data management. Four key models are employed: Traditional Naive Bayes for quick, basic recognition; Gaussian Naive Bayes for improved style handling; Multivariate Gaussian Naive Bayes for enhanced complexity recognition; and K-Nearest Neighbors for high accuracy across diverse styles. The implementation strategy involves adaptive model selection, balancing on-device and cloud processing, continuous learning, and battery optimization. Users benefit from improved productivity, enhanced accessibility, personalization, and versatility. Challenges such as limited processing power, battery life concerns, small display size, and varied handwriting styles are addressed through hardware optimization, adaptive model selection, intuitive UI design, and use of model ensembles. Future enhancements may include AI assistant integration, multilingual support, gesture recognition, and handwriting-based authentication.</a:t>
+            </a:r>
+            <a:endParaRPr kumimoji="0" lang="en-US" altLang="en-US" sz="1200" b="0" i="0" u="none" strike="noStrike" cap="none" normalizeH="0" baseline="0" dirty="0">
+              <a:ln>
+                <a:noFill/>
+              </a:ln>
+              <a:effectLst/>
+              <a:latin typeface="Arial" panose="020B0604020202020204" pitchFamily="34" charset="0"/>
+            </a:endParaRPr>
+          </a:p>
+        </p:txBody>
+      </p:sp>
+    </p:spTree>
+    <p:extLst>
+      <p:ext uri="{BB962C8B-B14F-4D97-AF65-F5344CB8AC3E}">
+        <p14:creationId xmlns:p14="http://schemas.microsoft.com/office/powerpoint/2010/main" val="4031112152"/>
+      </p:ext>
+    </p:extLst>
+  </p:cSld>
+  <p:clrMapOvr>
+    <a:masterClrMapping/>
+  </p:clrMapOvr>
+</p:sld>
+</file>
+
+<file path=ppt/slides/slide3.xml><?xml version="1.0" encoding="utf-8"?>
 <p:sld xmlns:a="http://schemas.openxmlformats.org/drawingml/2006/main" xmlns:r="http://schemas.openxmlformats.org/officeDocument/2006/relationships" xmlns:p="http://schemas.openxmlformats.org/presentationml/2006/main">
   <p:cSld>
     <p:bg>
@@ -23591,7 +25693,7 @@
 </p:sld>
 </file>
 
-<file path=ppt/slides/slide3.xml><?xml version="1.0" encoding="utf-8"?>
+<file path=ppt/slides/slide4.xml><?xml version="1.0" encoding="utf-8"?>
 <p:sld xmlns:a="http://schemas.openxmlformats.org/drawingml/2006/main" xmlns:r="http://schemas.openxmlformats.org/officeDocument/2006/relationships" xmlns:p="http://schemas.openxmlformats.org/presentationml/2006/main">
   <p:cSld>
     <p:spTree>
@@ -24127,7 +26229,7 @@
 </p:sld>
 </file>
 
-<file path=ppt/slides/slide4.xml><?xml version="1.0" encoding="utf-8"?>
+<file path=ppt/slides/slide5.xml><?xml version="1.0" encoding="utf-8"?>
 <p:sld xmlns:a="http://schemas.openxmlformats.org/drawingml/2006/main" xmlns:r="http://schemas.openxmlformats.org/officeDocument/2006/relationships" xmlns:p="http://schemas.openxmlformats.org/presentationml/2006/main">
   <p:cSld>
     <p:bg>
@@ -26681,7 +28783,7 @@
 </p:sld>
 </file>
 
-<file path=ppt/slides/slide5.xml><?xml version="1.0" encoding="utf-8"?>
+<file path=ppt/slides/slide6.xml><?xml version="1.0" encoding="utf-8"?>
 <p:sld xmlns:a="http://schemas.openxmlformats.org/drawingml/2006/main" xmlns:r="http://schemas.openxmlformats.org/officeDocument/2006/relationships" xmlns:p="http://schemas.openxmlformats.org/presentationml/2006/main">
   <p:cSld>
     <p:bg>
@@ -29331,10 +31433,10 @@
       </p:sp>
       <p:pic>
         <p:nvPicPr>
-          <p:cNvPr id="6" name="Picture 5" descr="A group of blue squares&#10;&#10;Description automatically generated">
+          <p:cNvPr id="5" name="Picture 4">
             <a:extLst>
               <a:ext uri="{FF2B5EF4-FFF2-40B4-BE49-F238E27FC236}">
-                <a16:creationId xmlns:a16="http://schemas.microsoft.com/office/drawing/2014/main" id="{B55D8840-38AA-8B46-CD79-C944E3E8E1FA}"/>
+                <a16:creationId xmlns:a16="http://schemas.microsoft.com/office/drawing/2014/main" id="{9569BBEE-14DF-49E9-BCD4-2AB1EDD90A34}"/>
               </a:ext>
             </a:extLst>
           </p:cNvPr>
@@ -29351,8 +31453,8 @@
         </p:blipFill>
         <p:spPr>
           <a:xfrm>
-            <a:off x="5705510" y="343432"/>
-            <a:ext cx="6045325" cy="6200334"/>
+            <a:off x="5673193" y="343431"/>
+            <a:ext cx="5938859" cy="6024707"/>
           </a:xfrm>
           <a:prstGeom prst="rect">
             <a:avLst/>
@@ -29372,7 +31474,7 @@
 </p:sld>
 </file>
 
-<file path=ppt/slides/slide6.xml><?xml version="1.0" encoding="utf-8"?>
+<file path=ppt/slides/slide7.xml><?xml version="1.0" encoding="utf-8"?>
 <p:sld xmlns:a="http://schemas.openxmlformats.org/drawingml/2006/main" xmlns:r="http://schemas.openxmlformats.org/officeDocument/2006/relationships" xmlns:p="http://schemas.openxmlformats.org/presentationml/2006/main">
   <p:cSld>
     <p:bg>
@@ -32077,7 +34179,7 @@
 </p:sld>
 </file>
 
-<file path=ppt/slides/slide7.xml><?xml version="1.0" encoding="utf-8"?>
+<file path=ppt/slides/slide8.xml><?xml version="1.0" encoding="utf-8"?>
 <p:sld xmlns:a="http://schemas.openxmlformats.org/drawingml/2006/main" xmlns:r="http://schemas.openxmlformats.org/officeDocument/2006/relationships" xmlns:p="http://schemas.openxmlformats.org/presentationml/2006/main">
   <p:cSld>
     <p:bg>
@@ -34043,2108 +36145,6 @@
     <p:extLst>
       <p:ext uri="{BB962C8B-B14F-4D97-AF65-F5344CB8AC3E}">
         <p14:creationId xmlns:p14="http://schemas.microsoft.com/office/powerpoint/2010/main" val="3520568282"/>
-      </p:ext>
-    </p:extLst>
-  </p:cSld>
-  <p:clrMapOvr>
-    <a:masterClrMapping/>
-  </p:clrMapOvr>
-</p:sld>
-</file>
-
-<file path=ppt/slides/slide8.xml><?xml version="1.0" encoding="utf-8"?>
-<p:sld xmlns:a="http://schemas.openxmlformats.org/drawingml/2006/main" xmlns:r="http://schemas.openxmlformats.org/officeDocument/2006/relationships" xmlns:p="http://schemas.openxmlformats.org/presentationml/2006/main">
-  <p:cSld>
-    <p:bg>
-      <p:bgPr>
-        <a:solidFill>
-          <a:schemeClr val="bg1"/>
-        </a:solidFill>
-        <a:effectLst/>
-      </p:bgPr>
-    </p:bg>
-    <p:spTree>
-      <p:nvGrpSpPr>
-        <p:cNvPr id="1" name=""/>
-        <p:cNvGrpSpPr/>
-        <p:nvPr/>
-      </p:nvGrpSpPr>
-      <p:grpSpPr>
-        <a:xfrm>
-          <a:off x="0" y="0"/>
-          <a:ext cx="0" cy="0"/>
-          <a:chOff x="0" y="0"/>
-          <a:chExt cx="0" cy="0"/>
-        </a:xfrm>
-      </p:grpSpPr>
-      <p:sp useBgFill="1">
-        <p:nvSpPr>
-          <p:cNvPr id="47" name="Rectangle 46">
-            <a:extLst>
-              <a:ext uri="{FF2B5EF4-FFF2-40B4-BE49-F238E27FC236}">
-                <a16:creationId xmlns:a16="http://schemas.microsoft.com/office/drawing/2014/main" id="{1C582B07-D0F0-4B6B-A5D9-D2F192CB3A4E}"/>
-              </a:ext>
-              <a:ext uri="{C183D7F6-B498-43B3-948B-1728B52AA6E4}">
-                <adec:decorative xmlns:adec="http://schemas.microsoft.com/office/drawing/2017/decorative" val="1"/>
-              </a:ext>
-            </a:extLst>
-          </p:cNvPr>
-          <p:cNvSpPr>
-            <a:spLocks noGrp="1" noRot="1" noChangeAspect="1" noMove="1" noResize="1" noEditPoints="1" noAdjustHandles="1" noChangeArrowheads="1" noChangeShapeType="1" noTextEdit="1"/>
-          </p:cNvSpPr>
-          <p:nvPr>
-            <p:extLst>
-              <p:ext uri="{386F3935-93C4-4BCD-93E2-E3B085C9AB24}">
-                <p16:designElem xmlns:p16="http://schemas.microsoft.com/office/powerpoint/2015/main" val="1"/>
-              </p:ext>
-            </p:extLst>
-          </p:nvPr>
-        </p:nvSpPr>
-        <p:spPr>
-          <a:xfrm>
-            <a:off x="0" y="0"/>
-            <a:ext cx="12188952" cy="6858000"/>
-          </a:xfrm>
-          <a:prstGeom prst="rect">
-            <a:avLst/>
-          </a:prstGeom>
-          <a:ln>
-            <a:noFill/>
-          </a:ln>
-        </p:spPr>
-        <p:style>
-          <a:lnRef idx="2">
-            <a:schemeClr val="accent1">
-              <a:shade val="50000"/>
-            </a:schemeClr>
-          </a:lnRef>
-          <a:fillRef idx="1">
-            <a:schemeClr val="accent1"/>
-          </a:fillRef>
-          <a:effectRef idx="0">
-            <a:schemeClr val="accent1"/>
-          </a:effectRef>
-          <a:fontRef idx="minor">
-            <a:schemeClr val="lt1"/>
-          </a:fontRef>
-        </p:style>
-        <p:txBody>
-          <a:bodyPr rtlCol="0" anchor="ctr"/>
-          <a:lstStyle/>
-          <a:p>
-            <a:pPr algn="ctr"/>
-            <a:endParaRPr lang="en-US">
-              <a:solidFill>
-                <a:schemeClr val="bg1"/>
-              </a:solidFill>
-            </a:endParaRPr>
-          </a:p>
-        </p:txBody>
-      </p:sp>
-      <p:grpSp>
-        <p:nvGrpSpPr>
-          <p:cNvPr id="48" name="Group 47">
-            <a:extLst>
-              <a:ext uri="{FF2B5EF4-FFF2-40B4-BE49-F238E27FC236}">
-                <a16:creationId xmlns:a16="http://schemas.microsoft.com/office/drawing/2014/main" id="{4D431671-5191-4947-8899-E90505A70426}"/>
-              </a:ext>
-              <a:ext uri="{C183D7F6-B498-43B3-948B-1728B52AA6E4}">
-                <adec:decorative xmlns:adec="http://schemas.microsoft.com/office/drawing/2017/decorative" val="1"/>
-              </a:ext>
-            </a:extLst>
-          </p:cNvPr>
-          <p:cNvGrpSpPr>
-            <a:grpSpLocks noGrp="1" noUngrp="1" noRot="1" noChangeAspect="1" noMove="1" noResize="1"/>
-          </p:cNvGrpSpPr>
-          <p:nvPr>
-            <p:extLst>
-              <p:ext uri="{386F3935-93C4-4BCD-93E2-E3B085C9AB24}">
-                <p16:designElem xmlns:p16="http://schemas.microsoft.com/office/powerpoint/2015/main" val="1"/>
-              </p:ext>
-            </p:extLst>
-          </p:nvPr>
-        </p:nvGrpSpPr>
-        <p:grpSpPr>
-          <a:xfrm>
-            <a:off x="-6214" y="-1"/>
-            <a:ext cx="12214827" cy="6858000"/>
-            <a:chOff x="-6214" y="-1"/>
-            <a:chExt cx="12214827" cy="6858000"/>
-          </a:xfrm>
-        </p:grpSpPr>
-        <p:cxnSp>
-          <p:nvCxnSpPr>
-            <p:cNvPr id="13" name="Straight Connector 12">
-              <a:extLst>
-                <a:ext uri="{FF2B5EF4-FFF2-40B4-BE49-F238E27FC236}">
-                  <a16:creationId xmlns:a16="http://schemas.microsoft.com/office/drawing/2014/main" id="{877D2E98-ED65-4121-9DA5-6DBB831D0FB2}"/>
-                </a:ext>
-                <a:ext uri="{C183D7F6-B498-43B3-948B-1728B52AA6E4}">
-                  <adec:decorative xmlns:adec="http://schemas.microsoft.com/office/drawing/2017/decorative" val="1"/>
-                </a:ext>
-              </a:extLst>
-            </p:cNvPr>
-            <p:cNvCxnSpPr>
-              <a:cxnSpLocks/>
-            </p:cNvCxnSpPr>
-            <p:nvPr>
-              <p:extLst>
-                <p:ext uri="{386F3935-93C4-4BCD-93E2-E3B085C9AB24}">
-                  <p16:designElem xmlns:p16="http://schemas.microsoft.com/office/powerpoint/2015/main" val="1"/>
-                </p:ext>
-              </p:extLst>
-            </p:nvPr>
-          </p:nvCxnSpPr>
-          <p:spPr>
-            <a:xfrm>
-              <a:off x="-6214" y="6686283"/>
-              <a:ext cx="12192000" cy="0"/>
-            </a:xfrm>
-            <a:prstGeom prst="line">
-              <a:avLst/>
-            </a:prstGeom>
-            <a:ln w="12700">
-              <a:solidFill>
-                <a:srgbClr val="BCBCBC">
-                  <a:alpha val="29804"/>
-                </a:srgbClr>
-              </a:solidFill>
-              <a:prstDash val="sysDot"/>
-            </a:ln>
-          </p:spPr>
-          <p:style>
-            <a:lnRef idx="1">
-              <a:schemeClr val="accent1"/>
-            </a:lnRef>
-            <a:fillRef idx="0">
-              <a:schemeClr val="accent1"/>
-            </a:fillRef>
-            <a:effectRef idx="0">
-              <a:schemeClr val="accent1"/>
-            </a:effectRef>
-            <a:fontRef idx="minor">
-              <a:schemeClr val="tx1"/>
-            </a:fontRef>
-          </p:style>
-        </p:cxnSp>
-        <p:cxnSp>
-          <p:nvCxnSpPr>
-            <p:cNvPr id="14" name="Straight Connector 13">
-              <a:extLst>
-                <a:ext uri="{FF2B5EF4-FFF2-40B4-BE49-F238E27FC236}">
-                  <a16:creationId xmlns:a16="http://schemas.microsoft.com/office/drawing/2014/main" id="{DA94A307-5B5D-4E42-95B3-064D5093ADE5}"/>
-                </a:ext>
-                <a:ext uri="{C183D7F6-B498-43B3-948B-1728B52AA6E4}">
-                  <adec:decorative xmlns:adec="http://schemas.microsoft.com/office/drawing/2017/decorative" val="1"/>
-                </a:ext>
-              </a:extLst>
-            </p:cNvPr>
-            <p:cNvCxnSpPr>
-              <a:cxnSpLocks/>
-            </p:cNvCxnSpPr>
-            <p:nvPr>
-              <p:extLst>
-                <p:ext uri="{386F3935-93C4-4BCD-93E2-E3B085C9AB24}">
-                  <p16:designElem xmlns:p16="http://schemas.microsoft.com/office/powerpoint/2015/main" val="1"/>
-                </p:ext>
-              </p:extLst>
-            </p:nvPr>
-          </p:nvCxnSpPr>
-          <p:spPr>
-            <a:xfrm>
-              <a:off x="0" y="-1"/>
-              <a:ext cx="0" cy="6858000"/>
-            </a:xfrm>
-            <a:prstGeom prst="line">
-              <a:avLst/>
-            </a:prstGeom>
-            <a:ln w="12700">
-              <a:solidFill>
-                <a:srgbClr val="BCBCBC">
-                  <a:alpha val="29804"/>
-                </a:srgbClr>
-              </a:solidFill>
-              <a:prstDash val="sysDot"/>
-            </a:ln>
-          </p:spPr>
-          <p:style>
-            <a:lnRef idx="1">
-              <a:schemeClr val="accent1"/>
-            </a:lnRef>
-            <a:fillRef idx="0">
-              <a:schemeClr val="accent1"/>
-            </a:fillRef>
-            <a:effectRef idx="0">
-              <a:schemeClr val="accent1"/>
-            </a:effectRef>
-            <a:fontRef idx="minor">
-              <a:schemeClr val="tx1"/>
-            </a:fontRef>
-          </p:style>
-        </p:cxnSp>
-        <p:cxnSp>
-          <p:nvCxnSpPr>
-            <p:cNvPr id="15" name="Straight Connector 14">
-              <a:extLst>
-                <a:ext uri="{FF2B5EF4-FFF2-40B4-BE49-F238E27FC236}">
-                  <a16:creationId xmlns:a16="http://schemas.microsoft.com/office/drawing/2014/main" id="{8CB3B32C-3BDA-4D41-9802-681B0599FD3C}"/>
-                </a:ext>
-                <a:ext uri="{C183D7F6-B498-43B3-948B-1728B52AA6E4}">
-                  <adec:decorative xmlns:adec="http://schemas.microsoft.com/office/drawing/2017/decorative" val="1"/>
-                </a:ext>
-              </a:extLst>
-            </p:cNvPr>
-            <p:cNvCxnSpPr>
-              <a:cxnSpLocks/>
-            </p:cNvCxnSpPr>
-            <p:nvPr>
-              <p:extLst>
-                <p:ext uri="{386F3935-93C4-4BCD-93E2-E3B085C9AB24}">
-                  <p16:designElem xmlns:p16="http://schemas.microsoft.com/office/powerpoint/2015/main" val="1"/>
-                </p:ext>
-              </p:extLst>
-            </p:nvPr>
-          </p:nvCxnSpPr>
-          <p:spPr>
-            <a:xfrm>
-              <a:off x="11993258" y="-1"/>
-              <a:ext cx="0" cy="6858000"/>
-            </a:xfrm>
-            <a:prstGeom prst="line">
-              <a:avLst/>
-            </a:prstGeom>
-            <a:ln w="12700">
-              <a:solidFill>
-                <a:srgbClr val="BCBCBC">
-                  <a:alpha val="29804"/>
-                </a:srgbClr>
-              </a:solidFill>
-              <a:prstDash val="sysDot"/>
-            </a:ln>
-          </p:spPr>
-          <p:style>
-            <a:lnRef idx="1">
-              <a:schemeClr val="accent1"/>
-            </a:lnRef>
-            <a:fillRef idx="0">
-              <a:schemeClr val="accent1"/>
-            </a:fillRef>
-            <a:effectRef idx="0">
-              <a:schemeClr val="accent1"/>
-            </a:effectRef>
-            <a:fontRef idx="minor">
-              <a:schemeClr val="tx1"/>
-            </a:fontRef>
-          </p:style>
-        </p:cxnSp>
-        <p:cxnSp>
-          <p:nvCxnSpPr>
-            <p:cNvPr id="16" name="Straight Connector 15">
-              <a:extLst>
-                <a:ext uri="{FF2B5EF4-FFF2-40B4-BE49-F238E27FC236}">
-                  <a16:creationId xmlns:a16="http://schemas.microsoft.com/office/drawing/2014/main" id="{35BDBFD6-7C61-4520-8203-BAB1986C158C}"/>
-                </a:ext>
-                <a:ext uri="{C183D7F6-B498-43B3-948B-1728B52AA6E4}">
-                  <adec:decorative xmlns:adec="http://schemas.microsoft.com/office/drawing/2017/decorative" val="1"/>
-                </a:ext>
-              </a:extLst>
-            </p:cNvPr>
-            <p:cNvCxnSpPr>
-              <a:cxnSpLocks/>
-            </p:cNvCxnSpPr>
-            <p:nvPr>
-              <p:extLst>
-                <p:ext uri="{386F3935-93C4-4BCD-93E2-E3B085C9AB24}">
-                  <p16:designElem xmlns:p16="http://schemas.microsoft.com/office/powerpoint/2015/main" val="1"/>
-                </p:ext>
-              </p:extLst>
-            </p:nvPr>
-          </p:nvCxnSpPr>
-          <p:spPr>
-            <a:xfrm>
-              <a:off x="192528" y="-1"/>
-              <a:ext cx="0" cy="6858000"/>
-            </a:xfrm>
-            <a:prstGeom prst="line">
-              <a:avLst/>
-            </a:prstGeom>
-            <a:ln w="12700">
-              <a:solidFill>
-                <a:srgbClr val="BCBCBC">
-                  <a:alpha val="29804"/>
-                </a:srgbClr>
-              </a:solidFill>
-              <a:prstDash val="sysDot"/>
-            </a:ln>
-          </p:spPr>
-          <p:style>
-            <a:lnRef idx="1">
-              <a:schemeClr val="accent1"/>
-            </a:lnRef>
-            <a:fillRef idx="0">
-              <a:schemeClr val="accent1"/>
-            </a:fillRef>
-            <a:effectRef idx="0">
-              <a:schemeClr val="accent1"/>
-            </a:effectRef>
-            <a:fontRef idx="minor">
-              <a:schemeClr val="tx1"/>
-            </a:fontRef>
-          </p:style>
-        </p:cxnSp>
-        <p:cxnSp>
-          <p:nvCxnSpPr>
-            <p:cNvPr id="17" name="Straight Connector 16">
-              <a:extLst>
-                <a:ext uri="{FF2B5EF4-FFF2-40B4-BE49-F238E27FC236}">
-                  <a16:creationId xmlns:a16="http://schemas.microsoft.com/office/drawing/2014/main" id="{D4ABA4D7-9904-42C4-B0CD-B1CE2E0D3734}"/>
-                </a:ext>
-                <a:ext uri="{C183D7F6-B498-43B3-948B-1728B52AA6E4}">
-                  <adec:decorative xmlns:adec="http://schemas.microsoft.com/office/drawing/2017/decorative" val="1"/>
-                </a:ext>
-              </a:extLst>
-            </p:cNvPr>
-            <p:cNvCxnSpPr>
-              <a:cxnSpLocks/>
-            </p:cNvCxnSpPr>
-            <p:nvPr>
-              <p:extLst>
-                <p:ext uri="{386F3935-93C4-4BCD-93E2-E3B085C9AB24}">
-                  <p16:designElem xmlns:p16="http://schemas.microsoft.com/office/powerpoint/2015/main" val="1"/>
-                </p:ext>
-              </p:extLst>
-            </p:nvPr>
-          </p:nvCxnSpPr>
-          <p:spPr>
-            <a:xfrm>
-              <a:off x="1175922" y="-1"/>
-              <a:ext cx="0" cy="6858000"/>
-            </a:xfrm>
-            <a:prstGeom prst="line">
-              <a:avLst/>
-            </a:prstGeom>
-            <a:ln w="12700">
-              <a:solidFill>
-                <a:srgbClr val="BCBCBC">
-                  <a:alpha val="29804"/>
-                </a:srgbClr>
-              </a:solidFill>
-              <a:prstDash val="sysDot"/>
-            </a:ln>
-          </p:spPr>
-          <p:style>
-            <a:lnRef idx="1">
-              <a:schemeClr val="accent1"/>
-            </a:lnRef>
-            <a:fillRef idx="0">
-              <a:schemeClr val="accent1"/>
-            </a:fillRef>
-            <a:effectRef idx="0">
-              <a:schemeClr val="accent1"/>
-            </a:effectRef>
-            <a:fontRef idx="minor">
-              <a:schemeClr val="tx1"/>
-            </a:fontRef>
-          </p:style>
-        </p:cxnSp>
-        <p:cxnSp>
-          <p:nvCxnSpPr>
-            <p:cNvPr id="18" name="Straight Connector 17">
-              <a:extLst>
-                <a:ext uri="{FF2B5EF4-FFF2-40B4-BE49-F238E27FC236}">
-                  <a16:creationId xmlns:a16="http://schemas.microsoft.com/office/drawing/2014/main" id="{BB63F0D6-8747-4126-9359-B730EB21B79A}"/>
-                </a:ext>
-                <a:ext uri="{C183D7F6-B498-43B3-948B-1728B52AA6E4}">
-                  <adec:decorative xmlns:adec="http://schemas.microsoft.com/office/drawing/2017/decorative" val="1"/>
-                </a:ext>
-              </a:extLst>
-            </p:cNvPr>
-            <p:cNvCxnSpPr>
-              <a:cxnSpLocks/>
-            </p:cNvCxnSpPr>
-            <p:nvPr>
-              <p:extLst>
-                <p:ext uri="{386F3935-93C4-4BCD-93E2-E3B085C9AB24}">
-                  <p16:designElem xmlns:p16="http://schemas.microsoft.com/office/powerpoint/2015/main" val="1"/>
-                </p:ext>
-              </p:extLst>
-            </p:nvPr>
-          </p:nvCxnSpPr>
-          <p:spPr>
-            <a:xfrm>
-              <a:off x="2159316" y="-1"/>
-              <a:ext cx="0" cy="6858000"/>
-            </a:xfrm>
-            <a:prstGeom prst="line">
-              <a:avLst/>
-            </a:prstGeom>
-            <a:ln w="12700">
-              <a:solidFill>
-                <a:srgbClr val="BCBCBC">
-                  <a:alpha val="29804"/>
-                </a:srgbClr>
-              </a:solidFill>
-              <a:prstDash val="sysDot"/>
-            </a:ln>
-          </p:spPr>
-          <p:style>
-            <a:lnRef idx="1">
-              <a:schemeClr val="accent1"/>
-            </a:lnRef>
-            <a:fillRef idx="0">
-              <a:schemeClr val="accent1"/>
-            </a:fillRef>
-            <a:effectRef idx="0">
-              <a:schemeClr val="accent1"/>
-            </a:effectRef>
-            <a:fontRef idx="minor">
-              <a:schemeClr val="tx1"/>
-            </a:fontRef>
-          </p:style>
-        </p:cxnSp>
-        <p:cxnSp>
-          <p:nvCxnSpPr>
-            <p:cNvPr id="19" name="Straight Connector 18">
-              <a:extLst>
-                <a:ext uri="{FF2B5EF4-FFF2-40B4-BE49-F238E27FC236}">
-                  <a16:creationId xmlns:a16="http://schemas.microsoft.com/office/drawing/2014/main" id="{D91CD660-F5B2-49AC-9EFC-CE94B843B4DA}"/>
-                </a:ext>
-                <a:ext uri="{C183D7F6-B498-43B3-948B-1728B52AA6E4}">
-                  <adec:decorative xmlns:adec="http://schemas.microsoft.com/office/drawing/2017/decorative" val="1"/>
-                </a:ext>
-              </a:extLst>
-            </p:cNvPr>
-            <p:cNvCxnSpPr>
-              <a:cxnSpLocks/>
-            </p:cNvCxnSpPr>
-            <p:nvPr>
-              <p:extLst>
-                <p:ext uri="{386F3935-93C4-4BCD-93E2-E3B085C9AB24}">
-                  <p16:designElem xmlns:p16="http://schemas.microsoft.com/office/powerpoint/2015/main" val="1"/>
-                </p:ext>
-              </p:extLst>
-            </p:nvPr>
-          </p:nvCxnSpPr>
-          <p:spPr>
-            <a:xfrm>
-              <a:off x="3142710" y="-1"/>
-              <a:ext cx="0" cy="6858000"/>
-            </a:xfrm>
-            <a:prstGeom prst="line">
-              <a:avLst/>
-            </a:prstGeom>
-            <a:ln w="12700">
-              <a:solidFill>
-                <a:srgbClr val="BCBCBC">
-                  <a:alpha val="29804"/>
-                </a:srgbClr>
-              </a:solidFill>
-              <a:prstDash val="sysDot"/>
-            </a:ln>
-          </p:spPr>
-          <p:style>
-            <a:lnRef idx="1">
-              <a:schemeClr val="accent1"/>
-            </a:lnRef>
-            <a:fillRef idx="0">
-              <a:schemeClr val="accent1"/>
-            </a:fillRef>
-            <a:effectRef idx="0">
-              <a:schemeClr val="accent1"/>
-            </a:effectRef>
-            <a:fontRef idx="minor">
-              <a:schemeClr val="tx1"/>
-            </a:fontRef>
-          </p:style>
-        </p:cxnSp>
-        <p:cxnSp>
-          <p:nvCxnSpPr>
-            <p:cNvPr id="20" name="Straight Connector 19">
-              <a:extLst>
-                <a:ext uri="{FF2B5EF4-FFF2-40B4-BE49-F238E27FC236}">
-                  <a16:creationId xmlns:a16="http://schemas.microsoft.com/office/drawing/2014/main" id="{A4BEB7EB-8E7F-4A4B-8581-73CE2003F2F7}"/>
-                </a:ext>
-                <a:ext uri="{C183D7F6-B498-43B3-948B-1728B52AA6E4}">
-                  <adec:decorative xmlns:adec="http://schemas.microsoft.com/office/drawing/2017/decorative" val="1"/>
-                </a:ext>
-              </a:extLst>
-            </p:cNvPr>
-            <p:cNvCxnSpPr>
-              <a:cxnSpLocks/>
-            </p:cNvCxnSpPr>
-            <p:nvPr>
-              <p:extLst>
-                <p:ext uri="{386F3935-93C4-4BCD-93E2-E3B085C9AB24}">
-                  <p16:designElem xmlns:p16="http://schemas.microsoft.com/office/powerpoint/2015/main" val="1"/>
-                </p:ext>
-              </p:extLst>
-            </p:nvPr>
-          </p:nvCxnSpPr>
-          <p:spPr>
-            <a:xfrm>
-              <a:off x="4126104" y="-1"/>
-              <a:ext cx="0" cy="6858000"/>
-            </a:xfrm>
-            <a:prstGeom prst="line">
-              <a:avLst/>
-            </a:prstGeom>
-            <a:ln w="12700">
-              <a:solidFill>
-                <a:srgbClr val="BCBCBC">
-                  <a:alpha val="29804"/>
-                </a:srgbClr>
-              </a:solidFill>
-              <a:prstDash val="sysDot"/>
-            </a:ln>
-          </p:spPr>
-          <p:style>
-            <a:lnRef idx="1">
-              <a:schemeClr val="accent1"/>
-            </a:lnRef>
-            <a:fillRef idx="0">
-              <a:schemeClr val="accent1"/>
-            </a:fillRef>
-            <a:effectRef idx="0">
-              <a:schemeClr val="accent1"/>
-            </a:effectRef>
-            <a:fontRef idx="minor">
-              <a:schemeClr val="tx1"/>
-            </a:fontRef>
-          </p:style>
-        </p:cxnSp>
-        <p:cxnSp>
-          <p:nvCxnSpPr>
-            <p:cNvPr id="21" name="Straight Connector 20">
-              <a:extLst>
-                <a:ext uri="{FF2B5EF4-FFF2-40B4-BE49-F238E27FC236}">
-                  <a16:creationId xmlns:a16="http://schemas.microsoft.com/office/drawing/2014/main" id="{B04FB70E-6820-4456-872A-937F520606C5}"/>
-                </a:ext>
-                <a:ext uri="{C183D7F6-B498-43B3-948B-1728B52AA6E4}">
-                  <adec:decorative xmlns:adec="http://schemas.microsoft.com/office/drawing/2017/decorative" val="1"/>
-                </a:ext>
-              </a:extLst>
-            </p:cNvPr>
-            <p:cNvCxnSpPr>
-              <a:cxnSpLocks/>
-            </p:cNvCxnSpPr>
-            <p:nvPr>
-              <p:extLst>
-                <p:ext uri="{386F3935-93C4-4BCD-93E2-E3B085C9AB24}">
-                  <p16:designElem xmlns:p16="http://schemas.microsoft.com/office/powerpoint/2015/main" val="1"/>
-                </p:ext>
-              </p:extLst>
-            </p:nvPr>
-          </p:nvCxnSpPr>
-          <p:spPr>
-            <a:xfrm>
-              <a:off x="5109498" y="-1"/>
-              <a:ext cx="0" cy="6858000"/>
-            </a:xfrm>
-            <a:prstGeom prst="line">
-              <a:avLst/>
-            </a:prstGeom>
-            <a:ln w="12700">
-              <a:solidFill>
-                <a:srgbClr val="BCBCBC">
-                  <a:alpha val="29804"/>
-                </a:srgbClr>
-              </a:solidFill>
-              <a:prstDash val="sysDot"/>
-            </a:ln>
-          </p:spPr>
-          <p:style>
-            <a:lnRef idx="1">
-              <a:schemeClr val="accent1"/>
-            </a:lnRef>
-            <a:fillRef idx="0">
-              <a:schemeClr val="accent1"/>
-            </a:fillRef>
-            <a:effectRef idx="0">
-              <a:schemeClr val="accent1"/>
-            </a:effectRef>
-            <a:fontRef idx="minor">
-              <a:schemeClr val="tx1"/>
-            </a:fontRef>
-          </p:style>
-        </p:cxnSp>
-        <p:cxnSp>
-          <p:nvCxnSpPr>
-            <p:cNvPr id="22" name="Straight Connector 21">
-              <a:extLst>
-                <a:ext uri="{FF2B5EF4-FFF2-40B4-BE49-F238E27FC236}">
-                  <a16:creationId xmlns:a16="http://schemas.microsoft.com/office/drawing/2014/main" id="{E3598DD6-9887-4CF7-BAFE-F96E0324EB9E}"/>
-                </a:ext>
-                <a:ext uri="{C183D7F6-B498-43B3-948B-1728B52AA6E4}">
-                  <adec:decorative xmlns:adec="http://schemas.microsoft.com/office/drawing/2017/decorative" val="1"/>
-                </a:ext>
-              </a:extLst>
-            </p:cNvPr>
-            <p:cNvCxnSpPr>
-              <a:cxnSpLocks/>
-            </p:cNvCxnSpPr>
-            <p:nvPr>
-              <p:extLst>
-                <p:ext uri="{386F3935-93C4-4BCD-93E2-E3B085C9AB24}">
-                  <p16:designElem xmlns:p16="http://schemas.microsoft.com/office/powerpoint/2015/main" val="1"/>
-                </p:ext>
-              </p:extLst>
-            </p:nvPr>
-          </p:nvCxnSpPr>
-          <p:spPr>
-            <a:xfrm>
-              <a:off x="6092892" y="-1"/>
-              <a:ext cx="0" cy="6858000"/>
-            </a:xfrm>
-            <a:prstGeom prst="line">
-              <a:avLst/>
-            </a:prstGeom>
-            <a:ln w="12700">
-              <a:solidFill>
-                <a:srgbClr val="BCBCBC">
-                  <a:alpha val="29804"/>
-                </a:srgbClr>
-              </a:solidFill>
-              <a:prstDash val="sysDot"/>
-            </a:ln>
-          </p:spPr>
-          <p:style>
-            <a:lnRef idx="1">
-              <a:schemeClr val="accent1"/>
-            </a:lnRef>
-            <a:fillRef idx="0">
-              <a:schemeClr val="accent1"/>
-            </a:fillRef>
-            <a:effectRef idx="0">
-              <a:schemeClr val="accent1"/>
-            </a:effectRef>
-            <a:fontRef idx="minor">
-              <a:schemeClr val="tx1"/>
-            </a:fontRef>
-          </p:style>
-        </p:cxnSp>
-        <p:cxnSp>
-          <p:nvCxnSpPr>
-            <p:cNvPr id="23" name="Straight Connector 22">
-              <a:extLst>
-                <a:ext uri="{FF2B5EF4-FFF2-40B4-BE49-F238E27FC236}">
-                  <a16:creationId xmlns:a16="http://schemas.microsoft.com/office/drawing/2014/main" id="{AA503E64-565F-465B-A25C-042C5706C568}"/>
-                </a:ext>
-                <a:ext uri="{C183D7F6-B498-43B3-948B-1728B52AA6E4}">
-                  <adec:decorative xmlns:adec="http://schemas.microsoft.com/office/drawing/2017/decorative" val="1"/>
-                </a:ext>
-              </a:extLst>
-            </p:cNvPr>
-            <p:cNvCxnSpPr>
-              <a:cxnSpLocks/>
-            </p:cNvCxnSpPr>
-            <p:nvPr>
-              <p:extLst>
-                <p:ext uri="{386F3935-93C4-4BCD-93E2-E3B085C9AB24}">
-                  <p16:designElem xmlns:p16="http://schemas.microsoft.com/office/powerpoint/2015/main" val="1"/>
-                </p:ext>
-              </p:extLst>
-            </p:nvPr>
-          </p:nvCxnSpPr>
-          <p:spPr>
-            <a:xfrm>
-              <a:off x="7076286" y="-1"/>
-              <a:ext cx="0" cy="6858000"/>
-            </a:xfrm>
-            <a:prstGeom prst="line">
-              <a:avLst/>
-            </a:prstGeom>
-            <a:ln w="12700">
-              <a:solidFill>
-                <a:srgbClr val="BCBCBC">
-                  <a:alpha val="29804"/>
-                </a:srgbClr>
-              </a:solidFill>
-              <a:prstDash val="sysDot"/>
-            </a:ln>
-          </p:spPr>
-          <p:style>
-            <a:lnRef idx="1">
-              <a:schemeClr val="accent1"/>
-            </a:lnRef>
-            <a:fillRef idx="0">
-              <a:schemeClr val="accent1"/>
-            </a:fillRef>
-            <a:effectRef idx="0">
-              <a:schemeClr val="accent1"/>
-            </a:effectRef>
-            <a:fontRef idx="minor">
-              <a:schemeClr val="tx1"/>
-            </a:fontRef>
-          </p:style>
-        </p:cxnSp>
-        <p:cxnSp>
-          <p:nvCxnSpPr>
-            <p:cNvPr id="24" name="Straight Connector 23">
-              <a:extLst>
-                <a:ext uri="{FF2B5EF4-FFF2-40B4-BE49-F238E27FC236}">
-                  <a16:creationId xmlns:a16="http://schemas.microsoft.com/office/drawing/2014/main" id="{A140EE7B-5CA1-4DCB-8652-6E4D2147B0E7}"/>
-                </a:ext>
-                <a:ext uri="{C183D7F6-B498-43B3-948B-1728B52AA6E4}">
-                  <adec:decorative xmlns:adec="http://schemas.microsoft.com/office/drawing/2017/decorative" val="1"/>
-                </a:ext>
-              </a:extLst>
-            </p:cNvPr>
-            <p:cNvCxnSpPr>
-              <a:cxnSpLocks/>
-            </p:cNvCxnSpPr>
-            <p:nvPr>
-              <p:extLst>
-                <p:ext uri="{386F3935-93C4-4BCD-93E2-E3B085C9AB24}">
-                  <p16:designElem xmlns:p16="http://schemas.microsoft.com/office/powerpoint/2015/main" val="1"/>
-                </p:ext>
-              </p:extLst>
-            </p:nvPr>
-          </p:nvCxnSpPr>
-          <p:spPr>
-            <a:xfrm>
-              <a:off x="8059680" y="-1"/>
-              <a:ext cx="0" cy="6858000"/>
-            </a:xfrm>
-            <a:prstGeom prst="line">
-              <a:avLst/>
-            </a:prstGeom>
-            <a:ln w="12700">
-              <a:solidFill>
-                <a:srgbClr val="BCBCBC">
-                  <a:alpha val="29804"/>
-                </a:srgbClr>
-              </a:solidFill>
-              <a:prstDash val="sysDot"/>
-            </a:ln>
-          </p:spPr>
-          <p:style>
-            <a:lnRef idx="1">
-              <a:schemeClr val="accent1"/>
-            </a:lnRef>
-            <a:fillRef idx="0">
-              <a:schemeClr val="accent1"/>
-            </a:fillRef>
-            <a:effectRef idx="0">
-              <a:schemeClr val="accent1"/>
-            </a:effectRef>
-            <a:fontRef idx="minor">
-              <a:schemeClr val="tx1"/>
-            </a:fontRef>
-          </p:style>
-        </p:cxnSp>
-        <p:cxnSp>
-          <p:nvCxnSpPr>
-            <p:cNvPr id="25" name="Straight Connector 24">
-              <a:extLst>
-                <a:ext uri="{FF2B5EF4-FFF2-40B4-BE49-F238E27FC236}">
-                  <a16:creationId xmlns:a16="http://schemas.microsoft.com/office/drawing/2014/main" id="{F85077BE-700D-4C44-AA4D-7CF4E8FD71A9}"/>
-                </a:ext>
-                <a:ext uri="{C183D7F6-B498-43B3-948B-1728B52AA6E4}">
-                  <adec:decorative xmlns:adec="http://schemas.microsoft.com/office/drawing/2017/decorative" val="1"/>
-                </a:ext>
-              </a:extLst>
-            </p:cNvPr>
-            <p:cNvCxnSpPr>
-              <a:cxnSpLocks/>
-            </p:cNvCxnSpPr>
-            <p:nvPr>
-              <p:extLst>
-                <p:ext uri="{386F3935-93C4-4BCD-93E2-E3B085C9AB24}">
-                  <p16:designElem xmlns:p16="http://schemas.microsoft.com/office/powerpoint/2015/main" val="1"/>
-                </p:ext>
-              </p:extLst>
-            </p:nvPr>
-          </p:nvCxnSpPr>
-          <p:spPr>
-            <a:xfrm>
-              <a:off x="9043074" y="-1"/>
-              <a:ext cx="0" cy="6858000"/>
-            </a:xfrm>
-            <a:prstGeom prst="line">
-              <a:avLst/>
-            </a:prstGeom>
-            <a:ln w="12700">
-              <a:solidFill>
-                <a:srgbClr val="BCBCBC">
-                  <a:alpha val="29804"/>
-                </a:srgbClr>
-              </a:solidFill>
-              <a:prstDash val="sysDot"/>
-            </a:ln>
-          </p:spPr>
-          <p:style>
-            <a:lnRef idx="1">
-              <a:schemeClr val="accent1"/>
-            </a:lnRef>
-            <a:fillRef idx="0">
-              <a:schemeClr val="accent1"/>
-            </a:fillRef>
-            <a:effectRef idx="0">
-              <a:schemeClr val="accent1"/>
-            </a:effectRef>
-            <a:fontRef idx="minor">
-              <a:schemeClr val="tx1"/>
-            </a:fontRef>
-          </p:style>
-        </p:cxnSp>
-        <p:cxnSp>
-          <p:nvCxnSpPr>
-            <p:cNvPr id="26" name="Straight Connector 25">
-              <a:extLst>
-                <a:ext uri="{FF2B5EF4-FFF2-40B4-BE49-F238E27FC236}">
-                  <a16:creationId xmlns:a16="http://schemas.microsoft.com/office/drawing/2014/main" id="{FB8B3FEB-D353-443D-A148-3915606516D5}"/>
-                </a:ext>
-                <a:ext uri="{C183D7F6-B498-43B3-948B-1728B52AA6E4}">
-                  <adec:decorative xmlns:adec="http://schemas.microsoft.com/office/drawing/2017/decorative" val="1"/>
-                </a:ext>
-              </a:extLst>
-            </p:cNvPr>
-            <p:cNvCxnSpPr>
-              <a:cxnSpLocks/>
-            </p:cNvCxnSpPr>
-            <p:nvPr>
-              <p:extLst>
-                <p:ext uri="{386F3935-93C4-4BCD-93E2-E3B085C9AB24}">
-                  <p16:designElem xmlns:p16="http://schemas.microsoft.com/office/powerpoint/2015/main" val="1"/>
-                </p:ext>
-              </p:extLst>
-            </p:nvPr>
-          </p:nvCxnSpPr>
-          <p:spPr>
-            <a:xfrm>
-              <a:off x="10026468" y="-1"/>
-              <a:ext cx="0" cy="6858000"/>
-            </a:xfrm>
-            <a:prstGeom prst="line">
-              <a:avLst/>
-            </a:prstGeom>
-            <a:ln w="12700">
-              <a:solidFill>
-                <a:srgbClr val="BCBCBC">
-                  <a:alpha val="29804"/>
-                </a:srgbClr>
-              </a:solidFill>
-              <a:prstDash val="sysDot"/>
-            </a:ln>
-          </p:spPr>
-          <p:style>
-            <a:lnRef idx="1">
-              <a:schemeClr val="accent1"/>
-            </a:lnRef>
-            <a:fillRef idx="0">
-              <a:schemeClr val="accent1"/>
-            </a:fillRef>
-            <a:effectRef idx="0">
-              <a:schemeClr val="accent1"/>
-            </a:effectRef>
-            <a:fontRef idx="minor">
-              <a:schemeClr val="tx1"/>
-            </a:fontRef>
-          </p:style>
-        </p:cxnSp>
-        <p:cxnSp>
-          <p:nvCxnSpPr>
-            <p:cNvPr id="27" name="Straight Connector 26">
-              <a:extLst>
-                <a:ext uri="{FF2B5EF4-FFF2-40B4-BE49-F238E27FC236}">
-                  <a16:creationId xmlns:a16="http://schemas.microsoft.com/office/drawing/2014/main" id="{91FF5FBB-3BD8-46EB-BDF9-081B29A444BD}"/>
-                </a:ext>
-                <a:ext uri="{C183D7F6-B498-43B3-948B-1728B52AA6E4}">
-                  <adec:decorative xmlns:adec="http://schemas.microsoft.com/office/drawing/2017/decorative" val="1"/>
-                </a:ext>
-              </a:extLst>
-            </p:cNvPr>
-            <p:cNvCxnSpPr>
-              <a:cxnSpLocks/>
-            </p:cNvCxnSpPr>
-            <p:nvPr>
-              <p:extLst>
-                <p:ext uri="{386F3935-93C4-4BCD-93E2-E3B085C9AB24}">
-                  <p16:designElem xmlns:p16="http://schemas.microsoft.com/office/powerpoint/2015/main" val="1"/>
-                </p:ext>
-              </p:extLst>
-            </p:nvPr>
-          </p:nvCxnSpPr>
-          <p:spPr>
-            <a:xfrm>
-              <a:off x="11009862" y="-1"/>
-              <a:ext cx="0" cy="6858000"/>
-            </a:xfrm>
-            <a:prstGeom prst="line">
-              <a:avLst/>
-            </a:prstGeom>
-            <a:ln w="12700">
-              <a:solidFill>
-                <a:srgbClr val="BCBCBC">
-                  <a:alpha val="29804"/>
-                </a:srgbClr>
-              </a:solidFill>
-              <a:prstDash val="sysDot"/>
-            </a:ln>
-          </p:spPr>
-          <p:style>
-            <a:lnRef idx="1">
-              <a:schemeClr val="accent1"/>
-            </a:lnRef>
-            <a:fillRef idx="0">
-              <a:schemeClr val="accent1"/>
-            </a:fillRef>
-            <a:effectRef idx="0">
-              <a:schemeClr val="accent1"/>
-            </a:effectRef>
-            <a:fontRef idx="minor">
-              <a:schemeClr val="tx1"/>
-            </a:fontRef>
-          </p:style>
-        </p:cxnSp>
-        <p:cxnSp>
-          <p:nvCxnSpPr>
-            <p:cNvPr id="28" name="Straight Connector 27">
-              <a:extLst>
-                <a:ext uri="{FF2B5EF4-FFF2-40B4-BE49-F238E27FC236}">
-                  <a16:creationId xmlns:a16="http://schemas.microsoft.com/office/drawing/2014/main" id="{DC2E11FD-78A4-4F5C-A419-F0237DCAD274}"/>
-                </a:ext>
-                <a:ext uri="{C183D7F6-B498-43B3-948B-1728B52AA6E4}">
-                  <adec:decorative xmlns:adec="http://schemas.microsoft.com/office/drawing/2017/decorative" val="1"/>
-                </a:ext>
-              </a:extLst>
-            </p:cNvPr>
-            <p:cNvCxnSpPr>
-              <a:cxnSpLocks/>
-            </p:cNvCxnSpPr>
-            <p:nvPr>
-              <p:extLst>
-                <p:ext uri="{386F3935-93C4-4BCD-93E2-E3B085C9AB24}">
-                  <p16:designElem xmlns:p16="http://schemas.microsoft.com/office/powerpoint/2015/main" val="1"/>
-                </p:ext>
-              </p:extLst>
-            </p:nvPr>
-          </p:nvCxnSpPr>
-          <p:spPr>
-            <a:xfrm>
-              <a:off x="12185786" y="-1"/>
-              <a:ext cx="0" cy="6858000"/>
-            </a:xfrm>
-            <a:prstGeom prst="line">
-              <a:avLst/>
-            </a:prstGeom>
-            <a:ln w="12700">
-              <a:solidFill>
-                <a:srgbClr val="BCBCBC">
-                  <a:alpha val="29804"/>
-                </a:srgbClr>
-              </a:solidFill>
-              <a:prstDash val="sysDot"/>
-            </a:ln>
-          </p:spPr>
-          <p:style>
-            <a:lnRef idx="1">
-              <a:schemeClr val="accent1"/>
-            </a:lnRef>
-            <a:fillRef idx="0">
-              <a:schemeClr val="accent1"/>
-            </a:fillRef>
-            <a:effectRef idx="0">
-              <a:schemeClr val="accent1"/>
-            </a:effectRef>
-            <a:fontRef idx="minor">
-              <a:schemeClr val="tx1"/>
-            </a:fontRef>
-          </p:style>
-        </p:cxnSp>
-        <p:cxnSp>
-          <p:nvCxnSpPr>
-            <p:cNvPr id="29" name="Straight Connector 28">
-              <a:extLst>
-                <a:ext uri="{FF2B5EF4-FFF2-40B4-BE49-F238E27FC236}">
-                  <a16:creationId xmlns:a16="http://schemas.microsoft.com/office/drawing/2014/main" id="{9F708EBE-3154-4FF4-8E8F-88A076208068}"/>
-                </a:ext>
-                <a:ext uri="{C183D7F6-B498-43B3-948B-1728B52AA6E4}">
-                  <adec:decorative xmlns:adec="http://schemas.microsoft.com/office/drawing/2017/decorative" val="1"/>
-                </a:ext>
-              </a:extLst>
-            </p:cNvPr>
-            <p:cNvCxnSpPr>
-              <a:cxnSpLocks/>
-            </p:cNvCxnSpPr>
-            <p:nvPr>
-              <p:extLst>
-                <p:ext uri="{386F3935-93C4-4BCD-93E2-E3B085C9AB24}">
-                  <p16:designElem xmlns:p16="http://schemas.microsoft.com/office/powerpoint/2015/main" val="1"/>
-                </p:ext>
-              </p:extLst>
-            </p:nvPr>
-          </p:nvCxnSpPr>
-          <p:spPr>
-            <a:xfrm>
-              <a:off x="0" y="171716"/>
-              <a:ext cx="12192000" cy="0"/>
-            </a:xfrm>
-            <a:prstGeom prst="line">
-              <a:avLst/>
-            </a:prstGeom>
-            <a:ln w="12700">
-              <a:solidFill>
-                <a:srgbClr val="BCBCBC">
-                  <a:alpha val="29804"/>
-                </a:srgbClr>
-              </a:solidFill>
-              <a:prstDash val="sysDot"/>
-            </a:ln>
-          </p:spPr>
-          <p:style>
-            <a:lnRef idx="1">
-              <a:schemeClr val="accent1"/>
-            </a:lnRef>
-            <a:fillRef idx="0">
-              <a:schemeClr val="accent1"/>
-            </a:fillRef>
-            <a:effectRef idx="0">
-              <a:schemeClr val="accent1"/>
-            </a:effectRef>
-            <a:fontRef idx="minor">
-              <a:schemeClr val="tx1"/>
-            </a:fontRef>
-          </p:style>
-        </p:cxnSp>
-        <p:cxnSp>
-          <p:nvCxnSpPr>
-            <p:cNvPr id="30" name="Straight Connector 29">
-              <a:extLst>
-                <a:ext uri="{FF2B5EF4-FFF2-40B4-BE49-F238E27FC236}">
-                  <a16:creationId xmlns:a16="http://schemas.microsoft.com/office/drawing/2014/main" id="{27A99B5C-EB03-4D56-8DFE-B006D7081B61}"/>
-                </a:ext>
-                <a:ext uri="{C183D7F6-B498-43B3-948B-1728B52AA6E4}">
-                  <adec:decorative xmlns:adec="http://schemas.microsoft.com/office/drawing/2017/decorative" val="1"/>
-                </a:ext>
-              </a:extLst>
-            </p:cNvPr>
-            <p:cNvCxnSpPr>
-              <a:cxnSpLocks/>
-            </p:cNvCxnSpPr>
-            <p:nvPr>
-              <p:extLst>
-                <p:ext uri="{386F3935-93C4-4BCD-93E2-E3B085C9AB24}">
-                  <p16:designElem xmlns:p16="http://schemas.microsoft.com/office/powerpoint/2015/main" val="1"/>
-                </p:ext>
-              </p:extLst>
-            </p:nvPr>
-          </p:nvCxnSpPr>
-          <p:spPr>
-            <a:xfrm>
-              <a:off x="0" y="714597"/>
-              <a:ext cx="12192000" cy="0"/>
-            </a:xfrm>
-            <a:prstGeom prst="line">
-              <a:avLst/>
-            </a:prstGeom>
-            <a:ln w="12700">
-              <a:solidFill>
-                <a:srgbClr val="BCBCBC">
-                  <a:alpha val="29804"/>
-                </a:srgbClr>
-              </a:solidFill>
-              <a:prstDash val="sysDot"/>
-            </a:ln>
-          </p:spPr>
-          <p:style>
-            <a:lnRef idx="1">
-              <a:schemeClr val="accent1"/>
-            </a:lnRef>
-            <a:fillRef idx="0">
-              <a:schemeClr val="accent1"/>
-            </a:fillRef>
-            <a:effectRef idx="0">
-              <a:schemeClr val="accent1"/>
-            </a:effectRef>
-            <a:fontRef idx="minor">
-              <a:schemeClr val="tx1"/>
-            </a:fontRef>
-          </p:style>
-        </p:cxnSp>
-        <p:cxnSp>
-          <p:nvCxnSpPr>
-            <p:cNvPr id="31" name="Straight Connector 30">
-              <a:extLst>
-                <a:ext uri="{FF2B5EF4-FFF2-40B4-BE49-F238E27FC236}">
-                  <a16:creationId xmlns:a16="http://schemas.microsoft.com/office/drawing/2014/main" id="{2FCBAFF0-9FB4-4160-B9BE-CCBE1D8B8CBD}"/>
-                </a:ext>
-                <a:ext uri="{C183D7F6-B498-43B3-948B-1728B52AA6E4}">
-                  <adec:decorative xmlns:adec="http://schemas.microsoft.com/office/drawing/2017/decorative" val="1"/>
-                </a:ext>
-              </a:extLst>
-            </p:cNvPr>
-            <p:cNvCxnSpPr>
-              <a:cxnSpLocks/>
-            </p:cNvCxnSpPr>
-            <p:nvPr>
-              <p:extLst>
-                <p:ext uri="{386F3935-93C4-4BCD-93E2-E3B085C9AB24}">
-                  <p16:designElem xmlns:p16="http://schemas.microsoft.com/office/powerpoint/2015/main" val="1"/>
-                </p:ext>
-              </p:extLst>
-            </p:nvPr>
-          </p:nvCxnSpPr>
-          <p:spPr>
-            <a:xfrm>
-              <a:off x="0" y="1257478"/>
-              <a:ext cx="12192000" cy="0"/>
-            </a:xfrm>
-            <a:prstGeom prst="line">
-              <a:avLst/>
-            </a:prstGeom>
-            <a:ln w="12700">
-              <a:solidFill>
-                <a:srgbClr val="BCBCBC">
-                  <a:alpha val="29804"/>
-                </a:srgbClr>
-              </a:solidFill>
-              <a:prstDash val="sysDot"/>
-            </a:ln>
-          </p:spPr>
-          <p:style>
-            <a:lnRef idx="1">
-              <a:schemeClr val="accent1"/>
-            </a:lnRef>
-            <a:fillRef idx="0">
-              <a:schemeClr val="accent1"/>
-            </a:fillRef>
-            <a:effectRef idx="0">
-              <a:schemeClr val="accent1"/>
-            </a:effectRef>
-            <a:fontRef idx="minor">
-              <a:schemeClr val="tx1"/>
-            </a:fontRef>
-          </p:style>
-        </p:cxnSp>
-        <p:cxnSp>
-          <p:nvCxnSpPr>
-            <p:cNvPr id="32" name="Straight Connector 31">
-              <a:extLst>
-                <a:ext uri="{FF2B5EF4-FFF2-40B4-BE49-F238E27FC236}">
-                  <a16:creationId xmlns:a16="http://schemas.microsoft.com/office/drawing/2014/main" id="{326953D7-154A-49A4-B2E1-D94D365EC461}"/>
-                </a:ext>
-                <a:ext uri="{C183D7F6-B498-43B3-948B-1728B52AA6E4}">
-                  <adec:decorative xmlns:adec="http://schemas.microsoft.com/office/drawing/2017/decorative" val="1"/>
-                </a:ext>
-              </a:extLst>
-            </p:cNvPr>
-            <p:cNvCxnSpPr>
-              <a:cxnSpLocks/>
-            </p:cNvCxnSpPr>
-            <p:nvPr>
-              <p:extLst>
-                <p:ext uri="{386F3935-93C4-4BCD-93E2-E3B085C9AB24}">
-                  <p16:designElem xmlns:p16="http://schemas.microsoft.com/office/powerpoint/2015/main" val="1"/>
-                </p:ext>
-              </p:extLst>
-            </p:nvPr>
-          </p:nvCxnSpPr>
-          <p:spPr>
-            <a:xfrm>
-              <a:off x="0" y="1800359"/>
-              <a:ext cx="12192000" cy="0"/>
-            </a:xfrm>
-            <a:prstGeom prst="line">
-              <a:avLst/>
-            </a:prstGeom>
-            <a:ln w="12700">
-              <a:solidFill>
-                <a:srgbClr val="BCBCBC">
-                  <a:alpha val="29804"/>
-                </a:srgbClr>
-              </a:solidFill>
-              <a:prstDash val="sysDot"/>
-            </a:ln>
-          </p:spPr>
-          <p:style>
-            <a:lnRef idx="1">
-              <a:schemeClr val="accent1"/>
-            </a:lnRef>
-            <a:fillRef idx="0">
-              <a:schemeClr val="accent1"/>
-            </a:fillRef>
-            <a:effectRef idx="0">
-              <a:schemeClr val="accent1"/>
-            </a:effectRef>
-            <a:fontRef idx="minor">
-              <a:schemeClr val="tx1"/>
-            </a:fontRef>
-          </p:style>
-        </p:cxnSp>
-        <p:cxnSp>
-          <p:nvCxnSpPr>
-            <p:cNvPr id="33" name="Straight Connector 32">
-              <a:extLst>
-                <a:ext uri="{FF2B5EF4-FFF2-40B4-BE49-F238E27FC236}">
-                  <a16:creationId xmlns:a16="http://schemas.microsoft.com/office/drawing/2014/main" id="{836E3E12-5D96-48DB-8320-6294287740AC}"/>
-                </a:ext>
-                <a:ext uri="{C183D7F6-B498-43B3-948B-1728B52AA6E4}">
-                  <adec:decorative xmlns:adec="http://schemas.microsoft.com/office/drawing/2017/decorative" val="1"/>
-                </a:ext>
-              </a:extLst>
-            </p:cNvPr>
-            <p:cNvCxnSpPr>
-              <a:cxnSpLocks/>
-            </p:cNvCxnSpPr>
-            <p:nvPr>
-              <p:extLst>
-                <p:ext uri="{386F3935-93C4-4BCD-93E2-E3B085C9AB24}">
-                  <p16:designElem xmlns:p16="http://schemas.microsoft.com/office/powerpoint/2015/main" val="1"/>
-                </p:ext>
-              </p:extLst>
-            </p:nvPr>
-          </p:nvCxnSpPr>
-          <p:spPr>
-            <a:xfrm>
-              <a:off x="0" y="2343240"/>
-              <a:ext cx="12192000" cy="0"/>
-            </a:xfrm>
-            <a:prstGeom prst="line">
-              <a:avLst/>
-            </a:prstGeom>
-            <a:ln w="12700">
-              <a:solidFill>
-                <a:srgbClr val="BCBCBC">
-                  <a:alpha val="29804"/>
-                </a:srgbClr>
-              </a:solidFill>
-              <a:prstDash val="sysDot"/>
-            </a:ln>
-          </p:spPr>
-          <p:style>
-            <a:lnRef idx="1">
-              <a:schemeClr val="accent1"/>
-            </a:lnRef>
-            <a:fillRef idx="0">
-              <a:schemeClr val="accent1"/>
-            </a:fillRef>
-            <a:effectRef idx="0">
-              <a:schemeClr val="accent1"/>
-            </a:effectRef>
-            <a:fontRef idx="minor">
-              <a:schemeClr val="tx1"/>
-            </a:fontRef>
-          </p:style>
-        </p:cxnSp>
-        <p:cxnSp>
-          <p:nvCxnSpPr>
-            <p:cNvPr id="34" name="Straight Connector 33">
-              <a:extLst>
-                <a:ext uri="{FF2B5EF4-FFF2-40B4-BE49-F238E27FC236}">
-                  <a16:creationId xmlns:a16="http://schemas.microsoft.com/office/drawing/2014/main" id="{7A059482-79BA-4E80-80A2-36FD8408DA34}"/>
-                </a:ext>
-                <a:ext uri="{C183D7F6-B498-43B3-948B-1728B52AA6E4}">
-                  <adec:decorative xmlns:adec="http://schemas.microsoft.com/office/drawing/2017/decorative" val="1"/>
-                </a:ext>
-              </a:extLst>
-            </p:cNvPr>
-            <p:cNvCxnSpPr>
-              <a:cxnSpLocks/>
-            </p:cNvCxnSpPr>
-            <p:nvPr>
-              <p:extLst>
-                <p:ext uri="{386F3935-93C4-4BCD-93E2-E3B085C9AB24}">
-                  <p16:designElem xmlns:p16="http://schemas.microsoft.com/office/powerpoint/2015/main" val="1"/>
-                </p:ext>
-              </p:extLst>
-            </p:nvPr>
-          </p:nvCxnSpPr>
-          <p:spPr>
-            <a:xfrm>
-              <a:off x="0" y="2886121"/>
-              <a:ext cx="12192000" cy="0"/>
-            </a:xfrm>
-            <a:prstGeom prst="line">
-              <a:avLst/>
-            </a:prstGeom>
-            <a:ln w="12700">
-              <a:solidFill>
-                <a:srgbClr val="BCBCBC">
-                  <a:alpha val="29804"/>
-                </a:srgbClr>
-              </a:solidFill>
-              <a:prstDash val="sysDot"/>
-            </a:ln>
-          </p:spPr>
-          <p:style>
-            <a:lnRef idx="1">
-              <a:schemeClr val="accent1"/>
-            </a:lnRef>
-            <a:fillRef idx="0">
-              <a:schemeClr val="accent1"/>
-            </a:fillRef>
-            <a:effectRef idx="0">
-              <a:schemeClr val="accent1"/>
-            </a:effectRef>
-            <a:fontRef idx="minor">
-              <a:schemeClr val="tx1"/>
-            </a:fontRef>
-          </p:style>
-        </p:cxnSp>
-        <p:cxnSp>
-          <p:nvCxnSpPr>
-            <p:cNvPr id="35" name="Straight Connector 34">
-              <a:extLst>
-                <a:ext uri="{FF2B5EF4-FFF2-40B4-BE49-F238E27FC236}">
-                  <a16:creationId xmlns:a16="http://schemas.microsoft.com/office/drawing/2014/main" id="{B4EF88B3-C210-433D-B20D-FE41B4D5F936}"/>
-                </a:ext>
-                <a:ext uri="{C183D7F6-B498-43B3-948B-1728B52AA6E4}">
-                  <adec:decorative xmlns:adec="http://schemas.microsoft.com/office/drawing/2017/decorative" val="1"/>
-                </a:ext>
-              </a:extLst>
-            </p:cNvPr>
-            <p:cNvCxnSpPr>
-              <a:cxnSpLocks/>
-            </p:cNvCxnSpPr>
-            <p:nvPr>
-              <p:extLst>
-                <p:ext uri="{386F3935-93C4-4BCD-93E2-E3B085C9AB24}">
-                  <p16:designElem xmlns:p16="http://schemas.microsoft.com/office/powerpoint/2015/main" val="1"/>
-                </p:ext>
-              </p:extLst>
-            </p:nvPr>
-          </p:nvCxnSpPr>
-          <p:spPr>
-            <a:xfrm>
-              <a:off x="0" y="3429002"/>
-              <a:ext cx="12192000" cy="0"/>
-            </a:xfrm>
-            <a:prstGeom prst="line">
-              <a:avLst/>
-            </a:prstGeom>
-            <a:ln w="12700">
-              <a:solidFill>
-                <a:srgbClr val="BCBCBC">
-                  <a:alpha val="29804"/>
-                </a:srgbClr>
-              </a:solidFill>
-              <a:prstDash val="sysDot"/>
-            </a:ln>
-          </p:spPr>
-          <p:style>
-            <a:lnRef idx="1">
-              <a:schemeClr val="accent1"/>
-            </a:lnRef>
-            <a:fillRef idx="0">
-              <a:schemeClr val="accent1"/>
-            </a:fillRef>
-            <a:effectRef idx="0">
-              <a:schemeClr val="accent1"/>
-            </a:effectRef>
-            <a:fontRef idx="minor">
-              <a:schemeClr val="tx1"/>
-            </a:fontRef>
-          </p:style>
-        </p:cxnSp>
-        <p:cxnSp>
-          <p:nvCxnSpPr>
-            <p:cNvPr id="36" name="Straight Connector 35">
-              <a:extLst>
-                <a:ext uri="{FF2B5EF4-FFF2-40B4-BE49-F238E27FC236}">
-                  <a16:creationId xmlns:a16="http://schemas.microsoft.com/office/drawing/2014/main" id="{53665D3E-61E7-4EDF-A208-56449D765C62}"/>
-                </a:ext>
-                <a:ext uri="{C183D7F6-B498-43B3-948B-1728B52AA6E4}">
-                  <adec:decorative xmlns:adec="http://schemas.microsoft.com/office/drawing/2017/decorative" val="1"/>
-                </a:ext>
-              </a:extLst>
-            </p:cNvPr>
-            <p:cNvCxnSpPr>
-              <a:cxnSpLocks/>
-            </p:cNvCxnSpPr>
-            <p:nvPr>
-              <p:extLst>
-                <p:ext uri="{386F3935-93C4-4BCD-93E2-E3B085C9AB24}">
-                  <p16:designElem xmlns:p16="http://schemas.microsoft.com/office/powerpoint/2015/main" val="1"/>
-                </p:ext>
-              </p:extLst>
-            </p:nvPr>
-          </p:nvCxnSpPr>
-          <p:spPr>
-            <a:xfrm>
-              <a:off x="0" y="3971883"/>
-              <a:ext cx="12192000" cy="0"/>
-            </a:xfrm>
-            <a:prstGeom prst="line">
-              <a:avLst/>
-            </a:prstGeom>
-            <a:ln w="12700">
-              <a:solidFill>
-                <a:srgbClr val="BCBCBC">
-                  <a:alpha val="29804"/>
-                </a:srgbClr>
-              </a:solidFill>
-              <a:prstDash val="sysDot"/>
-            </a:ln>
-          </p:spPr>
-          <p:style>
-            <a:lnRef idx="1">
-              <a:schemeClr val="accent1"/>
-            </a:lnRef>
-            <a:fillRef idx="0">
-              <a:schemeClr val="accent1"/>
-            </a:fillRef>
-            <a:effectRef idx="0">
-              <a:schemeClr val="accent1"/>
-            </a:effectRef>
-            <a:fontRef idx="minor">
-              <a:schemeClr val="tx1"/>
-            </a:fontRef>
-          </p:style>
-        </p:cxnSp>
-        <p:cxnSp>
-          <p:nvCxnSpPr>
-            <p:cNvPr id="37" name="Straight Connector 36">
-              <a:extLst>
-                <a:ext uri="{FF2B5EF4-FFF2-40B4-BE49-F238E27FC236}">
-                  <a16:creationId xmlns:a16="http://schemas.microsoft.com/office/drawing/2014/main" id="{874CF3B0-C9C3-4683-94A3-DC0AE1E74512}"/>
-                </a:ext>
-                <a:ext uri="{C183D7F6-B498-43B3-948B-1728B52AA6E4}">
-                  <adec:decorative xmlns:adec="http://schemas.microsoft.com/office/drawing/2017/decorative" val="1"/>
-                </a:ext>
-              </a:extLst>
-            </p:cNvPr>
-            <p:cNvCxnSpPr>
-              <a:cxnSpLocks/>
-            </p:cNvCxnSpPr>
-            <p:nvPr>
-              <p:extLst>
-                <p:ext uri="{386F3935-93C4-4BCD-93E2-E3B085C9AB24}">
-                  <p16:designElem xmlns:p16="http://schemas.microsoft.com/office/powerpoint/2015/main" val="1"/>
-                </p:ext>
-              </p:extLst>
-            </p:nvPr>
-          </p:nvCxnSpPr>
-          <p:spPr>
-            <a:xfrm>
-              <a:off x="0" y="4514764"/>
-              <a:ext cx="12192000" cy="0"/>
-            </a:xfrm>
-            <a:prstGeom prst="line">
-              <a:avLst/>
-            </a:prstGeom>
-            <a:ln w="12700">
-              <a:solidFill>
-                <a:srgbClr val="BCBCBC">
-                  <a:alpha val="29804"/>
-                </a:srgbClr>
-              </a:solidFill>
-              <a:prstDash val="sysDot"/>
-            </a:ln>
-          </p:spPr>
-          <p:style>
-            <a:lnRef idx="1">
-              <a:schemeClr val="accent1"/>
-            </a:lnRef>
-            <a:fillRef idx="0">
-              <a:schemeClr val="accent1"/>
-            </a:fillRef>
-            <a:effectRef idx="0">
-              <a:schemeClr val="accent1"/>
-            </a:effectRef>
-            <a:fontRef idx="minor">
-              <a:schemeClr val="tx1"/>
-            </a:fontRef>
-          </p:style>
-        </p:cxnSp>
-        <p:cxnSp>
-          <p:nvCxnSpPr>
-            <p:cNvPr id="38" name="Straight Connector 37">
-              <a:extLst>
-                <a:ext uri="{FF2B5EF4-FFF2-40B4-BE49-F238E27FC236}">
-                  <a16:creationId xmlns:a16="http://schemas.microsoft.com/office/drawing/2014/main" id="{7BE90EF9-6DF5-47F4-A069-9F613C81422A}"/>
-                </a:ext>
-                <a:ext uri="{C183D7F6-B498-43B3-948B-1728B52AA6E4}">
-                  <adec:decorative xmlns:adec="http://schemas.microsoft.com/office/drawing/2017/decorative" val="1"/>
-                </a:ext>
-              </a:extLst>
-            </p:cNvPr>
-            <p:cNvCxnSpPr>
-              <a:cxnSpLocks/>
-            </p:cNvCxnSpPr>
-            <p:nvPr>
-              <p:extLst>
-                <p:ext uri="{386F3935-93C4-4BCD-93E2-E3B085C9AB24}">
-                  <p16:designElem xmlns:p16="http://schemas.microsoft.com/office/powerpoint/2015/main" val="1"/>
-                </p:ext>
-              </p:extLst>
-            </p:nvPr>
-          </p:nvCxnSpPr>
-          <p:spPr>
-            <a:xfrm>
-              <a:off x="0" y="5057645"/>
-              <a:ext cx="12192000" cy="0"/>
-            </a:xfrm>
-            <a:prstGeom prst="line">
-              <a:avLst/>
-            </a:prstGeom>
-            <a:ln w="12700">
-              <a:solidFill>
-                <a:srgbClr val="BCBCBC">
-                  <a:alpha val="29804"/>
-                </a:srgbClr>
-              </a:solidFill>
-              <a:prstDash val="sysDot"/>
-            </a:ln>
-          </p:spPr>
-          <p:style>
-            <a:lnRef idx="1">
-              <a:schemeClr val="accent1"/>
-            </a:lnRef>
-            <a:fillRef idx="0">
-              <a:schemeClr val="accent1"/>
-            </a:fillRef>
-            <a:effectRef idx="0">
-              <a:schemeClr val="accent1"/>
-            </a:effectRef>
-            <a:fontRef idx="minor">
-              <a:schemeClr val="tx1"/>
-            </a:fontRef>
-          </p:style>
-        </p:cxnSp>
-        <p:cxnSp>
-          <p:nvCxnSpPr>
-            <p:cNvPr id="39" name="Straight Connector 38">
-              <a:extLst>
-                <a:ext uri="{FF2B5EF4-FFF2-40B4-BE49-F238E27FC236}">
-                  <a16:creationId xmlns:a16="http://schemas.microsoft.com/office/drawing/2014/main" id="{F844EBDE-5A9F-4E9F-8A55-57FB9E979798}"/>
-                </a:ext>
-                <a:ext uri="{C183D7F6-B498-43B3-948B-1728B52AA6E4}">
-                  <adec:decorative xmlns:adec="http://schemas.microsoft.com/office/drawing/2017/decorative" val="1"/>
-                </a:ext>
-              </a:extLst>
-            </p:cNvPr>
-            <p:cNvCxnSpPr>
-              <a:cxnSpLocks/>
-            </p:cNvCxnSpPr>
-            <p:nvPr>
-              <p:extLst>
-                <p:ext uri="{386F3935-93C4-4BCD-93E2-E3B085C9AB24}">
-                  <p16:designElem xmlns:p16="http://schemas.microsoft.com/office/powerpoint/2015/main" val="1"/>
-                </p:ext>
-              </p:extLst>
-            </p:nvPr>
-          </p:nvCxnSpPr>
-          <p:spPr>
-            <a:xfrm>
-              <a:off x="0" y="5600526"/>
-              <a:ext cx="12192000" cy="0"/>
-            </a:xfrm>
-            <a:prstGeom prst="line">
-              <a:avLst/>
-            </a:prstGeom>
-            <a:ln w="12700">
-              <a:solidFill>
-                <a:srgbClr val="BCBCBC">
-                  <a:alpha val="29804"/>
-                </a:srgbClr>
-              </a:solidFill>
-              <a:prstDash val="sysDot"/>
-            </a:ln>
-          </p:spPr>
-          <p:style>
-            <a:lnRef idx="1">
-              <a:schemeClr val="accent1"/>
-            </a:lnRef>
-            <a:fillRef idx="0">
-              <a:schemeClr val="accent1"/>
-            </a:fillRef>
-            <a:effectRef idx="0">
-              <a:schemeClr val="accent1"/>
-            </a:effectRef>
-            <a:fontRef idx="minor">
-              <a:schemeClr val="tx1"/>
-            </a:fontRef>
-          </p:style>
-        </p:cxnSp>
-        <p:cxnSp>
-          <p:nvCxnSpPr>
-            <p:cNvPr id="40" name="Straight Connector 39">
-              <a:extLst>
-                <a:ext uri="{FF2B5EF4-FFF2-40B4-BE49-F238E27FC236}">
-                  <a16:creationId xmlns:a16="http://schemas.microsoft.com/office/drawing/2014/main" id="{6491FC45-82C4-40CD-8D0C-0A2F86E8A1EE}"/>
-                </a:ext>
-                <a:ext uri="{C183D7F6-B498-43B3-948B-1728B52AA6E4}">
-                  <adec:decorative xmlns:adec="http://schemas.microsoft.com/office/drawing/2017/decorative" val="1"/>
-                </a:ext>
-              </a:extLst>
-            </p:cNvPr>
-            <p:cNvCxnSpPr>
-              <a:cxnSpLocks/>
-            </p:cNvCxnSpPr>
-            <p:nvPr>
-              <p:extLst>
-                <p:ext uri="{386F3935-93C4-4BCD-93E2-E3B085C9AB24}">
-                  <p16:designElem xmlns:p16="http://schemas.microsoft.com/office/powerpoint/2015/main" val="1"/>
-                </p:ext>
-              </p:extLst>
-            </p:nvPr>
-          </p:nvCxnSpPr>
-          <p:spPr>
-            <a:xfrm>
-              <a:off x="0" y="6857999"/>
-              <a:ext cx="12192000" cy="0"/>
-            </a:xfrm>
-            <a:prstGeom prst="line">
-              <a:avLst/>
-            </a:prstGeom>
-            <a:ln w="12700">
-              <a:solidFill>
-                <a:srgbClr val="BCBCBC">
-                  <a:alpha val="29804"/>
-                </a:srgbClr>
-              </a:solidFill>
-              <a:prstDash val="sysDot"/>
-            </a:ln>
-          </p:spPr>
-          <p:style>
-            <a:lnRef idx="1">
-              <a:schemeClr val="accent1"/>
-            </a:lnRef>
-            <a:fillRef idx="0">
-              <a:schemeClr val="accent1"/>
-            </a:fillRef>
-            <a:effectRef idx="0">
-              <a:schemeClr val="accent1"/>
-            </a:effectRef>
-            <a:fontRef idx="minor">
-              <a:schemeClr val="tx1"/>
-            </a:fontRef>
-          </p:style>
-        </p:cxnSp>
-        <p:cxnSp>
-          <p:nvCxnSpPr>
-            <p:cNvPr id="41" name="Straight Connector 40">
-              <a:extLst>
-                <a:ext uri="{FF2B5EF4-FFF2-40B4-BE49-F238E27FC236}">
-                  <a16:creationId xmlns:a16="http://schemas.microsoft.com/office/drawing/2014/main" id="{71AD0FE3-6144-4171-943E-0E65D08E806C}"/>
-                </a:ext>
-                <a:ext uri="{C183D7F6-B498-43B3-948B-1728B52AA6E4}">
-                  <adec:decorative xmlns:adec="http://schemas.microsoft.com/office/drawing/2017/decorative" val="1"/>
-                </a:ext>
-              </a:extLst>
-            </p:cNvPr>
-            <p:cNvCxnSpPr>
-              <a:cxnSpLocks/>
-            </p:cNvCxnSpPr>
-            <p:nvPr>
-              <p:extLst>
-                <p:ext uri="{386F3935-93C4-4BCD-93E2-E3B085C9AB24}">
-                  <p16:designElem xmlns:p16="http://schemas.microsoft.com/office/powerpoint/2015/main" val="1"/>
-                </p:ext>
-              </p:extLst>
-            </p:nvPr>
-          </p:nvCxnSpPr>
-          <p:spPr>
-            <a:xfrm>
-              <a:off x="16613" y="6143407"/>
-              <a:ext cx="12192000" cy="0"/>
-            </a:xfrm>
-            <a:prstGeom prst="line">
-              <a:avLst/>
-            </a:prstGeom>
-            <a:ln w="12700">
-              <a:solidFill>
-                <a:srgbClr val="BCBCBC">
-                  <a:alpha val="29804"/>
-                </a:srgbClr>
-              </a:solidFill>
-              <a:prstDash val="sysDot"/>
-            </a:ln>
-          </p:spPr>
-          <p:style>
-            <a:lnRef idx="1">
-              <a:schemeClr val="accent1"/>
-            </a:lnRef>
-            <a:fillRef idx="0">
-              <a:schemeClr val="accent1"/>
-            </a:fillRef>
-            <a:effectRef idx="0">
-              <a:schemeClr val="accent1"/>
-            </a:effectRef>
-            <a:fontRef idx="minor">
-              <a:schemeClr val="tx1"/>
-            </a:fontRef>
-          </p:style>
-        </p:cxnSp>
-        <p:cxnSp>
-          <p:nvCxnSpPr>
-            <p:cNvPr id="42" name="Straight Connector 41">
-              <a:extLst>
-                <a:ext uri="{FF2B5EF4-FFF2-40B4-BE49-F238E27FC236}">
-                  <a16:creationId xmlns:a16="http://schemas.microsoft.com/office/drawing/2014/main" id="{A7BA4499-5E6A-4998-A0F4-614E65552B8C}"/>
-                </a:ext>
-                <a:ext uri="{C183D7F6-B498-43B3-948B-1728B52AA6E4}">
-                  <adec:decorative xmlns:adec="http://schemas.microsoft.com/office/drawing/2017/decorative" val="1"/>
-                </a:ext>
-              </a:extLst>
-            </p:cNvPr>
-            <p:cNvCxnSpPr>
-              <a:cxnSpLocks/>
-            </p:cNvCxnSpPr>
-            <p:nvPr>
-              <p:extLst>
-                <p:ext uri="{386F3935-93C4-4BCD-93E2-E3B085C9AB24}">
-                  <p16:designElem xmlns:p16="http://schemas.microsoft.com/office/powerpoint/2015/main" val="1"/>
-                </p:ext>
-              </p:extLst>
-            </p:nvPr>
-          </p:nvCxnSpPr>
-          <p:spPr>
-            <a:xfrm>
-              <a:off x="684225" y="171716"/>
-              <a:ext cx="0" cy="6511464"/>
-            </a:xfrm>
-            <a:prstGeom prst="line">
-              <a:avLst/>
-            </a:prstGeom>
-            <a:ln w="12700">
-              <a:solidFill>
-                <a:srgbClr val="BCBCBC">
-                  <a:alpha val="29804"/>
-                </a:srgbClr>
-              </a:solidFill>
-              <a:prstDash val="sysDot"/>
-            </a:ln>
-          </p:spPr>
-          <p:style>
-            <a:lnRef idx="1">
-              <a:schemeClr val="accent1"/>
-            </a:lnRef>
-            <a:fillRef idx="0">
-              <a:schemeClr val="accent1"/>
-            </a:fillRef>
-            <a:effectRef idx="0">
-              <a:schemeClr val="accent1"/>
-            </a:effectRef>
-            <a:fontRef idx="minor">
-              <a:schemeClr val="tx1"/>
-            </a:fontRef>
-          </p:style>
-        </p:cxnSp>
-        <p:cxnSp>
-          <p:nvCxnSpPr>
-            <p:cNvPr id="43" name="Straight Connector 42">
-              <a:extLst>
-                <a:ext uri="{FF2B5EF4-FFF2-40B4-BE49-F238E27FC236}">
-                  <a16:creationId xmlns:a16="http://schemas.microsoft.com/office/drawing/2014/main" id="{CAFE7A6F-A7F0-4406-809F-E23FCB201E3B}"/>
-                </a:ext>
-                <a:ext uri="{C183D7F6-B498-43B3-948B-1728B52AA6E4}">
-                  <adec:decorative xmlns:adec="http://schemas.microsoft.com/office/drawing/2017/decorative" val="1"/>
-                </a:ext>
-              </a:extLst>
-            </p:cNvPr>
-            <p:cNvCxnSpPr>
-              <a:cxnSpLocks/>
-            </p:cNvCxnSpPr>
-            <p:nvPr>
-              <p:extLst>
-                <p:ext uri="{386F3935-93C4-4BCD-93E2-E3B085C9AB24}">
-                  <p16:designElem xmlns:p16="http://schemas.microsoft.com/office/powerpoint/2015/main" val="1"/>
-                </p:ext>
-              </p:extLst>
-            </p:nvPr>
-          </p:nvCxnSpPr>
-          <p:spPr>
-            <a:xfrm>
-              <a:off x="11508412" y="173267"/>
-              <a:ext cx="0" cy="6511464"/>
-            </a:xfrm>
-            <a:prstGeom prst="line">
-              <a:avLst/>
-            </a:prstGeom>
-            <a:ln w="12700">
-              <a:solidFill>
-                <a:srgbClr val="BCBCBC">
-                  <a:alpha val="29804"/>
-                </a:srgbClr>
-              </a:solidFill>
-              <a:prstDash val="sysDot"/>
-            </a:ln>
-          </p:spPr>
-          <p:style>
-            <a:lnRef idx="1">
-              <a:schemeClr val="accent1"/>
-            </a:lnRef>
-            <a:fillRef idx="0">
-              <a:schemeClr val="accent1"/>
-            </a:fillRef>
-            <a:effectRef idx="0">
-              <a:schemeClr val="accent1"/>
-            </a:effectRef>
-            <a:fontRef idx="minor">
-              <a:schemeClr val="tx1"/>
-            </a:fontRef>
-          </p:style>
-        </p:cxnSp>
-      </p:grpSp>
-      <p:sp>
-        <p:nvSpPr>
-          <p:cNvPr id="2" name="Title 1">
-            <a:extLst>
-              <a:ext uri="{FF2B5EF4-FFF2-40B4-BE49-F238E27FC236}">
-                <a16:creationId xmlns:a16="http://schemas.microsoft.com/office/drawing/2014/main" id="{4E8D9BFD-A382-B198-0290-B7377E62EC79}"/>
-              </a:ext>
-            </a:extLst>
-          </p:cNvPr>
-          <p:cNvSpPr>
-            <a:spLocks noGrp="1"/>
-          </p:cNvSpPr>
-          <p:nvPr>
-            <p:ph type="title"/>
-          </p:nvPr>
-        </p:nvSpPr>
-        <p:spPr>
-          <a:xfrm>
-            <a:off x="6088653" y="725951"/>
-            <a:ext cx="4927425" cy="1938525"/>
-          </a:xfrm>
-        </p:spPr>
-        <p:txBody>
-          <a:bodyPr>
-            <a:normAutofit/>
-          </a:bodyPr>
-          <a:lstStyle/>
-          <a:p>
-            <a:pPr>
-              <a:lnSpc>
-                <a:spcPct val="90000"/>
-              </a:lnSpc>
-            </a:pPr>
-            <a:r>
-              <a:rPr lang="en-US" sz="3100"/>
-              <a:t>Handwriting Recognition in Smartwatches</a:t>
-            </a:r>
-            <a:br>
-              <a:rPr lang="en-US" sz="3100"/>
-            </a:br>
-            <a:endParaRPr lang="en-US" sz="3100"/>
-          </a:p>
-        </p:txBody>
-      </p:sp>
-      <p:pic>
-        <p:nvPicPr>
-          <p:cNvPr id="49" name="Picture 48" descr="Different types of clocks">
-            <a:extLst>
-              <a:ext uri="{FF2B5EF4-FFF2-40B4-BE49-F238E27FC236}">
-                <a16:creationId xmlns:a16="http://schemas.microsoft.com/office/drawing/2014/main" id="{127DBC93-3F32-73CD-722B-646C93B7D93C}"/>
-              </a:ext>
-            </a:extLst>
-          </p:cNvPr>
-          <p:cNvPicPr>
-            <a:picLocks noChangeAspect="1"/>
-          </p:cNvPicPr>
-          <p:nvPr/>
-        </p:nvPicPr>
-        <p:blipFill>
-          <a:blip r:embed="rId2"/>
-          <a:srcRect l="19895" r="32083"/>
-          <a:stretch/>
-        </p:blipFill>
-        <p:spPr>
-          <a:xfrm>
-            <a:off x="1" y="10"/>
-            <a:ext cx="5854890" cy="6857990"/>
-          </a:xfrm>
-          <a:custGeom>
-            <a:avLst/>
-            <a:gdLst/>
-            <a:ahLst/>
-            <a:cxnLst/>
-            <a:rect l="l" t="t" r="r" b="b"/>
-            <a:pathLst>
-              <a:path w="6036633" h="6858000">
-                <a:moveTo>
-                  <a:pt x="0" y="0"/>
-                </a:moveTo>
-                <a:lnTo>
-                  <a:pt x="5782584" y="0"/>
-                </a:lnTo>
-                <a:lnTo>
-                  <a:pt x="5847735" y="280891"/>
-                </a:lnTo>
-                <a:cubicBezTo>
-                  <a:pt x="6512611" y="3337011"/>
-                  <a:pt x="5215360" y="3533975"/>
-                  <a:pt x="5130974" y="6590095"/>
-                </a:cubicBezTo>
-                <a:lnTo>
-                  <a:pt x="5127340" y="6858000"/>
-                </a:lnTo>
-                <a:lnTo>
-                  <a:pt x="0" y="6858000"/>
-                </a:lnTo>
-                <a:close/>
-              </a:path>
-            </a:pathLst>
-          </a:custGeom>
-        </p:spPr>
-      </p:pic>
-      <p:sp>
-        <p:nvSpPr>
-          <p:cNvPr id="50" name="Right Triangle 49">
-            <a:extLst>
-              <a:ext uri="{FF2B5EF4-FFF2-40B4-BE49-F238E27FC236}">
-                <a16:creationId xmlns:a16="http://schemas.microsoft.com/office/drawing/2014/main" id="{BEAC0A80-07D3-49CB-87C3-BC34F219DFF7}"/>
-              </a:ext>
-              <a:ext uri="{C183D7F6-B498-43B3-948B-1728B52AA6E4}">
-                <adec:decorative xmlns:adec="http://schemas.microsoft.com/office/drawing/2017/decorative" val="1"/>
-              </a:ext>
-            </a:extLst>
-          </p:cNvPr>
-          <p:cNvSpPr>
-            <a:spLocks noGrp="1" noRot="1" noChangeAspect="1" noMove="1" noResize="1" noEditPoints="1" noAdjustHandles="1" noChangeArrowheads="1" noChangeShapeType="1" noTextEdit="1"/>
-          </p:cNvSpPr>
-          <p:nvPr>
-            <p:extLst>
-              <p:ext uri="{386F3935-93C4-4BCD-93E2-E3B085C9AB24}">
-                <p16:designElem xmlns:p16="http://schemas.microsoft.com/office/powerpoint/2015/main" val="1"/>
-              </p:ext>
-            </p:extLst>
-          </p:nvPr>
-        </p:nvSpPr>
-        <p:spPr>
-          <a:xfrm rot="18900000">
-            <a:off x="6297339" y="-292624"/>
-            <a:ext cx="568289" cy="568289"/>
-          </a:xfrm>
-          <a:prstGeom prst="rtTriangle">
-            <a:avLst/>
-          </a:prstGeom>
-          <a:solidFill>
-            <a:schemeClr val="accent1">
-              <a:alpha val="50000"/>
-            </a:schemeClr>
-          </a:solidFill>
-          <a:ln>
-            <a:noFill/>
-          </a:ln>
-        </p:spPr>
-        <p:style>
-          <a:lnRef idx="2">
-            <a:schemeClr val="accent1">
-              <a:shade val="50000"/>
-            </a:schemeClr>
-          </a:lnRef>
-          <a:fillRef idx="1">
-            <a:schemeClr val="accent1"/>
-          </a:fillRef>
-          <a:effectRef idx="0">
-            <a:schemeClr val="accent1"/>
-          </a:effectRef>
-          <a:fontRef idx="minor">
-            <a:schemeClr val="lt1"/>
-          </a:fontRef>
-        </p:style>
-        <p:txBody>
-          <a:bodyPr rtlCol="0" anchor="ctr"/>
-          <a:lstStyle/>
-          <a:p>
-            <a:pPr algn="ctr"/>
-            <a:endParaRPr lang="en-US">
-              <a:solidFill>
-                <a:schemeClr val="tx1"/>
-              </a:solidFill>
-            </a:endParaRPr>
-          </a:p>
-        </p:txBody>
-      </p:sp>
-      <p:sp>
-        <p:nvSpPr>
-          <p:cNvPr id="4" name="Rectangle 1">
-            <a:extLst>
-              <a:ext uri="{FF2B5EF4-FFF2-40B4-BE49-F238E27FC236}">
-                <a16:creationId xmlns:a16="http://schemas.microsoft.com/office/drawing/2014/main" id="{94C71176-5306-92B4-FBBE-19556483BAF4}"/>
-              </a:ext>
-            </a:extLst>
-          </p:cNvPr>
-          <p:cNvSpPr>
-            <a:spLocks noGrp="1" noChangeArrowheads="1"/>
-          </p:cNvSpPr>
-          <p:nvPr>
-            <p:ph idx="1"/>
-          </p:nvPr>
-        </p:nvSpPr>
-        <p:spPr bwMode="auto">
-          <a:xfrm>
-            <a:off x="6088653" y="2886116"/>
-            <a:ext cx="4927425" cy="3245931"/>
-          </a:xfrm>
-          <a:prstGeom prst="rect">
-            <a:avLst/>
-          </a:prstGeom>
-          <a:extLst>
-            <a:ext uri="{909E8E84-426E-40DD-AFC4-6F175D3DCCD1}">
-              <a14:hiddenFill xmlns:a14="http://schemas.microsoft.com/office/drawing/2010/main">
-                <a:solidFill>
-                  <a:schemeClr val="accent1"/>
-                </a:solidFill>
-              </a14:hiddenFill>
-            </a:ext>
-            <a:ext uri="{91240B29-F687-4F45-9708-019B960494DF}">
-              <a14:hiddenLine xmlns:a14="http://schemas.microsoft.com/office/drawing/2010/main" w="9525">
-                <a:solidFill>
-                  <a:schemeClr val="tx1"/>
-                </a:solidFill>
-                <a:miter lim="800000"/>
-                <a:headEnd/>
-                <a:tailEnd/>
-              </a14:hiddenLine>
-            </a:ext>
-            <a:ext uri="{AF507438-7753-43E0-B8FC-AC1667EBCBE1}">
-              <a14:hiddenEffects xmlns:a14="http://schemas.microsoft.com/office/drawing/2010/main">
-                <a:effectLst>
-                  <a:outerShdw dist="35921" dir="2700000" algn="ctr" rotWithShape="0">
-                    <a:schemeClr val="bg2"/>
-                  </a:outerShdw>
-                </a:effectLst>
-              </a14:hiddenEffects>
-            </a:ext>
-          </a:extLst>
-        </p:spPr>
-        <p:txBody>
-          <a:bodyPr vert="horz" lIns="91440" tIns="45720" rIns="91440" bIns="45720" numCol="1" anchorCtr="0" compatLnSpc="1">
-            <a:prstTxWarp prst="textNoShape">
-              <a:avLst/>
-            </a:prstTxWarp>
-            <a:normAutofit/>
-          </a:bodyPr>
-          <a:lstStyle/>
-          <a:p>
-            <a:pPr marL="0" marR="0" lvl="0" indent="0" algn="just" defTabSz="914400" rtl="0" eaLnBrk="0" fontAlgn="base" latinLnBrk="0" hangingPunct="0">
-              <a:lnSpc>
-                <a:spcPct val="100000"/>
-              </a:lnSpc>
-              <a:spcBef>
-                <a:spcPct val="0"/>
-              </a:spcBef>
-              <a:spcAft>
-                <a:spcPts val="600"/>
-              </a:spcAft>
-              <a:buClrTx/>
-              <a:buSzTx/>
-              <a:buFontTx/>
-              <a:buNone/>
-              <a:tabLst/>
-            </a:pPr>
-            <a:r>
-              <a:rPr lang="en-US" sz="1200" dirty="0"/>
-              <a:t>This technology implements machine learning models to digitize handwritten notes on smartwatches, enhancing productivity and data management. Four key models are employed: Traditional Naive Bayes for quick, basic recognition; Gaussian Naive Bayes for improved style handling; Multivariate Gaussian Naive Bayes for enhanced complexity recognition; and K-Nearest Neighbors for high accuracy across diverse styles. The implementation strategy involves adaptive model selection, balancing on-device and cloud processing, continuous learning, and battery optimization. Users benefit from improved productivity, enhanced accessibility, personalization, and versatility. Challenges such as limited processing power, battery life concerns, small display size, and varied handwriting styles are addressed through hardware optimization, adaptive model selection, intuitive UI design, and use of model ensembles. Future enhancements may include AI assistant integration, multilingual support, gesture recognition, and handwriting-based authentication.</a:t>
-            </a:r>
-            <a:endParaRPr kumimoji="0" lang="en-US" altLang="en-US" sz="1200" b="0" i="0" u="none" strike="noStrike" cap="none" normalizeH="0" baseline="0" dirty="0">
-              <a:ln>
-                <a:noFill/>
-              </a:ln>
-              <a:effectLst/>
-              <a:latin typeface="Arial" panose="020B0604020202020204" pitchFamily="34" charset="0"/>
-            </a:endParaRPr>
-          </a:p>
-        </p:txBody>
-      </p:sp>
-    </p:spTree>
-    <p:extLst>
-      <p:ext uri="{BB962C8B-B14F-4D97-AF65-F5344CB8AC3E}">
-        <p14:creationId xmlns:p14="http://schemas.microsoft.com/office/powerpoint/2010/main" val="4031112152"/>
       </p:ext>
     </p:extLst>
   </p:cSld>
